--- a/Giga Prezentacja Rel Essa Pogczamp.pptx
+++ b/Giga Prezentacja Rel Essa Pogczamp.pptx
@@ -2,57 +2,70 @@
 <file path=ppt/presentation.xml><?xml version="1.0" encoding="utf-8"?>
 <p:presentation xmlns:a="http://schemas.openxmlformats.org/drawingml/2006/main" xmlns:r="http://schemas.openxmlformats.org/officeDocument/2006/relationships" xmlns:mc="http://schemas.openxmlformats.org/markup-compatibility/2006" xmlns:mv="urn:schemas-microsoft-com:mac:vml" xmlns:p="http://schemas.openxmlformats.org/presentationml/2006/main" xmlns:c="http://schemas.openxmlformats.org/drawingml/2006/chart" xmlns:dgm="http://schemas.openxmlformats.org/drawingml/2006/diagram" xmlns:o="urn:schemas-microsoft-com:office:office" xmlns:v="urn:schemas-microsoft-com:vml" xmlns:pvml="urn:schemas-microsoft-com:office:powerpoint" xmlns:com="http://schemas.openxmlformats.org/drawingml/2006/compatibility" xmlns:p14="http://schemas.microsoft.com/office/powerpoint/2010/main" xmlns:p15="http://schemas.microsoft.com/office/powerpoint/2012/main" xmlns:ahyp="http://schemas.microsoft.com/office/drawing/2018/hyperlinkcolor" autoCompressPictures="0" embedTrueTypeFonts="1" strictFirstAndLastChars="0" saveSubsetFonts="1">
   <p:sldMasterIdLst>
-    <p:sldMasterId id="2147483659" r:id="rId5"/>
+    <p:sldMasterId id="2147483659" r:id="rId4"/>
   </p:sldMasterIdLst>
   <p:notesMasterIdLst>
-    <p:notesMasterId r:id="rId6"/>
+    <p:notesMasterId r:id="rId5"/>
   </p:notesMasterIdLst>
   <p:sldIdLst>
-    <p:sldId id="256" r:id="rId7"/>
-    <p:sldId id="257" r:id="rId8"/>
-    <p:sldId id="258" r:id="rId9"/>
-    <p:sldId id="259" r:id="rId10"/>
-    <p:sldId id="260" r:id="rId11"/>
-    <p:sldId id="261" r:id="rId12"/>
-    <p:sldId id="262" r:id="rId13"/>
-    <p:sldId id="263" r:id="rId14"/>
-    <p:sldId id="264" r:id="rId15"/>
-    <p:sldId id="265" r:id="rId16"/>
-    <p:sldId id="266" r:id="rId17"/>
-    <p:sldId id="267" r:id="rId18"/>
-    <p:sldId id="268" r:id="rId19"/>
-    <p:sldId id="269" r:id="rId20"/>
+    <p:sldId id="256" r:id="rId6"/>
+    <p:sldId id="257" r:id="rId7"/>
+    <p:sldId id="258" r:id="rId8"/>
+    <p:sldId id="259" r:id="rId9"/>
+    <p:sldId id="260" r:id="rId10"/>
+    <p:sldId id="261" r:id="rId11"/>
+    <p:sldId id="262" r:id="rId12"/>
+    <p:sldId id="263" r:id="rId13"/>
+    <p:sldId id="264" r:id="rId14"/>
+    <p:sldId id="265" r:id="rId15"/>
+    <p:sldId id="266" r:id="rId16"/>
+    <p:sldId id="267" r:id="rId17"/>
+    <p:sldId id="268" r:id="rId18"/>
+    <p:sldId id="269" r:id="rId19"/>
+    <p:sldId id="270" r:id="rId20"/>
+    <p:sldId id="271" r:id="rId21"/>
+    <p:sldId id="272" r:id="rId22"/>
+    <p:sldId id="273" r:id="rId23"/>
+    <p:sldId id="274" r:id="rId24"/>
+    <p:sldId id="275" r:id="rId25"/>
   </p:sldIdLst>
   <p:sldSz cy="5143500" cx="9144000"/>
   <p:notesSz cx="6858000" cy="9144000"/>
   <p:embeddedFontLst>
     <p:embeddedFont>
       <p:font typeface="Economica"/>
-      <p:regular r:id="rId21"/>
-      <p:bold r:id="rId22"/>
-      <p:italic r:id="rId23"/>
-      <p:boldItalic r:id="rId24"/>
+      <p:regular r:id="rId26"/>
+      <p:bold r:id="rId27"/>
+      <p:italic r:id="rId28"/>
+      <p:boldItalic r:id="rId29"/>
+    </p:embeddedFont>
+    <p:embeddedFont>
+      <p:font typeface="Roboto"/>
+      <p:regular r:id="rId30"/>
+      <p:bold r:id="rId31"/>
+      <p:italic r:id="rId32"/>
+      <p:boldItalic r:id="rId33"/>
     </p:embeddedFont>
     <p:embeddedFont>
       <p:font typeface="Open Sans Medium"/>
-      <p:regular r:id="rId25"/>
-      <p:bold r:id="rId26"/>
-      <p:italic r:id="rId27"/>
-      <p:boldItalic r:id="rId28"/>
+      <p:regular r:id="rId34"/>
+      <p:bold r:id="rId35"/>
+      <p:italic r:id="rId36"/>
+      <p:boldItalic r:id="rId37"/>
     </p:embeddedFont>
     <p:embeddedFont>
       <p:font typeface="Open Sans Light"/>
-      <p:regular r:id="rId29"/>
-      <p:bold r:id="rId30"/>
-      <p:italic r:id="rId31"/>
-      <p:boldItalic r:id="rId32"/>
+      <p:regular r:id="rId38"/>
+      <p:bold r:id="rId39"/>
+      <p:italic r:id="rId40"/>
+      <p:boldItalic r:id="rId41"/>
     </p:embeddedFont>
     <p:embeddedFont>
       <p:font typeface="Open Sans"/>
-      <p:regular r:id="rId33"/>
-      <p:bold r:id="rId34"/>
-      <p:italic r:id="rId35"/>
-      <p:boldItalic r:id="rId36"/>
+      <p:regular r:id="rId42"/>
+      <p:bold r:id="rId43"/>
+      <p:italic r:id="rId44"/>
+      <p:boldItalic r:id="rId45"/>
     </p:embeddedFont>
   </p:embeddedFontLst>
   <p:defaultTextStyle>
@@ -301,106 +314,6 @@
     </p:ext>
   </p:extLst>
 </p:presentation>
-</file>
-
-<file path=ppt/commentAuthors.xml><?xml version="1.0" encoding="utf-8"?>
-<p:cmAuthorLst xmlns:a="http://schemas.openxmlformats.org/drawingml/2006/main" xmlns:r="http://schemas.openxmlformats.org/officeDocument/2006/relationships" xmlns:mc="http://schemas.openxmlformats.org/markup-compatibility/2006" xmlns:mv="urn:schemas-microsoft-com:mac:vml" xmlns:p="http://schemas.openxmlformats.org/presentationml/2006/main" xmlns:c="http://schemas.openxmlformats.org/drawingml/2006/chart" xmlns:dgm="http://schemas.openxmlformats.org/drawingml/2006/diagram" xmlns:o="urn:schemas-microsoft-com:office:office" xmlns:v="urn:schemas-microsoft-com:vml" xmlns:pvml="urn:schemas-microsoft-com:office:powerpoint" xmlns:com="http://schemas.openxmlformats.org/drawingml/2006/compatibility" xmlns:p14="http://schemas.microsoft.com/office/powerpoint/2010/main" xmlns:p15="http://schemas.microsoft.com/office/powerpoint/2012/main" xmlns:ahyp="http://schemas.microsoft.com/office/drawing/2018/hyperlinkcolor">
-  <p:cmAuthor clrIdx="0" id="0" initials="" lastIdx="11" name="Miłosz Milosavljević"/>
-</p:cmAuthorLst>
-</file>
-
-<file path=ppt/comments/comment1.xml><?xml version="1.0" encoding="utf-8"?>
-<p:cmLst xmlns:a="http://schemas.openxmlformats.org/drawingml/2006/main" xmlns:r="http://schemas.openxmlformats.org/officeDocument/2006/relationships" xmlns:mc="http://schemas.openxmlformats.org/markup-compatibility/2006" xmlns:mv="urn:schemas-microsoft-com:mac:vml" xmlns:p="http://schemas.openxmlformats.org/presentationml/2006/main" xmlns:c="http://schemas.openxmlformats.org/drawingml/2006/chart" xmlns:dgm="http://schemas.openxmlformats.org/drawingml/2006/diagram" xmlns:o="urn:schemas-microsoft-com:office:office" xmlns:v="urn:schemas-microsoft-com:vml" xmlns:pvml="urn:schemas-microsoft-com:office:powerpoint" xmlns:com="http://schemas.openxmlformats.org/drawingml/2006/compatibility" xmlns:p14="http://schemas.microsoft.com/office/powerpoint/2010/main" xmlns:p15="http://schemas.microsoft.com/office/powerpoint/2012/main" xmlns:ahyp="http://schemas.microsoft.com/office/drawing/2018/hyperlinkcolor">
-  <p:cm authorId="0" idx="1" dt="2022-12-16T15:21:08.278">
-    <p:pos x="6000" y="0"/>
-    <p:text>W latach 50-tych ubiegłego wieku informatyk Donald Shell zauważył, iż algorytm sortowanie przez wstawianie pracuje bardzo efektywnie w przypadku gdy zbiór jest w dużym stopniu uporządkowany. Z kolei algorytm ten pracuje nieefektywnie w zbiorach nieuporządkowanych, ponieważ elementy są przesuwane w każdym obiegu o jedną pozycję przy wstawianiu elementu wybranego na listę uporządkowaną.</p:text>
-  </p:cm>
-</p:cmLst>
-</file>
-
-<file path=ppt/comments/comment2.xml><?xml version="1.0" encoding="utf-8"?>
-<p:cmLst xmlns:a="http://schemas.openxmlformats.org/drawingml/2006/main" xmlns:r="http://schemas.openxmlformats.org/officeDocument/2006/relationships" xmlns:mc="http://schemas.openxmlformats.org/markup-compatibility/2006" xmlns:mv="urn:schemas-microsoft-com:mac:vml" xmlns:p="http://schemas.openxmlformats.org/presentationml/2006/main" xmlns:c="http://schemas.openxmlformats.org/drawingml/2006/chart" xmlns:dgm="http://schemas.openxmlformats.org/drawingml/2006/diagram" xmlns:o="urn:schemas-microsoft-com:office:office" xmlns:v="urn:schemas-microsoft-com:vml" xmlns:pvml="urn:schemas-microsoft-com:office:powerpoint" xmlns:com="http://schemas.openxmlformats.org/drawingml/2006/compatibility" xmlns:p14="http://schemas.microsoft.com/office/powerpoint/2010/main" xmlns:p15="http://schemas.microsoft.com/office/powerpoint/2012/main" xmlns:ahyp="http://schemas.microsoft.com/office/drawing/2018/hyperlinkcolor">
-  <p:cm authorId="0" idx="2" dt="2022-12-16T15:02:00.827">
-    <p:pos x="6000" y="0"/>
-    <p:text>Pomysł Shella polegał na tym, iż sortowany zbiór dzielimy na podzbiory, których elementy są odległe od siebie w sortowanym zbiorze o pewien odstęp h. Każdy z tych podzbiorów sortujemy algorytmem przez wstawianie. Następnie odstęp zmniejszamy. Powoduje to powstanie nowych podzbiorów (będzie ich już mniej). Sortowanie powtarzamy i znów zmniejszamy odstęp, aż osiągnie on wartość 1.</p:text>
-  </p:cm>
-  <p:cm authorId="0" idx="3" dt="2022-12-16T15:02:00.827">
-    <p:pos x="6000" y="0"/>
-    <p:text>Wtedy sortujemy już normalnie za pomocą Instertion Sort. Jednakże z uwagi na wcześniejsze obiegi sortujące mamy ułatwione zadanie, ponieważ zbiór został w dużym stopniu uporządkowany. Dzięki początkowym dużym odstępom elementy były przesuwane w zbiorze bardziej efektywnie - na duże odległości. W wyniku otrzymujemy najlepszy pod względem szybkości czasu wykonania algorytm sortujący w klasie O(n2). Algorytm ten nosi również nazwę algorytmu sortowania przez wstawianie z malejącym odstępem (ang. Diminishing Increment Sort).</p:text>
-  </p:cm>
-</p:cmLst>
-</file>
-
-<file path=ppt/comments/comment3.xml><?xml version="1.0" encoding="utf-8"?>
-<p:cmLst xmlns:a="http://schemas.openxmlformats.org/drawingml/2006/main" xmlns:r="http://schemas.openxmlformats.org/officeDocument/2006/relationships" xmlns:mc="http://schemas.openxmlformats.org/markup-compatibility/2006" xmlns:mv="urn:schemas-microsoft-com:mac:vml" xmlns:p="http://schemas.openxmlformats.org/presentationml/2006/main" xmlns:c="http://schemas.openxmlformats.org/drawingml/2006/chart" xmlns:dgm="http://schemas.openxmlformats.org/drawingml/2006/diagram" xmlns:o="urn:schemas-microsoft-com:office:office" xmlns:v="urn:schemas-microsoft-com:vml" xmlns:pvml="urn:schemas-microsoft-com:office:powerpoint" xmlns:com="http://schemas.openxmlformats.org/drawingml/2006/compatibility" xmlns:p14="http://schemas.microsoft.com/office/powerpoint/2010/main" xmlns:p15="http://schemas.microsoft.com/office/powerpoint/2012/main" xmlns:ahyp="http://schemas.microsoft.com/office/drawing/2018/hyperlinkcolor">
-  <p:cm authorId="0" idx="4" dt="2022-12-16T14:54:42.095">
-    <p:pos x="6000" y="0"/>
-    <p:text>Posortujemy metodą Shella zbiór ośmiu liczb: { 4 2 9 5 6 3 8 1 } w porządku rosnącym. Zbiór posiada osiem elementów, zatem przyjmiemy na wstępie odstęp h równy 4. Taki odstęp podzieli zbiór na 4 podzbiory, których elementy będą elementami zbioru wejściowego odległymi od siebie o 4 pozycje. Każdy z otrzymanych podzbiorów sortujemy algorytmem sortowania przez wstawianie. Ponieważ zbiory te są dwuelementowe, to sortowanie pędzie polegało na porównaniu pierwszego elementu podzbioru z elementem drugim i ewentualną zamianę ich miejsc, jeśli będą w niewłaściwym porządku.</p:text>
-  </p:cm>
-</p:cmLst>
-</file>
-
-<file path=ppt/comments/comment4.xml><?xml version="1.0" encoding="utf-8"?>
-<p:cmLst xmlns:a="http://schemas.openxmlformats.org/drawingml/2006/main" xmlns:r="http://schemas.openxmlformats.org/officeDocument/2006/relationships" xmlns:mc="http://schemas.openxmlformats.org/markup-compatibility/2006" xmlns:mv="urn:schemas-microsoft-com:mac:vml" xmlns:p="http://schemas.openxmlformats.org/presentationml/2006/main" xmlns:c="http://schemas.openxmlformats.org/drawingml/2006/chart" xmlns:dgm="http://schemas.openxmlformats.org/drawingml/2006/diagram" xmlns:o="urn:schemas-microsoft-com:office:office" xmlns:v="urn:schemas-microsoft-com:vml" xmlns:pvml="urn:schemas-microsoft-com:office:powerpoint" xmlns:com="http://schemas.openxmlformats.org/drawingml/2006/compatibility" xmlns:p14="http://schemas.microsoft.com/office/powerpoint/2010/main" xmlns:p15="http://schemas.microsoft.com/office/powerpoint/2012/main" xmlns:ahyp="http://schemas.microsoft.com/office/drawing/2018/hyperlinkcolor">
-  <p:cm authorId="0" idx="5" dt="2022-12-16T14:56:10.503">
-    <p:pos x="6000" y="0"/>
-    <p:text>Zmniejszamy odstęp h o połowę, więc h = 2. Zbiór podstawowy zostanie podzielony na dwa podzbiory. Każdy z tych podzbiorów sortujemy przez wstawianie:</p:text>
-  </p:cm>
-</p:cmLst>
-</file>
-
-<file path=ppt/comments/comment5.xml><?xml version="1.0" encoding="utf-8"?>
-<p:cmLst xmlns:a="http://schemas.openxmlformats.org/drawingml/2006/main" xmlns:r="http://schemas.openxmlformats.org/officeDocument/2006/relationships" xmlns:mc="http://schemas.openxmlformats.org/markup-compatibility/2006" xmlns:mv="urn:schemas-microsoft-com:mac:vml" xmlns:p="http://schemas.openxmlformats.org/presentationml/2006/main" xmlns:c="http://schemas.openxmlformats.org/drawingml/2006/chart" xmlns:dgm="http://schemas.openxmlformats.org/drawingml/2006/diagram" xmlns:o="urn:schemas-microsoft-com:office:office" xmlns:v="urn:schemas-microsoft-com:vml" xmlns:pvml="urn:schemas-microsoft-com:office:powerpoint" xmlns:com="http://schemas.openxmlformats.org/drawingml/2006/compatibility" xmlns:p14="http://schemas.microsoft.com/office/powerpoint/2010/main" xmlns:p15="http://schemas.microsoft.com/office/powerpoint/2012/main" xmlns:ahyp="http://schemas.microsoft.com/office/drawing/2018/hyperlinkcolor">
-  <p:cm authorId="0" idx="6" dt="2022-12-16T14:56:24.327">
-    <p:pos x="6000" y="0"/>
-    <p:text>Zmniejszamy odstęp h o połowę, h = 1. Taki odstęp nie dzieli zbioru wejściowego na podzbiory, więc teraz będzie sortowany przez wstawianie cały zbiór. Jednak algorytm sortujący ma ułatwioną pracę, ponieważ dzięki poprzednim dwóm obiegom zbiór został częściowo uporządkowany - elementy małe zbliżyły się do początku zbioru, a elementy duże do końca.</p:text>
-  </p:cm>
-</p:cmLst>
-</file>
-
-<file path=ppt/comments/comment6.xml><?xml version="1.0" encoding="utf-8"?>
-<p:cmLst xmlns:a="http://schemas.openxmlformats.org/drawingml/2006/main" xmlns:r="http://schemas.openxmlformats.org/officeDocument/2006/relationships" xmlns:mc="http://schemas.openxmlformats.org/markup-compatibility/2006" xmlns:mv="urn:schemas-microsoft-com:mac:vml" xmlns:p="http://schemas.openxmlformats.org/presentationml/2006/main" xmlns:c="http://schemas.openxmlformats.org/drawingml/2006/chart" xmlns:dgm="http://schemas.openxmlformats.org/drawingml/2006/diagram" xmlns:o="urn:schemas-microsoft-com:office:office" xmlns:v="urn:schemas-microsoft-com:vml" xmlns:pvml="urn:schemas-microsoft-com:office:powerpoint" xmlns:com="http://schemas.openxmlformats.org/drawingml/2006/compatibility" xmlns:p14="http://schemas.microsoft.com/office/powerpoint/2010/main" xmlns:p15="http://schemas.microsoft.com/office/powerpoint/2012/main" xmlns:ahyp="http://schemas.microsoft.com/office/drawing/2018/hyperlinkcolor">
-  <p:cm authorId="0" idx="7" dt="2022-12-17T15:29:00.994">
-    <p:pos x="6000" y="0"/>
-    <p:text>Kluczowym elementem wpływającym na efektywność sortowania metodą Shella jest właściwy dobór ciągu odstępów. Okazuje się, iż ciąg zaproponowany przez twórcę algorytmu jest jednym z najgorszych, ponieważ w kolejnych podzbiorach uczestniczą wielokrotnie te same elementy.</p:text>
-  </p:cm>
-  <p:cm authorId="0" idx="8" dt="2022-12-17T15:29:00.994">
-    <p:pos x="6000" y="0"/>
-    <p:text>Dotąd problem optymalnych odstępów w algorytmie sortowania metodą Shella nie został rozwiązany matematycznie, ponieważ w ogólnym przypadku jest niezwykle trudny. Wielu badaczy proponowało na wybór tych odstępów różne ciągi liczbowe otrzymując lepsze lub gorsze rezultaty.</p:text>
-  </p:cm>
-</p:cmLst>
-</file>
-
-<file path=ppt/comments/comment7.xml><?xml version="1.0" encoding="utf-8"?>
-<p:cmLst xmlns:a="http://schemas.openxmlformats.org/drawingml/2006/main" xmlns:r="http://schemas.openxmlformats.org/officeDocument/2006/relationships" xmlns:mc="http://schemas.openxmlformats.org/markup-compatibility/2006" xmlns:mv="urn:schemas-microsoft-com:mac:vml" xmlns:p="http://schemas.openxmlformats.org/presentationml/2006/main" xmlns:c="http://schemas.openxmlformats.org/drawingml/2006/chart" xmlns:dgm="http://schemas.openxmlformats.org/drawingml/2006/diagram" xmlns:o="urn:schemas-microsoft-com:office:office" xmlns:v="urn:schemas-microsoft-com:vml" xmlns:pvml="urn:schemas-microsoft-com:office:powerpoint" xmlns:com="http://schemas.openxmlformats.org/drawingml/2006/compatibility" xmlns:p14="http://schemas.microsoft.com/office/powerpoint/2010/main" xmlns:p15="http://schemas.microsoft.com/office/powerpoint/2012/main" xmlns:ahyp="http://schemas.microsoft.com/office/drawing/2018/hyperlinkcolor">
-  <p:cm authorId="0" idx="9" dt="2022-12-17T15:29:12.067">
-    <p:pos x="6000" y="0"/>
-    <p:text>Jeśli N jest potęga dwójki, to sortowanie z oryginalnym ciągiem odstępów zaproponowanym przez Shella wykonuje w najgorszym przypadku O( N^2 ) porównań. Przypadek ten zachodzi na przykład wtedy, gdy elementy większe i mniejsze od mediany zajmują odpowiednio parzyste i nieparzyste pozycje tablicy, ponieważ są one porównywane dopiero w ostatnim przebiegu.
-Wersja zaproponowana przez Pratta ma wprawdzie wyższą złożoność niż optymalne dla algorytmów sortowania opartych na porównaniach O(N log ⁡N) , ale za to prowadzi do sieci sortującej o liczbie komparatorów tego samego rzędu, co sieć Batchera.
-Zauważono, że średnio najmniej porównań elementów potrzeba, gdy ilorazy kolejnych odstępów leżą mniej więcej pomiędzy 2,2 a 2,3. Dlatego ciągi Gonneta i Baezy-Yatesa o ilorazie 2,2 i Tokudy o ilorazie 2,25 sprawdzają się w praktyce. Nie wiadomo jednak, dlaczego minimum przypada właśnie w tym miejscu. Zalecane jest też stosowanie odstępów o niskich największych wspólnych dzielnikach lub parami względnie pierwszych.
-Pod względem średniej liczby porównań elementów najlepsze znane ciągi odstępów to ciąg 1, 4, 10, 23, 57, 132, 301, 701 i podobne, o wyrazach znalezionych doświadczalnie. Dalsze wyrazy optymalnych ciągów pozostają nieznane. Do dobrych wyników prowadzi przedłużenie ich zgodnie ze wzorem rekurencyjnym h k = ⌊ 2,25 h_k − 1 ⌋ .
-Do zastosowań praktycznych można też polecić ciąg Tokudy, określony prostymi wzorami h_k = ⌈ h_k′ ⌉ , gdzie h_k′ = 2 , 25 h_k − 1′ + 1 , h1′ = 1.</p:text>
-  </p:cm>
-</p:cmLst>
-</file>
-
-<file path=ppt/comments/comment8.xml><?xml version="1.0" encoding="utf-8"?>
-<p:cmLst xmlns:a="http://schemas.openxmlformats.org/drawingml/2006/main" xmlns:r="http://schemas.openxmlformats.org/officeDocument/2006/relationships" xmlns:mc="http://schemas.openxmlformats.org/markup-compatibility/2006" xmlns:mv="urn:schemas-microsoft-com:mac:vml" xmlns:p="http://schemas.openxmlformats.org/presentationml/2006/main" xmlns:c="http://schemas.openxmlformats.org/drawingml/2006/chart" xmlns:dgm="http://schemas.openxmlformats.org/drawingml/2006/diagram" xmlns:o="urn:schemas-microsoft-com:office:office" xmlns:v="urn:schemas-microsoft-com:vml" xmlns:pvml="urn:schemas-microsoft-com:office:powerpoint" xmlns:com="http://schemas.openxmlformats.org/drawingml/2006/compatibility" xmlns:p14="http://schemas.microsoft.com/office/powerpoint/2010/main" xmlns:p15="http://schemas.microsoft.com/office/powerpoint/2012/main" xmlns:ahyp="http://schemas.microsoft.com/office/drawing/2018/hyperlinkcolor">
-  <p:cm authorId="0" idx="10" dt="2022-12-17T15:58:57.352">
-    <p:pos x="6000" y="0"/>
-    <p:text>Na początku działania algorytmu ustalany jest przedział wartości, które zależą od wartości wszystkich elementów w sekwencji, która ma być posortowana. Dla przykładu, sekwencja v liczb całkowitych [100, 2, 0, 150, 2, 3, 0] tworzy przedział [min(v), max(v)] = [0, 150] wynoszący łącznie 151 elementów; z kolei v' o wartościach [15, 6, 11, 10] tworzy przedział [6, 15] z dziesięcioma elementami. W momencie, gdy przedział nie jest znany, można posłużyć się minimalnymi i maksymalnymi wartościami typów elementów w v (np. dla sekwencji, gdzie każdy element ma typ unsigned char (8 bitów) jest to [0, 255])</p:text>
-  </p:cm>
-</p:cmLst>
-</file>
-
-<file path=ppt/comments/comment9.xml><?xml version="1.0" encoding="utf-8"?>
-<p:cmLst xmlns:a="http://schemas.openxmlformats.org/drawingml/2006/main" xmlns:r="http://schemas.openxmlformats.org/officeDocument/2006/relationships" xmlns:mc="http://schemas.openxmlformats.org/markup-compatibility/2006" xmlns:mv="urn:schemas-microsoft-com:mac:vml" xmlns:p="http://schemas.openxmlformats.org/presentationml/2006/main" xmlns:c="http://schemas.openxmlformats.org/drawingml/2006/chart" xmlns:dgm="http://schemas.openxmlformats.org/drawingml/2006/diagram" xmlns:o="urn:schemas-microsoft-com:office:office" xmlns:v="urn:schemas-microsoft-com:vml" xmlns:pvml="urn:schemas-microsoft-com:office:powerpoint" xmlns:com="http://schemas.openxmlformats.org/drawingml/2006/compatibility" xmlns:p14="http://schemas.microsoft.com/office/powerpoint/2010/main" xmlns:p15="http://schemas.microsoft.com/office/powerpoint/2012/main" xmlns:ahyp="http://schemas.microsoft.com/office/drawing/2018/hyperlinkcolor">
-  <p:cm authorId="0" idx="11" dt="2022-12-17T15:59:05.367">
-    <p:pos x="6000" y="0"/>
-    <p:text>Dla każdego elementu z utworzonego przedziału obliczana jest ilość jego wystąpień w wejściowej sekwencji v, tzn. tworzony jest histogram dla elementów sekwencji wejściowej. Na podstawie utworzonego histogramu generowana jest sekwencja wyjściowa, czyli posortowane elementy. Generowanie polega na iteracji po kolejnym elemencie w histogramie (który również jest sekwencją) oraz konkatenacji do sekwencji wynikowej tymczasowej sekwencji tylu elementów o danej wartości ile wskazuje histogram dla danego elementu. Początkowa sekwencja wynikowa jest pusta.
-Sortowanie przez zliczanie można rozumieć jako złożenie dwóch funkcji, h generującej histogram, oraz g generującej sekwencję wyjściową na podstawie histogramu: g(h(v)). Złożenie w wyniku daje posortowaną sekwencję elementów wejściowych. Przykład:</p:text>
-  </p:cm>
-</p:cmLst>
 </file>
 
 <file path=ppt/notesMasters/notesMaster1.xml><?xml version="1.0" encoding="utf-8"?>
@@ -1010,6 +923,111 @@
               <a:spcAft>
                 <a:spcPts val="0"/>
               </a:spcAft>
+              <a:buClr>
+                <a:schemeClr val="dk1"/>
+              </a:buClr>
+              <a:buSzPts val="1100"/>
+              <a:buFont typeface="Arial"/>
+              <a:buNone/>
+            </a:pPr>
+            <a:r>
+              <a:rPr lang="pl"/>
+              <a:t>Jeśli N jest potęga dwójki, to sortowanie z oryginalnym ciągiem odstępów zaproponowanym przez Shella wykonuje w najgorszym przypadku O( N^2 ) porównań. Przypadek ten zachodzi na przykład wtedy, gdy elementy większe i mniejsze od mediany zajmują odpowiednio parzyste i nieparzyste pozycje tablicy, ponieważ są one porównywane dopiero w ostatnim przebiegu.</a:t>
+            </a:r>
+            <a:endParaRPr/>
+          </a:p>
+          <a:p>
+            <a:pPr indent="0" lvl="0" marL="0" rtl="0" algn="l">
+              <a:spcBef>
+                <a:spcPts val="0"/>
+              </a:spcBef>
+              <a:spcAft>
+                <a:spcPts val="0"/>
+              </a:spcAft>
+              <a:buClr>
+                <a:schemeClr val="dk1"/>
+              </a:buClr>
+              <a:buSzPts val="1100"/>
+              <a:buFont typeface="Arial"/>
+              <a:buNone/>
+            </a:pPr>
+            <a:r>
+              <a:rPr lang="pl"/>
+              <a:t>Wersja zaproponowana przez Pratta ma wprawdzie wyższą złożoność niż optymalne dla algorytmów sortowania opartych na porównaniach O(N log ⁡N) , ale za to prowadzi do sieci sortującej o liczbie komparatorów tego samego rzędu, co sieć Batchera.</a:t>
+            </a:r>
+            <a:endParaRPr/>
+          </a:p>
+          <a:p>
+            <a:pPr indent="0" lvl="0" marL="0" rtl="0" algn="l">
+              <a:spcBef>
+                <a:spcPts val="0"/>
+              </a:spcBef>
+              <a:spcAft>
+                <a:spcPts val="0"/>
+              </a:spcAft>
+              <a:buClr>
+                <a:schemeClr val="dk1"/>
+              </a:buClr>
+              <a:buSzPts val="1100"/>
+              <a:buFont typeface="Arial"/>
+              <a:buNone/>
+            </a:pPr>
+            <a:r>
+              <a:rPr lang="pl"/>
+              <a:t>Zauważono, że średnio najmniej porównań elementów potrzeba, gdy ilorazy kolejnych odstępów leżą mniej więcej pomiędzy 2,2 a 2,3. Dlatego ciągi Gonneta i Baezy-Yatesa o ilorazie 2,2 i Tokudy o ilorazie 2,25 sprawdzają się w praktyce. Nie wiadomo jednak, dlaczego minimum przypada właśnie w tym miejscu. Zalecane jest też stosowanie odstępów o niskich największych wspólnych dzielnikach lub parami względnie pierwszych.</a:t>
+            </a:r>
+            <a:endParaRPr/>
+          </a:p>
+          <a:p>
+            <a:pPr indent="0" lvl="0" marL="0" rtl="0" algn="l">
+              <a:spcBef>
+                <a:spcPts val="0"/>
+              </a:spcBef>
+              <a:spcAft>
+                <a:spcPts val="0"/>
+              </a:spcAft>
+              <a:buClr>
+                <a:schemeClr val="dk1"/>
+              </a:buClr>
+              <a:buSzPts val="1100"/>
+              <a:buFont typeface="Arial"/>
+              <a:buNone/>
+            </a:pPr>
+            <a:r>
+              <a:rPr lang="pl"/>
+              <a:t>Pod względem średniej liczby porównań elementów najlepsze znane ciągi odstępów to ciąg 1, 4, 10, 23, 57, 132, 301, 701 i podobne, o wyrazach znalezionych doświadczalnie. Dalsze wyrazy optymalnych ciągów pozostają nieznane. Do dobrych wyników prowadzi przedłużenie ich zgodnie ze wzorem rekurencyjnym h k = ⌊ 2,25 h_k − 1 ⌋ .</a:t>
+            </a:r>
+            <a:endParaRPr/>
+          </a:p>
+          <a:p>
+            <a:pPr indent="0" lvl="0" marL="0" rtl="0" algn="l">
+              <a:spcBef>
+                <a:spcPts val="0"/>
+              </a:spcBef>
+              <a:spcAft>
+                <a:spcPts val="0"/>
+              </a:spcAft>
+              <a:buClr>
+                <a:schemeClr val="dk1"/>
+              </a:buClr>
+              <a:buSzPts val="1100"/>
+              <a:buFont typeface="Arial"/>
+              <a:buNone/>
+            </a:pPr>
+            <a:r>
+              <a:rPr lang="pl"/>
+              <a:t>Do zastosowań praktycznych można też polecić ciąg Tokudy, określony prostymi wzorami h_k = ⌈ h_k′ ⌉ , gdzie h_k′ = 2 , 25 h_k − 1′ + 1 , h1′ = 1.</a:t>
+            </a:r>
+            <a:endParaRPr/>
+          </a:p>
+          <a:p>
+            <a:pPr indent="0" lvl="0" marL="0" rtl="0" algn="l">
+              <a:spcBef>
+                <a:spcPts val="0"/>
+              </a:spcBef>
+              <a:spcAft>
+                <a:spcPts val="0"/>
+              </a:spcAft>
               <a:buNone/>
             </a:pPr>
             <a:r>
@@ -1310,7 +1328,8 @@
               <a:buNone/>
             </a:pPr>
             <a:r>
-              <a:t/>
+              <a:rPr lang="pl"/>
+              <a:t>Na początku działania algorytmu ustalany jest przedział wartości, które zależą od wartości wszystkich elementów w sekwencji, która ma być posortowana. Dla przykładu, sekwencja v liczb całkowitych [100, 2, 0, 150, 2, 3, 0] tworzy przedział [min(v), max(v)] = [0, 150] wynoszący łącznie 151 elementów; z kolei v' o wartościach [15, 6, 11, 10] tworzy przedział [6, 15] z dziesięcioma elementami. W momencie, gdy przedział nie jest znany, można posłużyć się minimalnymi i maksymalnymi wartościami typów elementów w v (np. dla sekwencji, gdzie każdy element ma typ unsigned char (8 bitów) jest to [0, 255])</a:t>
             </a:r>
             <a:endParaRPr/>
           </a:p>
@@ -1406,10 +1425,2941 @@
               <a:spcAft>
                 <a:spcPts val="0"/>
               </a:spcAft>
+              <a:buClr>
+                <a:schemeClr val="dk1"/>
+              </a:buClr>
+              <a:buSzPts val="1100"/>
+              <a:buFont typeface="Arial"/>
+              <a:buNone/>
+            </a:pPr>
+            <a:r>
+              <a:rPr lang="pl"/>
+              <a:t>Dla każdego elementu z utworzonego przedziału obliczana jest ilość jego wystąpień w wejściowej sekwencji v, tzn. tworzony jest histogram dla elementów sekwencji wejściowej. Na podstawie utworzonego histogramu generowana jest sekwencja wyjściowa, czyli posortowane elementy. Generowanie polega na iteracji po kolejnym elemencie w histogramie (który również jest sekwencją) oraz konkatenacji do sekwencji wynikowej tymczasowej sekwencji tylu elementów o danej wartości ile wskazuje histogram dla danego elementu. Początkowa sekwencja wynikowa jest pusta.</a:t>
+            </a:r>
+            <a:endParaRPr/>
+          </a:p>
+          <a:p>
+            <a:pPr indent="0" lvl="0" marL="0" rtl="0" algn="l">
+              <a:spcBef>
+                <a:spcPts val="0"/>
+              </a:spcBef>
+              <a:spcAft>
+                <a:spcPts val="0"/>
+              </a:spcAft>
+              <a:buClr>
+                <a:schemeClr val="dk1"/>
+              </a:buClr>
+              <a:buSzPts val="1100"/>
+              <a:buFont typeface="Arial"/>
               <a:buNone/>
             </a:pPr>
             <a:r>
               <a:t/>
+            </a:r>
+            <a:endParaRPr/>
+          </a:p>
+          <a:p>
+            <a:pPr indent="0" lvl="0" marL="0" rtl="0" algn="l">
+              <a:spcBef>
+                <a:spcPts val="0"/>
+              </a:spcBef>
+              <a:spcAft>
+                <a:spcPts val="0"/>
+              </a:spcAft>
+              <a:buClr>
+                <a:schemeClr val="dk1"/>
+              </a:buClr>
+              <a:buSzPts val="1100"/>
+              <a:buFont typeface="Arial"/>
+              <a:buNone/>
+            </a:pPr>
+            <a:r>
+              <a:rPr lang="pl"/>
+              <a:t>Sortowanie przez zliczanie można rozumieć jako złożenie dwóch funkcji, h generującej histogram, oraz g generującej sekwencję wyjściową na podstawie histogramu: g(h(v)). Złożenie w wyniku daje posortowaną sekwencję elementów wejściowych. Przykład:</a:t>
+            </a:r>
+            <a:endParaRPr/>
+          </a:p>
+          <a:p>
+            <a:pPr indent="0" lvl="0" marL="0" rtl="0" algn="l">
+              <a:spcBef>
+                <a:spcPts val="0"/>
+              </a:spcBef>
+              <a:spcAft>
+                <a:spcPts val="0"/>
+              </a:spcAft>
+              <a:buNone/>
+            </a:pPr>
+            <a:r>
+              <a:t/>
+            </a:r>
+            <a:endParaRPr/>
+          </a:p>
+        </p:txBody>
+      </p:sp>
+    </p:spTree>
+  </p:cSld>
+  <p:clrMapOvr>
+    <a:masterClrMapping/>
+  </p:clrMapOvr>
+</p:notes>
+</file>
+
+<file path=ppt/notesSlides/notesSlide15.xml><?xml version="1.0" encoding="utf-8"?>
+<p:notes xmlns:a="http://schemas.openxmlformats.org/drawingml/2006/main" xmlns:r="http://schemas.openxmlformats.org/officeDocument/2006/relationships" xmlns:mc="http://schemas.openxmlformats.org/markup-compatibility/2006" xmlns:mv="urn:schemas-microsoft-com:mac:vml" xmlns:p="http://schemas.openxmlformats.org/presentationml/2006/main" xmlns:c="http://schemas.openxmlformats.org/drawingml/2006/chart" xmlns:dgm="http://schemas.openxmlformats.org/drawingml/2006/diagram" xmlns:o="urn:schemas-microsoft-com:office:office" xmlns:v="urn:schemas-microsoft-com:vml" xmlns:pvml="urn:schemas-microsoft-com:office:powerpoint" xmlns:com="http://schemas.openxmlformats.org/drawingml/2006/compatibility" xmlns:p14="http://schemas.microsoft.com/office/powerpoint/2010/main" xmlns:p15="http://schemas.microsoft.com/office/powerpoint/2012/main" xmlns:ahyp="http://schemas.microsoft.com/office/drawing/2018/hyperlinkcolor" showMasterPhAnim="0" showMasterSp="0">
+  <p:cSld>
+    <p:spTree>
+      <p:nvGrpSpPr>
+        <p:cNvPr id="139" name="Shape 139"/>
+        <p:cNvGrpSpPr/>
+        <p:nvPr/>
+      </p:nvGrpSpPr>
+      <p:grpSpPr>
+        <a:xfrm>
+          <a:off x="0" y="0"/>
+          <a:ext cx="0" cy="0"/>
+          <a:chOff x="0" y="0"/>
+          <a:chExt cx="0" cy="0"/>
+        </a:xfrm>
+      </p:grpSpPr>
+      <p:sp>
+        <p:nvSpPr>
+          <p:cNvPr id="140" name="Google Shape;140;g1bc4171ae7d_0_0:notes"/>
+          <p:cNvSpPr/>
+          <p:nvPr>
+            <p:ph idx="2" type="sldImg"/>
+          </p:nvPr>
+        </p:nvSpPr>
+        <p:spPr>
+          <a:xfrm>
+            <a:off x="381300" y="685800"/>
+            <a:ext cx="6096000" cy="3429000"/>
+          </a:xfrm>
+          <a:custGeom>
+            <a:rect b="b" l="l" r="r" t="t"/>
+            <a:pathLst>
+              <a:path extrusionOk="0" h="120000" w="120000">
+                <a:moveTo>
+                  <a:pt x="0" y="0"/>
+                </a:moveTo>
+                <a:lnTo>
+                  <a:pt x="120000" y="0"/>
+                </a:lnTo>
+                <a:lnTo>
+                  <a:pt x="120000" y="120000"/>
+                </a:lnTo>
+                <a:lnTo>
+                  <a:pt x="0" y="120000"/>
+                </a:lnTo>
+                <a:close/>
+              </a:path>
+            </a:pathLst>
+          </a:custGeom>
+        </p:spPr>
+      </p:sp>
+      <p:sp>
+        <p:nvSpPr>
+          <p:cNvPr id="141" name="Google Shape;141;g1bc4171ae7d_0_0:notes"/>
+          <p:cNvSpPr txBox="1"/>
+          <p:nvPr>
+            <p:ph idx="1" type="body"/>
+          </p:nvPr>
+        </p:nvSpPr>
+        <p:spPr>
+          <a:xfrm>
+            <a:off x="685800" y="4343400"/>
+            <a:ext cx="5486400" cy="4114800"/>
+          </a:xfrm>
+          <a:prstGeom prst="rect">
+            <a:avLst/>
+          </a:prstGeom>
+        </p:spPr>
+        <p:txBody>
+          <a:bodyPr anchorCtr="0" anchor="t" bIns="91425" lIns="91425" spcFirstLastPara="1" rIns="91425" wrap="square" tIns="91425">
+            <a:noAutofit/>
+          </a:bodyPr>
+          <a:lstStyle/>
+          <a:p>
+            <a:pPr indent="0" lvl="0" marL="0" rtl="0" algn="l">
+              <a:spcBef>
+                <a:spcPts val="0"/>
+              </a:spcBef>
+              <a:spcAft>
+                <a:spcPts val="0"/>
+              </a:spcAft>
+              <a:buNone/>
+            </a:pPr>
+            <a:r>
+              <a:t/>
+            </a:r>
+            <a:endParaRPr/>
+          </a:p>
+        </p:txBody>
+      </p:sp>
+    </p:spTree>
+  </p:cSld>
+  <p:clrMapOvr>
+    <a:masterClrMapping/>
+  </p:clrMapOvr>
+</p:notes>
+</file>
+
+<file path=ppt/notesSlides/notesSlide16.xml><?xml version="1.0" encoding="utf-8"?>
+<p:notes xmlns:a="http://schemas.openxmlformats.org/drawingml/2006/main" xmlns:r="http://schemas.openxmlformats.org/officeDocument/2006/relationships" xmlns:mc="http://schemas.openxmlformats.org/markup-compatibility/2006" xmlns:mv="urn:schemas-microsoft-com:mac:vml" xmlns:p="http://schemas.openxmlformats.org/presentationml/2006/main" xmlns:c="http://schemas.openxmlformats.org/drawingml/2006/chart" xmlns:dgm="http://schemas.openxmlformats.org/drawingml/2006/diagram" xmlns:o="urn:schemas-microsoft-com:office:office" xmlns:v="urn:schemas-microsoft-com:vml" xmlns:pvml="urn:schemas-microsoft-com:office:powerpoint" xmlns:com="http://schemas.openxmlformats.org/drawingml/2006/compatibility" xmlns:p14="http://schemas.microsoft.com/office/powerpoint/2010/main" xmlns:p15="http://schemas.microsoft.com/office/powerpoint/2012/main" xmlns:ahyp="http://schemas.microsoft.com/office/drawing/2018/hyperlinkcolor" showMasterPhAnim="0" showMasterSp="0">
+  <p:cSld>
+    <p:spTree>
+      <p:nvGrpSpPr>
+        <p:cNvPr id="146" name="Shape 146"/>
+        <p:cNvGrpSpPr/>
+        <p:nvPr/>
+      </p:nvGrpSpPr>
+      <p:grpSpPr>
+        <a:xfrm>
+          <a:off x="0" y="0"/>
+          <a:ext cx="0" cy="0"/>
+          <a:chOff x="0" y="0"/>
+          <a:chExt cx="0" cy="0"/>
+        </a:xfrm>
+      </p:grpSpPr>
+      <p:sp>
+        <p:nvSpPr>
+          <p:cNvPr id="147" name="Google Shape;147;g1bc4171ae7d_0_6:notes"/>
+          <p:cNvSpPr/>
+          <p:nvPr>
+            <p:ph idx="2" type="sldImg"/>
+          </p:nvPr>
+        </p:nvSpPr>
+        <p:spPr>
+          <a:xfrm>
+            <a:off x="381300" y="685800"/>
+            <a:ext cx="6096000" cy="3429000"/>
+          </a:xfrm>
+          <a:custGeom>
+            <a:rect b="b" l="l" r="r" t="t"/>
+            <a:pathLst>
+              <a:path extrusionOk="0" h="120000" w="120000">
+                <a:moveTo>
+                  <a:pt x="0" y="0"/>
+                </a:moveTo>
+                <a:lnTo>
+                  <a:pt x="120000" y="0"/>
+                </a:lnTo>
+                <a:lnTo>
+                  <a:pt x="120000" y="120000"/>
+                </a:lnTo>
+                <a:lnTo>
+                  <a:pt x="0" y="120000"/>
+                </a:lnTo>
+                <a:close/>
+              </a:path>
+            </a:pathLst>
+          </a:custGeom>
+        </p:spPr>
+      </p:sp>
+      <p:sp>
+        <p:nvSpPr>
+          <p:cNvPr id="148" name="Google Shape;148;g1bc4171ae7d_0_6:notes"/>
+          <p:cNvSpPr txBox="1"/>
+          <p:nvPr>
+            <p:ph idx="1" type="body"/>
+          </p:nvPr>
+        </p:nvSpPr>
+        <p:spPr>
+          <a:xfrm>
+            <a:off x="685800" y="4343400"/>
+            <a:ext cx="5486400" cy="4114800"/>
+          </a:xfrm>
+          <a:prstGeom prst="rect">
+            <a:avLst/>
+          </a:prstGeom>
+        </p:spPr>
+        <p:txBody>
+          <a:bodyPr anchorCtr="0" anchor="t" bIns="91425" lIns="91425" spcFirstLastPara="1" rIns="91425" wrap="square" tIns="91425">
+            <a:noAutofit/>
+          </a:bodyPr>
+          <a:lstStyle/>
+          <a:p>
+            <a:pPr indent="0" lvl="0" marL="0" rtl="0" algn="l">
+              <a:lnSpc>
+                <a:spcPct val="115000"/>
+              </a:lnSpc>
+              <a:spcBef>
+                <a:spcPts val="500"/>
+              </a:spcBef>
+              <a:spcAft>
+                <a:spcPts val="0"/>
+              </a:spcAft>
+              <a:buNone/>
+            </a:pPr>
+            <a:r>
+              <a:rPr lang="pl" sz="1050">
+                <a:solidFill>
+                  <a:srgbClr val="202122"/>
+                </a:solidFill>
+                <a:highlight>
+                  <a:srgbClr val="FFFFFF"/>
+                </a:highlight>
+              </a:rPr>
+              <a:t>Pomysł takiego sortowania podali po raz pierwszy w roku </a:t>
+            </a:r>
+            <a:r>
+              <a:rPr lang="pl" sz="1050">
+                <a:solidFill>
+                  <a:srgbClr val="0645AD"/>
+                </a:solidFill>
+                <a:highlight>
+                  <a:srgbClr val="FFFFFF"/>
+                </a:highlight>
+                <a:uFill>
+                  <a:noFill/>
+                </a:uFill>
+                <a:hlinkClick r:id="rId2">
+                  <a:extLst>
+                    <a:ext uri="{A12FA001-AC4F-418D-AE19-62706E023703}">
+                      <ahyp:hlinkClr val="tx"/>
+                    </a:ext>
+                  </a:extLst>
+                </a:hlinkClick>
+              </a:rPr>
+              <a:t>1956</a:t>
+            </a:r>
+            <a:r>
+              <a:rPr lang="pl" sz="1050">
+                <a:solidFill>
+                  <a:srgbClr val="202122"/>
+                </a:solidFill>
+                <a:highlight>
+                  <a:srgbClr val="FFFFFF"/>
+                </a:highlight>
+              </a:rPr>
+              <a:t> E. J. Issac i R. C. Singleton</a:t>
+            </a:r>
+            <a:endParaRPr sz="1350">
+              <a:solidFill>
+                <a:srgbClr val="696E6F"/>
+              </a:solidFill>
+              <a:highlight>
+                <a:srgbClr val="FFFFFF"/>
+              </a:highlight>
+              <a:latin typeface="Open Sans"/>
+              <a:ea typeface="Open Sans"/>
+              <a:cs typeface="Open Sans"/>
+              <a:sym typeface="Open Sans"/>
+            </a:endParaRPr>
+          </a:p>
+          <a:p>
+            <a:pPr indent="0" lvl="0" marL="0" rtl="0" algn="l">
+              <a:lnSpc>
+                <a:spcPct val="166666"/>
+              </a:lnSpc>
+              <a:spcBef>
+                <a:spcPts val="500"/>
+              </a:spcBef>
+              <a:spcAft>
+                <a:spcPts val="0"/>
+              </a:spcAft>
+              <a:buNone/>
+            </a:pPr>
+            <a:r>
+              <a:rPr lang="pl" sz="1350">
+                <a:solidFill>
+                  <a:srgbClr val="696E6F"/>
+                </a:solidFill>
+                <a:highlight>
+                  <a:srgbClr val="FFFFFF"/>
+                </a:highlight>
+                <a:latin typeface="Open Sans"/>
+                <a:ea typeface="Open Sans"/>
+                <a:cs typeface="Open Sans"/>
+                <a:sym typeface="Open Sans"/>
+              </a:rPr>
+              <a:t>Jest to niezwykle ciekawy algorytm, ze względu na swoją efektywność. Sortowanie kubełkowe, radzi sobie najlepiej ze zbiorami o dużej ilości elementów, lecz małym zakresie wartości. W przypadku zbioru stosunkowo małym zakresie, i dużej ilości elementów, algorytm ten będzie niezwykle efektywny, dążąc do optymistycznej złożoności O(n).</a:t>
+            </a:r>
+            <a:endParaRPr sz="1350">
+              <a:solidFill>
+                <a:srgbClr val="696E6F"/>
+              </a:solidFill>
+              <a:highlight>
+                <a:srgbClr val="FFFFFF"/>
+              </a:highlight>
+              <a:latin typeface="Open Sans"/>
+              <a:ea typeface="Open Sans"/>
+              <a:cs typeface="Open Sans"/>
+              <a:sym typeface="Open Sans"/>
+            </a:endParaRPr>
+          </a:p>
+          <a:p>
+            <a:pPr indent="0" lvl="0" marL="0" rtl="0" algn="l">
+              <a:lnSpc>
+                <a:spcPct val="166666"/>
+              </a:lnSpc>
+              <a:spcBef>
+                <a:spcPts val="2300"/>
+              </a:spcBef>
+              <a:spcAft>
+                <a:spcPts val="0"/>
+              </a:spcAft>
+              <a:buNone/>
+            </a:pPr>
+            <a:r>
+              <a:rPr lang="pl" sz="1350">
+                <a:solidFill>
+                  <a:srgbClr val="696E6F"/>
+                </a:solidFill>
+                <a:highlight>
+                  <a:srgbClr val="FFFFFF"/>
+                </a:highlight>
+                <a:latin typeface="Open Sans"/>
+                <a:ea typeface="Open Sans"/>
+                <a:cs typeface="Open Sans"/>
+                <a:sym typeface="Open Sans"/>
+              </a:rPr>
+              <a:t>Niestety w pesymistycznym przypadku, ma on złożoność rzędu O(n</a:t>
+            </a:r>
+            <a:r>
+              <a:rPr lang="pl" sz="1000">
+                <a:solidFill>
+                  <a:srgbClr val="696E6F"/>
+                </a:solidFill>
+                <a:highlight>
+                  <a:srgbClr val="FFFFFF"/>
+                </a:highlight>
+                <a:latin typeface="Open Sans"/>
+                <a:ea typeface="Open Sans"/>
+                <a:cs typeface="Open Sans"/>
+                <a:sym typeface="Open Sans"/>
+              </a:rPr>
+              <a:t>2</a:t>
+            </a:r>
+            <a:r>
+              <a:rPr lang="pl" sz="1350">
+                <a:solidFill>
+                  <a:srgbClr val="696E6F"/>
+                </a:solidFill>
+                <a:highlight>
+                  <a:srgbClr val="FFFFFF"/>
+                </a:highlight>
+                <a:latin typeface="Open Sans"/>
+                <a:ea typeface="Open Sans"/>
+                <a:cs typeface="Open Sans"/>
+                <a:sym typeface="Open Sans"/>
+              </a:rPr>
+              <a:t>), czyli taką jak chociażby niesławne sortowanie bąbelkowe</a:t>
+            </a:r>
+            <a:endParaRPr sz="1350">
+              <a:solidFill>
+                <a:srgbClr val="696E6F"/>
+              </a:solidFill>
+              <a:highlight>
+                <a:srgbClr val="FFFFFF"/>
+              </a:highlight>
+              <a:latin typeface="Open Sans"/>
+              <a:ea typeface="Open Sans"/>
+              <a:cs typeface="Open Sans"/>
+              <a:sym typeface="Open Sans"/>
+            </a:endParaRPr>
+          </a:p>
+          <a:p>
+            <a:pPr indent="0" lvl="0" marL="0" rtl="0" algn="l">
+              <a:lnSpc>
+                <a:spcPct val="115000"/>
+              </a:lnSpc>
+              <a:spcBef>
+                <a:spcPts val="2300"/>
+              </a:spcBef>
+              <a:spcAft>
+                <a:spcPts val="0"/>
+              </a:spcAft>
+              <a:buClr>
+                <a:schemeClr val="dk1"/>
+              </a:buClr>
+              <a:buSzPts val="1100"/>
+              <a:buFont typeface="Arial"/>
+              <a:buNone/>
+            </a:pPr>
+            <a:r>
+              <a:t/>
+            </a:r>
+            <a:endParaRPr b="1" sz="1050">
+              <a:solidFill>
+                <a:srgbClr val="202122"/>
+              </a:solidFill>
+              <a:highlight>
+                <a:srgbClr val="FFFFFF"/>
+              </a:highlight>
+            </a:endParaRPr>
+          </a:p>
+          <a:p>
+            <a:pPr indent="0" lvl="0" marL="0" rtl="0" algn="l">
+              <a:lnSpc>
+                <a:spcPct val="115000"/>
+              </a:lnSpc>
+              <a:spcBef>
+                <a:spcPts val="500"/>
+              </a:spcBef>
+              <a:spcAft>
+                <a:spcPts val="0"/>
+              </a:spcAft>
+              <a:buClr>
+                <a:schemeClr val="dk1"/>
+              </a:buClr>
+              <a:buSzPts val="1100"/>
+              <a:buFont typeface="Arial"/>
+              <a:buNone/>
+            </a:pPr>
+            <a:r>
+              <a:t/>
+            </a:r>
+            <a:endParaRPr sz="1050">
+              <a:solidFill>
+                <a:srgbClr val="202122"/>
+              </a:solidFill>
+              <a:highlight>
+                <a:srgbClr val="FFFFFF"/>
+              </a:highlight>
+            </a:endParaRPr>
+          </a:p>
+          <a:p>
+            <a:pPr indent="0" lvl="0" marL="0" rtl="0" algn="l">
+              <a:spcBef>
+                <a:spcPts val="500"/>
+              </a:spcBef>
+              <a:spcAft>
+                <a:spcPts val="0"/>
+              </a:spcAft>
+              <a:buNone/>
+            </a:pPr>
+            <a:r>
+              <a:t/>
+            </a:r>
+            <a:endParaRPr/>
+          </a:p>
+        </p:txBody>
+      </p:sp>
+    </p:spTree>
+  </p:cSld>
+  <p:clrMapOvr>
+    <a:masterClrMapping/>
+  </p:clrMapOvr>
+</p:notes>
+</file>
+
+<file path=ppt/notesSlides/notesSlide17.xml><?xml version="1.0" encoding="utf-8"?>
+<p:notes xmlns:a="http://schemas.openxmlformats.org/drawingml/2006/main" xmlns:r="http://schemas.openxmlformats.org/officeDocument/2006/relationships" xmlns:mc="http://schemas.openxmlformats.org/markup-compatibility/2006" xmlns:mv="urn:schemas-microsoft-com:mac:vml" xmlns:p="http://schemas.openxmlformats.org/presentationml/2006/main" xmlns:c="http://schemas.openxmlformats.org/drawingml/2006/chart" xmlns:dgm="http://schemas.openxmlformats.org/drawingml/2006/diagram" xmlns:o="urn:schemas-microsoft-com:office:office" xmlns:v="urn:schemas-microsoft-com:vml" xmlns:pvml="urn:schemas-microsoft-com:office:powerpoint" xmlns:com="http://schemas.openxmlformats.org/drawingml/2006/compatibility" xmlns:p14="http://schemas.microsoft.com/office/powerpoint/2010/main" xmlns:p15="http://schemas.microsoft.com/office/powerpoint/2012/main" xmlns:ahyp="http://schemas.microsoft.com/office/drawing/2018/hyperlinkcolor" showMasterPhAnim="0" showMasterSp="0">
+  <p:cSld>
+    <p:spTree>
+      <p:nvGrpSpPr>
+        <p:cNvPr id="152" name="Shape 152"/>
+        <p:cNvGrpSpPr/>
+        <p:nvPr/>
+      </p:nvGrpSpPr>
+      <p:grpSpPr>
+        <a:xfrm>
+          <a:off x="0" y="0"/>
+          <a:ext cx="0" cy="0"/>
+          <a:chOff x="0" y="0"/>
+          <a:chExt cx="0" cy="0"/>
+        </a:xfrm>
+      </p:grpSpPr>
+      <p:sp>
+        <p:nvSpPr>
+          <p:cNvPr id="153" name="Google Shape;153;g1bc4171ae7d_0_12:notes"/>
+          <p:cNvSpPr/>
+          <p:nvPr>
+            <p:ph idx="2" type="sldImg"/>
+          </p:nvPr>
+        </p:nvSpPr>
+        <p:spPr>
+          <a:xfrm>
+            <a:off x="381300" y="685800"/>
+            <a:ext cx="6096000" cy="3429000"/>
+          </a:xfrm>
+          <a:custGeom>
+            <a:rect b="b" l="l" r="r" t="t"/>
+            <a:pathLst>
+              <a:path extrusionOk="0" h="120000" w="120000">
+                <a:moveTo>
+                  <a:pt x="0" y="0"/>
+                </a:moveTo>
+                <a:lnTo>
+                  <a:pt x="120000" y="0"/>
+                </a:lnTo>
+                <a:lnTo>
+                  <a:pt x="120000" y="120000"/>
+                </a:lnTo>
+                <a:lnTo>
+                  <a:pt x="0" y="120000"/>
+                </a:lnTo>
+                <a:close/>
+              </a:path>
+            </a:pathLst>
+          </a:custGeom>
+        </p:spPr>
+      </p:sp>
+      <p:sp>
+        <p:nvSpPr>
+          <p:cNvPr id="154" name="Google Shape;154;g1bc4171ae7d_0_12:notes"/>
+          <p:cNvSpPr txBox="1"/>
+          <p:nvPr>
+            <p:ph idx="1" type="body"/>
+          </p:nvPr>
+        </p:nvSpPr>
+        <p:spPr>
+          <a:xfrm>
+            <a:off x="685800" y="4343400"/>
+            <a:ext cx="5486400" cy="4114800"/>
+          </a:xfrm>
+          <a:prstGeom prst="rect">
+            <a:avLst/>
+          </a:prstGeom>
+        </p:spPr>
+        <p:txBody>
+          <a:bodyPr anchorCtr="0" anchor="t" bIns="91425" lIns="91425" spcFirstLastPara="1" rIns="91425" wrap="square" tIns="91425">
+            <a:noAutofit/>
+          </a:bodyPr>
+          <a:lstStyle/>
+          <a:p>
+            <a:pPr indent="0" lvl="0" marL="0" rtl="0" algn="l">
+              <a:lnSpc>
+                <a:spcPct val="115000"/>
+              </a:lnSpc>
+              <a:spcBef>
+                <a:spcPts val="0"/>
+              </a:spcBef>
+              <a:spcAft>
+                <a:spcPts val="0"/>
+              </a:spcAft>
+              <a:buClr>
+                <a:schemeClr val="dk1"/>
+              </a:buClr>
+              <a:buSzPts val="1100"/>
+              <a:buFont typeface="Arial"/>
+              <a:buNone/>
+            </a:pPr>
+            <a:r>
+              <a:rPr lang="pl" sz="1200">
+                <a:solidFill>
+                  <a:srgbClr val="212529"/>
+                </a:solidFill>
+                <a:highlight>
+                  <a:srgbClr val="F8F9FA"/>
+                </a:highlight>
+                <a:latin typeface="Roboto"/>
+                <a:ea typeface="Roboto"/>
+                <a:cs typeface="Roboto"/>
+                <a:sym typeface="Roboto"/>
+              </a:rPr>
+              <a:t>Na początku założenia:</a:t>
+            </a:r>
+            <a:endParaRPr sz="1200">
+              <a:solidFill>
+                <a:srgbClr val="212529"/>
+              </a:solidFill>
+              <a:highlight>
+                <a:srgbClr val="F8F9FA"/>
+              </a:highlight>
+              <a:latin typeface="Roboto"/>
+              <a:ea typeface="Roboto"/>
+              <a:cs typeface="Roboto"/>
+              <a:sym typeface="Roboto"/>
+            </a:endParaRPr>
+          </a:p>
+          <a:p>
+            <a:pPr indent="-304800" lvl="0" marL="457200" rtl="0" algn="l">
+              <a:lnSpc>
+                <a:spcPct val="115000"/>
+              </a:lnSpc>
+              <a:spcBef>
+                <a:spcPts val="1200"/>
+              </a:spcBef>
+              <a:spcAft>
+                <a:spcPts val="0"/>
+              </a:spcAft>
+              <a:buClr>
+                <a:srgbClr val="212529"/>
+              </a:buClr>
+              <a:buSzPts val="1200"/>
+              <a:buFont typeface="Roboto"/>
+              <a:buChar char="●"/>
+            </a:pPr>
+            <a:r>
+              <a:rPr lang="pl" sz="1200">
+                <a:solidFill>
+                  <a:srgbClr val="212529"/>
+                </a:solidFill>
+                <a:highlight>
+                  <a:srgbClr val="F8F9FA"/>
+                </a:highlight>
+                <a:latin typeface="Roboto"/>
+                <a:ea typeface="Roboto"/>
+                <a:cs typeface="Roboto"/>
+                <a:sym typeface="Roboto"/>
+              </a:rPr>
+              <a:t>liczby do posortowania znajdują się w przedziale [0, 2000 000 000)</a:t>
+            </a:r>
+            <a:endParaRPr sz="1200">
+              <a:solidFill>
+                <a:srgbClr val="212529"/>
+              </a:solidFill>
+              <a:highlight>
+                <a:srgbClr val="F8F9FA"/>
+              </a:highlight>
+              <a:latin typeface="Roboto"/>
+              <a:ea typeface="Roboto"/>
+              <a:cs typeface="Roboto"/>
+              <a:sym typeface="Roboto"/>
+            </a:endParaRPr>
+          </a:p>
+          <a:p>
+            <a:pPr indent="-304800" lvl="0" marL="457200" rtl="0" algn="l">
+              <a:lnSpc>
+                <a:spcPct val="115000"/>
+              </a:lnSpc>
+              <a:spcBef>
+                <a:spcPts val="0"/>
+              </a:spcBef>
+              <a:spcAft>
+                <a:spcPts val="0"/>
+              </a:spcAft>
+              <a:buClr>
+                <a:srgbClr val="212529"/>
+              </a:buClr>
+              <a:buSzPts val="1200"/>
+              <a:buFont typeface="Roboto"/>
+              <a:buChar char="●"/>
+            </a:pPr>
+            <a:r>
+              <a:rPr lang="pl" sz="1200">
+                <a:solidFill>
+                  <a:srgbClr val="212529"/>
+                </a:solidFill>
+                <a:highlight>
+                  <a:srgbClr val="F8F9FA"/>
+                </a:highlight>
+                <a:latin typeface="Roboto"/>
+                <a:ea typeface="Roboto"/>
+                <a:cs typeface="Roboto"/>
+                <a:sym typeface="Roboto"/>
+              </a:rPr>
+              <a:t>liczby są równomiernie rozłożone</a:t>
+            </a:r>
+            <a:endParaRPr sz="1200">
+              <a:solidFill>
+                <a:srgbClr val="212529"/>
+              </a:solidFill>
+              <a:highlight>
+                <a:srgbClr val="F8F9FA"/>
+              </a:highlight>
+              <a:latin typeface="Roboto"/>
+              <a:ea typeface="Roboto"/>
+              <a:cs typeface="Roboto"/>
+              <a:sym typeface="Roboto"/>
+            </a:endParaRPr>
+          </a:p>
+          <a:p>
+            <a:pPr indent="-304800" lvl="0" marL="457200" rtl="0" algn="l">
+              <a:lnSpc>
+                <a:spcPct val="115000"/>
+              </a:lnSpc>
+              <a:spcBef>
+                <a:spcPts val="0"/>
+              </a:spcBef>
+              <a:spcAft>
+                <a:spcPts val="0"/>
+              </a:spcAft>
+              <a:buClr>
+                <a:srgbClr val="212529"/>
+              </a:buClr>
+              <a:buSzPts val="1200"/>
+              <a:buFont typeface="Roboto"/>
+              <a:buChar char="●"/>
+            </a:pPr>
+            <a:r>
+              <a:rPr lang="pl" sz="1200">
+                <a:solidFill>
+                  <a:srgbClr val="212529"/>
+                </a:solidFill>
+                <a:highlight>
+                  <a:srgbClr val="F8F9FA"/>
+                </a:highlight>
+                <a:latin typeface="Roboto"/>
+                <a:ea typeface="Roboto"/>
+                <a:cs typeface="Roboto"/>
+                <a:sym typeface="Roboto"/>
+              </a:rPr>
+              <a:t>dla n liczb tworzymy n kubełków</a:t>
+            </a:r>
+            <a:endParaRPr sz="1200">
+              <a:solidFill>
+                <a:srgbClr val="212529"/>
+              </a:solidFill>
+              <a:highlight>
+                <a:srgbClr val="F8F9FA"/>
+              </a:highlight>
+              <a:latin typeface="Roboto"/>
+              <a:ea typeface="Roboto"/>
+              <a:cs typeface="Roboto"/>
+              <a:sym typeface="Roboto"/>
+            </a:endParaRPr>
+          </a:p>
+          <a:p>
+            <a:pPr indent="0" lvl="0" marL="0" rtl="0" algn="l">
+              <a:lnSpc>
+                <a:spcPct val="115000"/>
+              </a:lnSpc>
+              <a:spcBef>
+                <a:spcPts val="1200"/>
+              </a:spcBef>
+              <a:spcAft>
+                <a:spcPts val="0"/>
+              </a:spcAft>
+              <a:buClr>
+                <a:schemeClr val="dk1"/>
+              </a:buClr>
+              <a:buSzPts val="1100"/>
+              <a:buFont typeface="Arial"/>
+              <a:buNone/>
+            </a:pPr>
+            <a:r>
+              <a:rPr lang="pl" sz="1200">
+                <a:solidFill>
+                  <a:srgbClr val="212529"/>
+                </a:solidFill>
+                <a:highlight>
+                  <a:srgbClr val="F8F9FA"/>
+                </a:highlight>
+                <a:latin typeface="Roboto"/>
+                <a:ea typeface="Roboto"/>
+                <a:cs typeface="Roboto"/>
+                <a:sym typeface="Roboto"/>
+              </a:rPr>
+              <a:t>W pierwszej kolejności wyznaczamy długość przedziału pojedynczego kubełka:</a:t>
+            </a:r>
+            <a:endParaRPr sz="1200">
+              <a:solidFill>
+                <a:srgbClr val="212529"/>
+              </a:solidFill>
+              <a:highlight>
+                <a:srgbClr val="F8F9FA"/>
+              </a:highlight>
+              <a:latin typeface="Roboto"/>
+              <a:ea typeface="Roboto"/>
+              <a:cs typeface="Roboto"/>
+              <a:sym typeface="Roboto"/>
+            </a:endParaRPr>
+          </a:p>
+          <a:p>
+            <a:pPr indent="0" lvl="0" marL="0" rtl="0" algn="l">
+              <a:lnSpc>
+                <a:spcPct val="115000"/>
+              </a:lnSpc>
+              <a:spcBef>
+                <a:spcPts val="1200"/>
+              </a:spcBef>
+              <a:spcAft>
+                <a:spcPts val="0"/>
+              </a:spcAft>
+              <a:buClr>
+                <a:schemeClr val="dk1"/>
+              </a:buClr>
+              <a:buSzPts val="1100"/>
+              <a:buFont typeface="Arial"/>
+              <a:buNone/>
+            </a:pPr>
+            <a:r>
+              <a:rPr lang="pl" sz="1350">
+                <a:solidFill>
+                  <a:srgbClr val="212529"/>
+                </a:solidFill>
+                <a:highlight>
+                  <a:srgbClr val="F8F9FA"/>
+                </a:highlight>
+                <a:latin typeface="Roboto"/>
+                <a:ea typeface="Roboto"/>
+                <a:cs typeface="Roboto"/>
+                <a:sym typeface="Roboto"/>
+              </a:rPr>
+              <a:t>p</a:t>
+            </a:r>
+            <a:endParaRPr sz="1350">
+              <a:solidFill>
+                <a:srgbClr val="212529"/>
+              </a:solidFill>
+              <a:highlight>
+                <a:srgbClr val="F8F9FA"/>
+              </a:highlight>
+              <a:latin typeface="Roboto"/>
+              <a:ea typeface="Roboto"/>
+              <a:cs typeface="Roboto"/>
+              <a:sym typeface="Roboto"/>
+            </a:endParaRPr>
+          </a:p>
+          <a:p>
+            <a:pPr indent="0" lvl="0" marL="50800" rtl="0" algn="l">
+              <a:lnSpc>
+                <a:spcPct val="115000"/>
+              </a:lnSpc>
+              <a:spcBef>
+                <a:spcPts val="2400"/>
+              </a:spcBef>
+              <a:spcAft>
+                <a:spcPts val="0"/>
+              </a:spcAft>
+              <a:buClr>
+                <a:schemeClr val="dk1"/>
+              </a:buClr>
+              <a:buSzPts val="1100"/>
+              <a:buFont typeface="Arial"/>
+              <a:buNone/>
+            </a:pPr>
+            <a:r>
+              <a:rPr lang="pl" sz="1350">
+                <a:solidFill>
+                  <a:srgbClr val="212529"/>
+                </a:solidFill>
+                <a:highlight>
+                  <a:srgbClr val="F8F9FA"/>
+                </a:highlight>
+                <a:latin typeface="Roboto"/>
+                <a:ea typeface="Roboto"/>
+                <a:cs typeface="Roboto"/>
+                <a:sym typeface="Roboto"/>
+              </a:rPr>
+              <a:t>=</a:t>
+            </a:r>
+            <a:endParaRPr sz="1350">
+              <a:solidFill>
+                <a:srgbClr val="212529"/>
+              </a:solidFill>
+              <a:highlight>
+                <a:srgbClr val="F8F9FA"/>
+              </a:highlight>
+              <a:latin typeface="Roboto"/>
+              <a:ea typeface="Roboto"/>
+              <a:cs typeface="Roboto"/>
+              <a:sym typeface="Roboto"/>
+            </a:endParaRPr>
+          </a:p>
+          <a:p>
+            <a:pPr indent="0" lvl="0" marL="50800" rtl="0" algn="l">
+              <a:lnSpc>
+                <a:spcPct val="115000"/>
+              </a:lnSpc>
+              <a:spcBef>
+                <a:spcPts val="2400"/>
+              </a:spcBef>
+              <a:spcAft>
+                <a:spcPts val="0"/>
+              </a:spcAft>
+              <a:buClr>
+                <a:schemeClr val="dk1"/>
+              </a:buClr>
+              <a:buSzPts val="1100"/>
+              <a:buFont typeface="Arial"/>
+              <a:buNone/>
+            </a:pPr>
+            <a:r>
+              <a:rPr lang="pl" sz="1350">
+                <a:solidFill>
+                  <a:srgbClr val="212529"/>
+                </a:solidFill>
+                <a:highlight>
+                  <a:srgbClr val="F8F9FA"/>
+                </a:highlight>
+                <a:latin typeface="Roboto"/>
+                <a:ea typeface="Roboto"/>
+                <a:cs typeface="Roboto"/>
+                <a:sym typeface="Roboto"/>
+              </a:rPr>
+              <a:t>2000000000</a:t>
+            </a:r>
+            <a:endParaRPr sz="1350">
+              <a:solidFill>
+                <a:srgbClr val="212529"/>
+              </a:solidFill>
+              <a:highlight>
+                <a:srgbClr val="F8F9FA"/>
+              </a:highlight>
+              <a:latin typeface="Roboto"/>
+              <a:ea typeface="Roboto"/>
+              <a:cs typeface="Roboto"/>
+              <a:sym typeface="Roboto"/>
+            </a:endParaRPr>
+          </a:p>
+          <a:p>
+            <a:pPr indent="0" lvl="0" marL="0" rtl="0" algn="l">
+              <a:lnSpc>
+                <a:spcPct val="115000"/>
+              </a:lnSpc>
+              <a:spcBef>
+                <a:spcPts val="2400"/>
+              </a:spcBef>
+              <a:spcAft>
+                <a:spcPts val="0"/>
+              </a:spcAft>
+              <a:buClr>
+                <a:schemeClr val="dk1"/>
+              </a:buClr>
+              <a:buSzPts val="1100"/>
+              <a:buFont typeface="Arial"/>
+              <a:buNone/>
+            </a:pPr>
+            <a:r>
+              <a:rPr lang="pl" sz="1350">
+                <a:solidFill>
+                  <a:srgbClr val="212529"/>
+                </a:solidFill>
+                <a:highlight>
+                  <a:srgbClr val="F8F9FA"/>
+                </a:highlight>
+                <a:latin typeface="Roboto"/>
+                <a:ea typeface="Roboto"/>
+                <a:cs typeface="Roboto"/>
+                <a:sym typeface="Roboto"/>
+              </a:rPr>
+              <a:t>/</a:t>
+            </a:r>
+            <a:endParaRPr sz="1350">
+              <a:solidFill>
+                <a:srgbClr val="212529"/>
+              </a:solidFill>
+              <a:highlight>
+                <a:srgbClr val="F8F9FA"/>
+              </a:highlight>
+              <a:latin typeface="Roboto"/>
+              <a:ea typeface="Roboto"/>
+              <a:cs typeface="Roboto"/>
+              <a:sym typeface="Roboto"/>
+            </a:endParaRPr>
+          </a:p>
+          <a:p>
+            <a:pPr indent="0" lvl="0" marL="0" rtl="0" algn="l">
+              <a:lnSpc>
+                <a:spcPct val="115000"/>
+              </a:lnSpc>
+              <a:spcBef>
+                <a:spcPts val="2400"/>
+              </a:spcBef>
+              <a:spcAft>
+                <a:spcPts val="0"/>
+              </a:spcAft>
+              <a:buClr>
+                <a:schemeClr val="dk1"/>
+              </a:buClr>
+              <a:buSzPts val="1100"/>
+              <a:buFont typeface="Arial"/>
+              <a:buNone/>
+            </a:pPr>
+            <a:r>
+              <a:rPr lang="pl" sz="1350">
+                <a:solidFill>
+                  <a:srgbClr val="212529"/>
+                </a:solidFill>
+                <a:highlight>
+                  <a:srgbClr val="F8F9FA"/>
+                </a:highlight>
+                <a:latin typeface="Roboto"/>
+                <a:ea typeface="Roboto"/>
+                <a:cs typeface="Roboto"/>
+                <a:sym typeface="Roboto"/>
+              </a:rPr>
+              <a:t>n</a:t>
+            </a:r>
+            <a:endParaRPr sz="1350">
+              <a:solidFill>
+                <a:srgbClr val="212529"/>
+              </a:solidFill>
+              <a:highlight>
+                <a:srgbClr val="F8F9FA"/>
+              </a:highlight>
+              <a:latin typeface="Roboto"/>
+              <a:ea typeface="Roboto"/>
+              <a:cs typeface="Roboto"/>
+              <a:sym typeface="Roboto"/>
+            </a:endParaRPr>
+          </a:p>
+          <a:p>
+            <a:pPr indent="0" lvl="0" marL="0" rtl="0" algn="ctr">
+              <a:lnSpc>
+                <a:spcPct val="115000"/>
+              </a:lnSpc>
+              <a:spcBef>
+                <a:spcPts val="2400"/>
+              </a:spcBef>
+              <a:spcAft>
+                <a:spcPts val="0"/>
+              </a:spcAft>
+              <a:buClr>
+                <a:schemeClr val="dk1"/>
+              </a:buClr>
+              <a:buSzPts val="1100"/>
+              <a:buFont typeface="Arial"/>
+              <a:buNone/>
+            </a:pPr>
+            <a:r>
+              <a:rPr lang="pl" sz="1350">
+                <a:solidFill>
+                  <a:srgbClr val="212529"/>
+                </a:solidFill>
+                <a:highlight>
+                  <a:srgbClr val="F8F9FA"/>
+                </a:highlight>
+                <a:latin typeface="Roboto"/>
+                <a:ea typeface="Roboto"/>
+                <a:cs typeface="Roboto"/>
+                <a:sym typeface="Roboto"/>
+              </a:rPr>
+              <a:t>p=2000000000/n</a:t>
+            </a:r>
+            <a:endParaRPr sz="1350">
+              <a:solidFill>
+                <a:srgbClr val="212529"/>
+              </a:solidFill>
+              <a:highlight>
+                <a:srgbClr val="F8F9FA"/>
+              </a:highlight>
+              <a:latin typeface="Roboto"/>
+              <a:ea typeface="Roboto"/>
+              <a:cs typeface="Roboto"/>
+              <a:sym typeface="Roboto"/>
+            </a:endParaRPr>
+          </a:p>
+          <a:p>
+            <a:pPr indent="0" lvl="0" marL="0" rtl="0" algn="l">
+              <a:lnSpc>
+                <a:spcPct val="115000"/>
+              </a:lnSpc>
+              <a:spcBef>
+                <a:spcPts val="2400"/>
+              </a:spcBef>
+              <a:spcAft>
+                <a:spcPts val="0"/>
+              </a:spcAft>
+              <a:buClr>
+                <a:schemeClr val="dk1"/>
+              </a:buClr>
+              <a:buSzPts val="1100"/>
+              <a:buFont typeface="Arial"/>
+              <a:buNone/>
+            </a:pPr>
+            <a:r>
+              <a:rPr lang="pl" sz="1200">
+                <a:solidFill>
+                  <a:srgbClr val="212529"/>
+                </a:solidFill>
+                <a:highlight>
+                  <a:srgbClr val="F8F9FA"/>
+                </a:highlight>
+                <a:latin typeface="Roboto"/>
+                <a:ea typeface="Roboto"/>
+                <a:cs typeface="Roboto"/>
+                <a:sym typeface="Roboto"/>
+              </a:rPr>
+              <a:t>Dla ułatwienia, sortować będziemy 10 liczb, zatem</a:t>
+            </a:r>
+            <a:endParaRPr sz="1200">
+              <a:solidFill>
+                <a:srgbClr val="212529"/>
+              </a:solidFill>
+              <a:highlight>
+                <a:srgbClr val="F8F9FA"/>
+              </a:highlight>
+              <a:latin typeface="Roboto"/>
+              <a:ea typeface="Roboto"/>
+              <a:cs typeface="Roboto"/>
+              <a:sym typeface="Roboto"/>
+            </a:endParaRPr>
+          </a:p>
+          <a:p>
+            <a:pPr indent="0" lvl="0" marL="0" rtl="0" algn="l">
+              <a:lnSpc>
+                <a:spcPct val="115000"/>
+              </a:lnSpc>
+              <a:spcBef>
+                <a:spcPts val="1200"/>
+              </a:spcBef>
+              <a:spcAft>
+                <a:spcPts val="0"/>
+              </a:spcAft>
+              <a:buClr>
+                <a:schemeClr val="dk1"/>
+              </a:buClr>
+              <a:buSzPts val="1100"/>
+              <a:buFont typeface="Arial"/>
+              <a:buNone/>
+            </a:pPr>
+            <a:r>
+              <a:rPr lang="pl" sz="1350">
+                <a:solidFill>
+                  <a:srgbClr val="212529"/>
+                </a:solidFill>
+                <a:highlight>
+                  <a:srgbClr val="F8F9FA"/>
+                </a:highlight>
+                <a:latin typeface="Roboto"/>
+                <a:ea typeface="Roboto"/>
+                <a:cs typeface="Roboto"/>
+                <a:sym typeface="Roboto"/>
+              </a:rPr>
+              <a:t>p</a:t>
+            </a:r>
+            <a:endParaRPr sz="1350">
+              <a:solidFill>
+                <a:srgbClr val="212529"/>
+              </a:solidFill>
+              <a:highlight>
+                <a:srgbClr val="F8F9FA"/>
+              </a:highlight>
+              <a:latin typeface="Roboto"/>
+              <a:ea typeface="Roboto"/>
+              <a:cs typeface="Roboto"/>
+              <a:sym typeface="Roboto"/>
+            </a:endParaRPr>
+          </a:p>
+          <a:p>
+            <a:pPr indent="0" lvl="0" marL="50800" rtl="0" algn="l">
+              <a:lnSpc>
+                <a:spcPct val="115000"/>
+              </a:lnSpc>
+              <a:spcBef>
+                <a:spcPts val="2400"/>
+              </a:spcBef>
+              <a:spcAft>
+                <a:spcPts val="0"/>
+              </a:spcAft>
+              <a:buClr>
+                <a:schemeClr val="dk1"/>
+              </a:buClr>
+              <a:buSzPts val="1100"/>
+              <a:buFont typeface="Arial"/>
+              <a:buNone/>
+            </a:pPr>
+            <a:r>
+              <a:rPr lang="pl" sz="1350">
+                <a:solidFill>
+                  <a:srgbClr val="212529"/>
+                </a:solidFill>
+                <a:highlight>
+                  <a:srgbClr val="F8F9FA"/>
+                </a:highlight>
+                <a:latin typeface="Roboto"/>
+                <a:ea typeface="Roboto"/>
+                <a:cs typeface="Roboto"/>
+                <a:sym typeface="Roboto"/>
+              </a:rPr>
+              <a:t>=</a:t>
+            </a:r>
+            <a:endParaRPr sz="1350">
+              <a:solidFill>
+                <a:srgbClr val="212529"/>
+              </a:solidFill>
+              <a:highlight>
+                <a:srgbClr val="F8F9FA"/>
+              </a:highlight>
+              <a:latin typeface="Roboto"/>
+              <a:ea typeface="Roboto"/>
+              <a:cs typeface="Roboto"/>
+              <a:sym typeface="Roboto"/>
+            </a:endParaRPr>
+          </a:p>
+          <a:p>
+            <a:pPr indent="0" lvl="0" marL="50800" rtl="0" algn="l">
+              <a:lnSpc>
+                <a:spcPct val="115000"/>
+              </a:lnSpc>
+              <a:spcBef>
+                <a:spcPts val="2400"/>
+              </a:spcBef>
+              <a:spcAft>
+                <a:spcPts val="0"/>
+              </a:spcAft>
+              <a:buClr>
+                <a:schemeClr val="dk1"/>
+              </a:buClr>
+              <a:buSzPts val="1100"/>
+              <a:buFont typeface="Arial"/>
+              <a:buNone/>
+            </a:pPr>
+            <a:r>
+              <a:rPr lang="pl" sz="1350">
+                <a:solidFill>
+                  <a:srgbClr val="212529"/>
+                </a:solidFill>
+                <a:highlight>
+                  <a:srgbClr val="F8F9FA"/>
+                </a:highlight>
+                <a:latin typeface="Roboto"/>
+                <a:ea typeface="Roboto"/>
+                <a:cs typeface="Roboto"/>
+                <a:sym typeface="Roboto"/>
+              </a:rPr>
+              <a:t>2000000000</a:t>
+            </a:r>
+            <a:endParaRPr sz="1350">
+              <a:solidFill>
+                <a:srgbClr val="212529"/>
+              </a:solidFill>
+              <a:highlight>
+                <a:srgbClr val="F8F9FA"/>
+              </a:highlight>
+              <a:latin typeface="Roboto"/>
+              <a:ea typeface="Roboto"/>
+              <a:cs typeface="Roboto"/>
+              <a:sym typeface="Roboto"/>
+            </a:endParaRPr>
+          </a:p>
+          <a:p>
+            <a:pPr indent="0" lvl="0" marL="0" rtl="0" algn="l">
+              <a:lnSpc>
+                <a:spcPct val="115000"/>
+              </a:lnSpc>
+              <a:spcBef>
+                <a:spcPts val="2400"/>
+              </a:spcBef>
+              <a:spcAft>
+                <a:spcPts val="0"/>
+              </a:spcAft>
+              <a:buClr>
+                <a:schemeClr val="dk1"/>
+              </a:buClr>
+              <a:buSzPts val="1100"/>
+              <a:buFont typeface="Arial"/>
+              <a:buNone/>
+            </a:pPr>
+            <a:r>
+              <a:rPr lang="pl" sz="1350">
+                <a:solidFill>
+                  <a:srgbClr val="212529"/>
+                </a:solidFill>
+                <a:highlight>
+                  <a:srgbClr val="F8F9FA"/>
+                </a:highlight>
+                <a:latin typeface="Roboto"/>
+                <a:ea typeface="Roboto"/>
+                <a:cs typeface="Roboto"/>
+                <a:sym typeface="Roboto"/>
+              </a:rPr>
+              <a:t>/</a:t>
+            </a:r>
+            <a:endParaRPr sz="1350">
+              <a:solidFill>
+                <a:srgbClr val="212529"/>
+              </a:solidFill>
+              <a:highlight>
+                <a:srgbClr val="F8F9FA"/>
+              </a:highlight>
+              <a:latin typeface="Roboto"/>
+              <a:ea typeface="Roboto"/>
+              <a:cs typeface="Roboto"/>
+              <a:sym typeface="Roboto"/>
+            </a:endParaRPr>
+          </a:p>
+          <a:p>
+            <a:pPr indent="0" lvl="0" marL="0" rtl="0" algn="l">
+              <a:lnSpc>
+                <a:spcPct val="115000"/>
+              </a:lnSpc>
+              <a:spcBef>
+                <a:spcPts val="2400"/>
+              </a:spcBef>
+              <a:spcAft>
+                <a:spcPts val="0"/>
+              </a:spcAft>
+              <a:buClr>
+                <a:schemeClr val="dk1"/>
+              </a:buClr>
+              <a:buSzPts val="1100"/>
+              <a:buFont typeface="Arial"/>
+              <a:buNone/>
+            </a:pPr>
+            <a:r>
+              <a:rPr lang="pl" sz="1350">
+                <a:solidFill>
+                  <a:srgbClr val="212529"/>
+                </a:solidFill>
+                <a:highlight>
+                  <a:srgbClr val="F8F9FA"/>
+                </a:highlight>
+                <a:latin typeface="Roboto"/>
+                <a:ea typeface="Roboto"/>
+                <a:cs typeface="Roboto"/>
+                <a:sym typeface="Roboto"/>
+              </a:rPr>
+              <a:t>10</a:t>
+            </a:r>
+            <a:endParaRPr sz="1350">
+              <a:solidFill>
+                <a:srgbClr val="212529"/>
+              </a:solidFill>
+              <a:highlight>
+                <a:srgbClr val="F8F9FA"/>
+              </a:highlight>
+              <a:latin typeface="Roboto"/>
+              <a:ea typeface="Roboto"/>
+              <a:cs typeface="Roboto"/>
+              <a:sym typeface="Roboto"/>
+            </a:endParaRPr>
+          </a:p>
+          <a:p>
+            <a:pPr indent="0" lvl="0" marL="50800" rtl="0" algn="l">
+              <a:lnSpc>
+                <a:spcPct val="115000"/>
+              </a:lnSpc>
+              <a:spcBef>
+                <a:spcPts val="2400"/>
+              </a:spcBef>
+              <a:spcAft>
+                <a:spcPts val="0"/>
+              </a:spcAft>
+              <a:buClr>
+                <a:schemeClr val="dk1"/>
+              </a:buClr>
+              <a:buSzPts val="1100"/>
+              <a:buFont typeface="Arial"/>
+              <a:buNone/>
+            </a:pPr>
+            <a:r>
+              <a:rPr lang="pl" sz="1350">
+                <a:solidFill>
+                  <a:srgbClr val="212529"/>
+                </a:solidFill>
+                <a:highlight>
+                  <a:srgbClr val="F8F9FA"/>
+                </a:highlight>
+                <a:latin typeface="Roboto"/>
+                <a:ea typeface="Roboto"/>
+                <a:cs typeface="Roboto"/>
+                <a:sym typeface="Roboto"/>
+              </a:rPr>
+              <a:t>=</a:t>
+            </a:r>
+            <a:endParaRPr sz="1350">
+              <a:solidFill>
+                <a:srgbClr val="212529"/>
+              </a:solidFill>
+              <a:highlight>
+                <a:srgbClr val="F8F9FA"/>
+              </a:highlight>
+              <a:latin typeface="Roboto"/>
+              <a:ea typeface="Roboto"/>
+              <a:cs typeface="Roboto"/>
+              <a:sym typeface="Roboto"/>
+            </a:endParaRPr>
+          </a:p>
+          <a:p>
+            <a:pPr indent="0" lvl="0" marL="50800" rtl="0" algn="l">
+              <a:lnSpc>
+                <a:spcPct val="115000"/>
+              </a:lnSpc>
+              <a:spcBef>
+                <a:spcPts val="2400"/>
+              </a:spcBef>
+              <a:spcAft>
+                <a:spcPts val="0"/>
+              </a:spcAft>
+              <a:buClr>
+                <a:schemeClr val="dk1"/>
+              </a:buClr>
+              <a:buSzPts val="1100"/>
+              <a:buFont typeface="Arial"/>
+              <a:buNone/>
+            </a:pPr>
+            <a:r>
+              <a:rPr lang="pl" sz="1350">
+                <a:solidFill>
+                  <a:srgbClr val="212529"/>
+                </a:solidFill>
+                <a:highlight>
+                  <a:srgbClr val="F8F9FA"/>
+                </a:highlight>
+                <a:latin typeface="Roboto"/>
+                <a:ea typeface="Roboto"/>
+                <a:cs typeface="Roboto"/>
+                <a:sym typeface="Roboto"/>
+              </a:rPr>
+              <a:t>200000000</a:t>
+            </a:r>
+            <a:endParaRPr sz="1350">
+              <a:solidFill>
+                <a:srgbClr val="212529"/>
+              </a:solidFill>
+              <a:highlight>
+                <a:srgbClr val="F8F9FA"/>
+              </a:highlight>
+              <a:latin typeface="Roboto"/>
+              <a:ea typeface="Roboto"/>
+              <a:cs typeface="Roboto"/>
+              <a:sym typeface="Roboto"/>
+            </a:endParaRPr>
+          </a:p>
+          <a:p>
+            <a:pPr indent="0" lvl="0" marL="0" rtl="0" algn="ctr">
+              <a:lnSpc>
+                <a:spcPct val="115000"/>
+              </a:lnSpc>
+              <a:spcBef>
+                <a:spcPts val="2400"/>
+              </a:spcBef>
+              <a:spcAft>
+                <a:spcPts val="0"/>
+              </a:spcAft>
+              <a:buClr>
+                <a:schemeClr val="dk1"/>
+              </a:buClr>
+              <a:buSzPts val="1100"/>
+              <a:buFont typeface="Arial"/>
+              <a:buNone/>
+            </a:pPr>
+            <a:r>
+              <a:rPr lang="pl" sz="1350">
+                <a:solidFill>
+                  <a:srgbClr val="212529"/>
+                </a:solidFill>
+                <a:highlight>
+                  <a:srgbClr val="F8F9FA"/>
+                </a:highlight>
+                <a:latin typeface="Roboto"/>
+                <a:ea typeface="Roboto"/>
+                <a:cs typeface="Roboto"/>
+                <a:sym typeface="Roboto"/>
+              </a:rPr>
+              <a:t>p=2000000000/10=200000000</a:t>
+            </a:r>
+            <a:endParaRPr sz="1350">
+              <a:solidFill>
+                <a:srgbClr val="212529"/>
+              </a:solidFill>
+              <a:highlight>
+                <a:srgbClr val="F8F9FA"/>
+              </a:highlight>
+              <a:latin typeface="Roboto"/>
+              <a:ea typeface="Roboto"/>
+              <a:cs typeface="Roboto"/>
+              <a:sym typeface="Roboto"/>
+            </a:endParaRPr>
+          </a:p>
+          <a:p>
+            <a:pPr indent="0" lvl="0" marL="0" rtl="0" algn="l">
+              <a:lnSpc>
+                <a:spcPct val="115000"/>
+              </a:lnSpc>
+              <a:spcBef>
+                <a:spcPts val="2400"/>
+              </a:spcBef>
+              <a:spcAft>
+                <a:spcPts val="0"/>
+              </a:spcAft>
+              <a:buClr>
+                <a:schemeClr val="dk1"/>
+              </a:buClr>
+              <a:buSzPts val="1100"/>
+              <a:buFont typeface="Arial"/>
+              <a:buNone/>
+            </a:pPr>
+            <a:r>
+              <a:rPr lang="pl" sz="1200">
+                <a:solidFill>
+                  <a:srgbClr val="212529"/>
+                </a:solidFill>
+                <a:highlight>
+                  <a:srgbClr val="F8F9FA"/>
+                </a:highlight>
+                <a:latin typeface="Roboto"/>
+                <a:ea typeface="Roboto"/>
+                <a:cs typeface="Roboto"/>
+                <a:sym typeface="Roboto"/>
+              </a:rPr>
+              <a:t>Poszczególne kubełki będą reprezentować następujące przedziały:</a:t>
+            </a:r>
+            <a:endParaRPr sz="1200">
+              <a:solidFill>
+                <a:srgbClr val="212529"/>
+              </a:solidFill>
+              <a:highlight>
+                <a:srgbClr val="F8F9FA"/>
+              </a:highlight>
+              <a:latin typeface="Roboto"/>
+              <a:ea typeface="Roboto"/>
+              <a:cs typeface="Roboto"/>
+              <a:sym typeface="Roboto"/>
+            </a:endParaRPr>
+          </a:p>
+          <a:p>
+            <a:pPr indent="-304800" lvl="0" marL="457200" rtl="0" algn="l">
+              <a:lnSpc>
+                <a:spcPct val="115000"/>
+              </a:lnSpc>
+              <a:spcBef>
+                <a:spcPts val="1200"/>
+              </a:spcBef>
+              <a:spcAft>
+                <a:spcPts val="0"/>
+              </a:spcAft>
+              <a:buClr>
+                <a:srgbClr val="212529"/>
+              </a:buClr>
+              <a:buSzPts val="1200"/>
+              <a:buFont typeface="Roboto"/>
+              <a:buAutoNum type="arabicPeriod"/>
+            </a:pPr>
+            <a:r>
+              <a:rPr lang="pl" sz="1200">
+                <a:solidFill>
+                  <a:srgbClr val="212529"/>
+                </a:solidFill>
+                <a:highlight>
+                  <a:srgbClr val="F8F9FA"/>
+                </a:highlight>
+                <a:latin typeface="Roboto"/>
+                <a:ea typeface="Roboto"/>
+                <a:cs typeface="Roboto"/>
+                <a:sym typeface="Roboto"/>
+              </a:rPr>
+              <a:t>[0, 200 000 000)</a:t>
+            </a:r>
+            <a:endParaRPr sz="1200">
+              <a:solidFill>
+                <a:srgbClr val="212529"/>
+              </a:solidFill>
+              <a:highlight>
+                <a:srgbClr val="F8F9FA"/>
+              </a:highlight>
+              <a:latin typeface="Roboto"/>
+              <a:ea typeface="Roboto"/>
+              <a:cs typeface="Roboto"/>
+              <a:sym typeface="Roboto"/>
+            </a:endParaRPr>
+          </a:p>
+          <a:p>
+            <a:pPr indent="-304800" lvl="0" marL="457200" rtl="0" algn="l">
+              <a:lnSpc>
+                <a:spcPct val="115000"/>
+              </a:lnSpc>
+              <a:spcBef>
+                <a:spcPts val="0"/>
+              </a:spcBef>
+              <a:spcAft>
+                <a:spcPts val="0"/>
+              </a:spcAft>
+              <a:buClr>
+                <a:srgbClr val="212529"/>
+              </a:buClr>
+              <a:buSzPts val="1200"/>
+              <a:buFont typeface="Roboto"/>
+              <a:buAutoNum type="arabicPeriod"/>
+            </a:pPr>
+            <a:r>
+              <a:rPr lang="pl" sz="1200">
+                <a:solidFill>
+                  <a:srgbClr val="212529"/>
+                </a:solidFill>
+                <a:highlight>
+                  <a:srgbClr val="F8F9FA"/>
+                </a:highlight>
+                <a:latin typeface="Roboto"/>
+                <a:ea typeface="Roboto"/>
+                <a:cs typeface="Roboto"/>
+                <a:sym typeface="Roboto"/>
+              </a:rPr>
+              <a:t>[200 000 000, 400 000 000)</a:t>
+            </a:r>
+            <a:endParaRPr sz="1200">
+              <a:solidFill>
+                <a:srgbClr val="212529"/>
+              </a:solidFill>
+              <a:highlight>
+                <a:srgbClr val="F8F9FA"/>
+              </a:highlight>
+              <a:latin typeface="Roboto"/>
+              <a:ea typeface="Roboto"/>
+              <a:cs typeface="Roboto"/>
+              <a:sym typeface="Roboto"/>
+            </a:endParaRPr>
+          </a:p>
+          <a:p>
+            <a:pPr indent="-304800" lvl="0" marL="457200" rtl="0" algn="l">
+              <a:lnSpc>
+                <a:spcPct val="115000"/>
+              </a:lnSpc>
+              <a:spcBef>
+                <a:spcPts val="0"/>
+              </a:spcBef>
+              <a:spcAft>
+                <a:spcPts val="0"/>
+              </a:spcAft>
+              <a:buClr>
+                <a:srgbClr val="212529"/>
+              </a:buClr>
+              <a:buSzPts val="1200"/>
+              <a:buFont typeface="Roboto"/>
+              <a:buAutoNum type="arabicPeriod"/>
+            </a:pPr>
+            <a:r>
+              <a:rPr lang="pl" sz="1200">
+                <a:solidFill>
+                  <a:srgbClr val="212529"/>
+                </a:solidFill>
+                <a:highlight>
+                  <a:srgbClr val="F8F9FA"/>
+                </a:highlight>
+                <a:latin typeface="Roboto"/>
+                <a:ea typeface="Roboto"/>
+                <a:cs typeface="Roboto"/>
+                <a:sym typeface="Roboto"/>
+              </a:rPr>
+              <a:t>[400 000 000, 600 000 000)</a:t>
+            </a:r>
+            <a:endParaRPr sz="1200">
+              <a:solidFill>
+                <a:srgbClr val="212529"/>
+              </a:solidFill>
+              <a:highlight>
+                <a:srgbClr val="F8F9FA"/>
+              </a:highlight>
+              <a:latin typeface="Roboto"/>
+              <a:ea typeface="Roboto"/>
+              <a:cs typeface="Roboto"/>
+              <a:sym typeface="Roboto"/>
+            </a:endParaRPr>
+          </a:p>
+          <a:p>
+            <a:pPr indent="-304800" lvl="0" marL="457200" rtl="0" algn="l">
+              <a:lnSpc>
+                <a:spcPct val="115000"/>
+              </a:lnSpc>
+              <a:spcBef>
+                <a:spcPts val="0"/>
+              </a:spcBef>
+              <a:spcAft>
+                <a:spcPts val="0"/>
+              </a:spcAft>
+              <a:buClr>
+                <a:srgbClr val="212529"/>
+              </a:buClr>
+              <a:buSzPts val="1200"/>
+              <a:buFont typeface="Roboto"/>
+              <a:buAutoNum type="arabicPeriod"/>
+            </a:pPr>
+            <a:r>
+              <a:rPr lang="pl" sz="1200">
+                <a:solidFill>
+                  <a:srgbClr val="212529"/>
+                </a:solidFill>
+                <a:highlight>
+                  <a:srgbClr val="F8F9FA"/>
+                </a:highlight>
+                <a:latin typeface="Roboto"/>
+                <a:ea typeface="Roboto"/>
+                <a:cs typeface="Roboto"/>
+                <a:sym typeface="Roboto"/>
+              </a:rPr>
+              <a:t>[600 000 000, 800 000 000)</a:t>
+            </a:r>
+            <a:endParaRPr sz="1200">
+              <a:solidFill>
+                <a:srgbClr val="212529"/>
+              </a:solidFill>
+              <a:highlight>
+                <a:srgbClr val="F8F9FA"/>
+              </a:highlight>
+              <a:latin typeface="Roboto"/>
+              <a:ea typeface="Roboto"/>
+              <a:cs typeface="Roboto"/>
+              <a:sym typeface="Roboto"/>
+            </a:endParaRPr>
+          </a:p>
+          <a:p>
+            <a:pPr indent="-304800" lvl="0" marL="457200" rtl="0" algn="l">
+              <a:lnSpc>
+                <a:spcPct val="115000"/>
+              </a:lnSpc>
+              <a:spcBef>
+                <a:spcPts val="0"/>
+              </a:spcBef>
+              <a:spcAft>
+                <a:spcPts val="0"/>
+              </a:spcAft>
+              <a:buClr>
+                <a:srgbClr val="212529"/>
+              </a:buClr>
+              <a:buSzPts val="1200"/>
+              <a:buFont typeface="Roboto"/>
+              <a:buAutoNum type="arabicPeriod"/>
+            </a:pPr>
+            <a:r>
+              <a:rPr lang="pl" sz="1200">
+                <a:solidFill>
+                  <a:srgbClr val="212529"/>
+                </a:solidFill>
+                <a:highlight>
+                  <a:srgbClr val="F8F9FA"/>
+                </a:highlight>
+                <a:latin typeface="Roboto"/>
+                <a:ea typeface="Roboto"/>
+                <a:cs typeface="Roboto"/>
+                <a:sym typeface="Roboto"/>
+              </a:rPr>
+              <a:t>[800 000 000, 1000 000 000)</a:t>
+            </a:r>
+            <a:endParaRPr sz="1200">
+              <a:solidFill>
+                <a:srgbClr val="212529"/>
+              </a:solidFill>
+              <a:highlight>
+                <a:srgbClr val="F8F9FA"/>
+              </a:highlight>
+              <a:latin typeface="Roboto"/>
+              <a:ea typeface="Roboto"/>
+              <a:cs typeface="Roboto"/>
+              <a:sym typeface="Roboto"/>
+            </a:endParaRPr>
+          </a:p>
+          <a:p>
+            <a:pPr indent="-304800" lvl="0" marL="457200" rtl="0" algn="l">
+              <a:lnSpc>
+                <a:spcPct val="115000"/>
+              </a:lnSpc>
+              <a:spcBef>
+                <a:spcPts val="0"/>
+              </a:spcBef>
+              <a:spcAft>
+                <a:spcPts val="0"/>
+              </a:spcAft>
+              <a:buClr>
+                <a:srgbClr val="212529"/>
+              </a:buClr>
+              <a:buSzPts val="1200"/>
+              <a:buFont typeface="Roboto"/>
+              <a:buAutoNum type="arabicPeriod"/>
+            </a:pPr>
+            <a:r>
+              <a:rPr lang="pl" sz="1200">
+                <a:solidFill>
+                  <a:srgbClr val="212529"/>
+                </a:solidFill>
+                <a:highlight>
+                  <a:srgbClr val="F8F9FA"/>
+                </a:highlight>
+                <a:latin typeface="Roboto"/>
+                <a:ea typeface="Roboto"/>
+                <a:cs typeface="Roboto"/>
+                <a:sym typeface="Roboto"/>
+              </a:rPr>
+              <a:t>[1000 000 000, 1200 000 000)</a:t>
+            </a:r>
+            <a:endParaRPr sz="1200">
+              <a:solidFill>
+                <a:srgbClr val="212529"/>
+              </a:solidFill>
+              <a:highlight>
+                <a:srgbClr val="F8F9FA"/>
+              </a:highlight>
+              <a:latin typeface="Roboto"/>
+              <a:ea typeface="Roboto"/>
+              <a:cs typeface="Roboto"/>
+              <a:sym typeface="Roboto"/>
+            </a:endParaRPr>
+          </a:p>
+          <a:p>
+            <a:pPr indent="-304800" lvl="0" marL="457200" rtl="0" algn="l">
+              <a:lnSpc>
+                <a:spcPct val="115000"/>
+              </a:lnSpc>
+              <a:spcBef>
+                <a:spcPts val="0"/>
+              </a:spcBef>
+              <a:spcAft>
+                <a:spcPts val="0"/>
+              </a:spcAft>
+              <a:buClr>
+                <a:srgbClr val="212529"/>
+              </a:buClr>
+              <a:buSzPts val="1200"/>
+              <a:buFont typeface="Roboto"/>
+              <a:buAutoNum type="arabicPeriod"/>
+            </a:pPr>
+            <a:r>
+              <a:rPr lang="pl" sz="1200">
+                <a:solidFill>
+                  <a:srgbClr val="212529"/>
+                </a:solidFill>
+                <a:highlight>
+                  <a:srgbClr val="F8F9FA"/>
+                </a:highlight>
+                <a:latin typeface="Roboto"/>
+                <a:ea typeface="Roboto"/>
+                <a:cs typeface="Roboto"/>
+                <a:sym typeface="Roboto"/>
+              </a:rPr>
+              <a:t>[1200 000 000, 1400 000 000)</a:t>
+            </a:r>
+            <a:endParaRPr sz="1200">
+              <a:solidFill>
+                <a:srgbClr val="212529"/>
+              </a:solidFill>
+              <a:highlight>
+                <a:srgbClr val="F8F9FA"/>
+              </a:highlight>
+              <a:latin typeface="Roboto"/>
+              <a:ea typeface="Roboto"/>
+              <a:cs typeface="Roboto"/>
+              <a:sym typeface="Roboto"/>
+            </a:endParaRPr>
+          </a:p>
+          <a:p>
+            <a:pPr indent="-304800" lvl="0" marL="457200" rtl="0" algn="l">
+              <a:lnSpc>
+                <a:spcPct val="115000"/>
+              </a:lnSpc>
+              <a:spcBef>
+                <a:spcPts val="0"/>
+              </a:spcBef>
+              <a:spcAft>
+                <a:spcPts val="0"/>
+              </a:spcAft>
+              <a:buClr>
+                <a:srgbClr val="212529"/>
+              </a:buClr>
+              <a:buSzPts val="1200"/>
+              <a:buFont typeface="Roboto"/>
+              <a:buAutoNum type="arabicPeriod"/>
+            </a:pPr>
+            <a:r>
+              <a:rPr lang="pl" sz="1200">
+                <a:solidFill>
+                  <a:srgbClr val="212529"/>
+                </a:solidFill>
+                <a:highlight>
+                  <a:srgbClr val="F8F9FA"/>
+                </a:highlight>
+                <a:latin typeface="Roboto"/>
+                <a:ea typeface="Roboto"/>
+                <a:cs typeface="Roboto"/>
+                <a:sym typeface="Roboto"/>
+              </a:rPr>
+              <a:t>[1400 000 000, 1600 000 000)</a:t>
+            </a:r>
+            <a:endParaRPr sz="1200">
+              <a:solidFill>
+                <a:srgbClr val="212529"/>
+              </a:solidFill>
+              <a:highlight>
+                <a:srgbClr val="F8F9FA"/>
+              </a:highlight>
+              <a:latin typeface="Roboto"/>
+              <a:ea typeface="Roboto"/>
+              <a:cs typeface="Roboto"/>
+              <a:sym typeface="Roboto"/>
+            </a:endParaRPr>
+          </a:p>
+          <a:p>
+            <a:pPr indent="-304800" lvl="0" marL="457200" rtl="0" algn="l">
+              <a:lnSpc>
+                <a:spcPct val="115000"/>
+              </a:lnSpc>
+              <a:spcBef>
+                <a:spcPts val="0"/>
+              </a:spcBef>
+              <a:spcAft>
+                <a:spcPts val="0"/>
+              </a:spcAft>
+              <a:buClr>
+                <a:srgbClr val="212529"/>
+              </a:buClr>
+              <a:buSzPts val="1200"/>
+              <a:buFont typeface="Roboto"/>
+              <a:buAutoNum type="arabicPeriod"/>
+            </a:pPr>
+            <a:r>
+              <a:rPr lang="pl" sz="1200">
+                <a:solidFill>
+                  <a:srgbClr val="212529"/>
+                </a:solidFill>
+                <a:highlight>
+                  <a:srgbClr val="F8F9FA"/>
+                </a:highlight>
+                <a:latin typeface="Roboto"/>
+                <a:ea typeface="Roboto"/>
+                <a:cs typeface="Roboto"/>
+                <a:sym typeface="Roboto"/>
+              </a:rPr>
+              <a:t>[1600 000 000, 1800 000 000)</a:t>
+            </a:r>
+            <a:endParaRPr sz="1200">
+              <a:solidFill>
+                <a:srgbClr val="212529"/>
+              </a:solidFill>
+              <a:highlight>
+                <a:srgbClr val="F8F9FA"/>
+              </a:highlight>
+              <a:latin typeface="Roboto"/>
+              <a:ea typeface="Roboto"/>
+              <a:cs typeface="Roboto"/>
+              <a:sym typeface="Roboto"/>
+            </a:endParaRPr>
+          </a:p>
+          <a:p>
+            <a:pPr indent="-304800" lvl="0" marL="457200" rtl="0" algn="l">
+              <a:lnSpc>
+                <a:spcPct val="115000"/>
+              </a:lnSpc>
+              <a:spcBef>
+                <a:spcPts val="0"/>
+              </a:spcBef>
+              <a:spcAft>
+                <a:spcPts val="0"/>
+              </a:spcAft>
+              <a:buClr>
+                <a:srgbClr val="212529"/>
+              </a:buClr>
+              <a:buSzPts val="1200"/>
+              <a:buFont typeface="Roboto"/>
+              <a:buAutoNum type="arabicPeriod"/>
+            </a:pPr>
+            <a:r>
+              <a:rPr lang="pl" sz="1200">
+                <a:solidFill>
+                  <a:srgbClr val="212529"/>
+                </a:solidFill>
+                <a:highlight>
+                  <a:srgbClr val="F8F9FA"/>
+                </a:highlight>
+                <a:latin typeface="Roboto"/>
+                <a:ea typeface="Roboto"/>
+                <a:cs typeface="Roboto"/>
+                <a:sym typeface="Roboto"/>
+              </a:rPr>
+              <a:t>[1800 000 000, 2000 000 000)</a:t>
+            </a:r>
+            <a:endParaRPr sz="1200">
+              <a:solidFill>
+                <a:srgbClr val="212529"/>
+              </a:solidFill>
+              <a:highlight>
+                <a:srgbClr val="F8F9FA"/>
+              </a:highlight>
+              <a:latin typeface="Roboto"/>
+              <a:ea typeface="Roboto"/>
+              <a:cs typeface="Roboto"/>
+              <a:sym typeface="Roboto"/>
+            </a:endParaRPr>
+          </a:p>
+          <a:p>
+            <a:pPr indent="0" lvl="0" marL="0" rtl="0" algn="l">
+              <a:lnSpc>
+                <a:spcPct val="115000"/>
+              </a:lnSpc>
+              <a:spcBef>
+                <a:spcPts val="1200"/>
+              </a:spcBef>
+              <a:spcAft>
+                <a:spcPts val="0"/>
+              </a:spcAft>
+              <a:buClr>
+                <a:schemeClr val="dk1"/>
+              </a:buClr>
+              <a:buSzPts val="1100"/>
+              <a:buFont typeface="Arial"/>
+              <a:buNone/>
+            </a:pPr>
+            <a:r>
+              <a:rPr lang="pl" sz="1200">
+                <a:solidFill>
+                  <a:srgbClr val="212529"/>
+                </a:solidFill>
+                <a:highlight>
+                  <a:srgbClr val="F8F9FA"/>
+                </a:highlight>
+                <a:latin typeface="Roboto"/>
+                <a:ea typeface="Roboto"/>
+                <a:cs typeface="Roboto"/>
+                <a:sym typeface="Roboto"/>
+              </a:rPr>
+              <a:t>Sortować będziemy zbiór dziesięciu liczb całkowitych:</a:t>
+            </a:r>
+            <a:endParaRPr sz="1200">
+              <a:solidFill>
+                <a:srgbClr val="212529"/>
+              </a:solidFill>
+              <a:highlight>
+                <a:srgbClr val="F8F9FA"/>
+              </a:highlight>
+              <a:latin typeface="Roboto"/>
+              <a:ea typeface="Roboto"/>
+              <a:cs typeface="Roboto"/>
+              <a:sym typeface="Roboto"/>
+            </a:endParaRPr>
+          </a:p>
+          <a:p>
+            <a:pPr indent="0" lvl="0" marL="0" rtl="0" algn="l">
+              <a:lnSpc>
+                <a:spcPct val="115000"/>
+              </a:lnSpc>
+              <a:spcBef>
+                <a:spcPts val="1200"/>
+              </a:spcBef>
+              <a:spcAft>
+                <a:spcPts val="0"/>
+              </a:spcAft>
+              <a:buClr>
+                <a:schemeClr val="dk1"/>
+              </a:buClr>
+              <a:buSzPts val="1100"/>
+              <a:buFont typeface="Arial"/>
+              <a:buNone/>
+            </a:pPr>
+            <a:r>
+              <a:rPr lang="pl" sz="1200">
+                <a:solidFill>
+                  <a:srgbClr val="212529"/>
+                </a:solidFill>
+                <a:highlight>
+                  <a:srgbClr val="F8F9FA"/>
+                </a:highlight>
+                <a:latin typeface="Roboto"/>
+                <a:ea typeface="Roboto"/>
+                <a:cs typeface="Roboto"/>
+                <a:sym typeface="Roboto"/>
+              </a:rPr>
+              <a:t>300 000 000, 2399, 900 000 000, 1899 999 999, 500 000 001, 1400 200 000, 1799 999 999, 123 456 678, 1999 999 999, 1210 000 000</a:t>
+            </a:r>
+            <a:endParaRPr sz="1200">
+              <a:solidFill>
+                <a:srgbClr val="212529"/>
+              </a:solidFill>
+              <a:highlight>
+                <a:srgbClr val="F8F9FA"/>
+              </a:highlight>
+              <a:latin typeface="Roboto"/>
+              <a:ea typeface="Roboto"/>
+              <a:cs typeface="Roboto"/>
+              <a:sym typeface="Roboto"/>
+            </a:endParaRPr>
+          </a:p>
+          <a:p>
+            <a:pPr indent="0" lvl="0" marL="0" rtl="0" algn="l">
+              <a:lnSpc>
+                <a:spcPct val="115000"/>
+              </a:lnSpc>
+              <a:spcBef>
+                <a:spcPts val="1200"/>
+              </a:spcBef>
+              <a:spcAft>
+                <a:spcPts val="0"/>
+              </a:spcAft>
+              <a:buClr>
+                <a:schemeClr val="dk1"/>
+              </a:buClr>
+              <a:buSzPts val="1100"/>
+              <a:buFont typeface="Arial"/>
+              <a:buNone/>
+            </a:pPr>
+            <a:r>
+              <a:rPr lang="pl" sz="1200">
+                <a:solidFill>
+                  <a:srgbClr val="212529"/>
+                </a:solidFill>
+                <a:highlight>
+                  <a:srgbClr val="F8F9FA"/>
+                </a:highlight>
+                <a:latin typeface="Roboto"/>
+                <a:ea typeface="Roboto"/>
+                <a:cs typeface="Roboto"/>
+                <a:sym typeface="Roboto"/>
+              </a:rPr>
+              <a:t>Każdą z tych liczb wkładamy do odpowiedniego kubełka:</a:t>
+            </a:r>
+            <a:endParaRPr sz="1200">
+              <a:solidFill>
+                <a:srgbClr val="212529"/>
+              </a:solidFill>
+              <a:highlight>
+                <a:srgbClr val="F8F9FA"/>
+              </a:highlight>
+              <a:latin typeface="Roboto"/>
+              <a:ea typeface="Roboto"/>
+              <a:cs typeface="Roboto"/>
+              <a:sym typeface="Roboto"/>
+            </a:endParaRPr>
+          </a:p>
+          <a:p>
+            <a:pPr indent="-304800" lvl="0" marL="457200" rtl="0" algn="l">
+              <a:lnSpc>
+                <a:spcPct val="115000"/>
+              </a:lnSpc>
+              <a:spcBef>
+                <a:spcPts val="1200"/>
+              </a:spcBef>
+              <a:spcAft>
+                <a:spcPts val="0"/>
+              </a:spcAft>
+              <a:buClr>
+                <a:srgbClr val="212529"/>
+              </a:buClr>
+              <a:buSzPts val="1200"/>
+              <a:buFont typeface="Roboto"/>
+              <a:buAutoNum type="arabicPeriod"/>
+            </a:pPr>
+            <a:r>
+              <a:rPr lang="pl" sz="1200">
+                <a:solidFill>
+                  <a:srgbClr val="212529"/>
+                </a:solidFill>
+                <a:highlight>
+                  <a:srgbClr val="F8F9FA"/>
+                </a:highlight>
+                <a:latin typeface="Roboto"/>
+                <a:ea typeface="Roboto"/>
+                <a:cs typeface="Roboto"/>
+                <a:sym typeface="Roboto"/>
+              </a:rPr>
+              <a:t>[0, 200 000 000): 2399, 123 456 678, </a:t>
+            </a:r>
+            <a:endParaRPr sz="1200">
+              <a:solidFill>
+                <a:srgbClr val="212529"/>
+              </a:solidFill>
+              <a:highlight>
+                <a:srgbClr val="F8F9FA"/>
+              </a:highlight>
+              <a:latin typeface="Roboto"/>
+              <a:ea typeface="Roboto"/>
+              <a:cs typeface="Roboto"/>
+              <a:sym typeface="Roboto"/>
+            </a:endParaRPr>
+          </a:p>
+          <a:p>
+            <a:pPr indent="-304800" lvl="0" marL="457200" rtl="0" algn="l">
+              <a:lnSpc>
+                <a:spcPct val="115000"/>
+              </a:lnSpc>
+              <a:spcBef>
+                <a:spcPts val="0"/>
+              </a:spcBef>
+              <a:spcAft>
+                <a:spcPts val="0"/>
+              </a:spcAft>
+              <a:buClr>
+                <a:srgbClr val="212529"/>
+              </a:buClr>
+              <a:buSzPts val="1200"/>
+              <a:buFont typeface="Roboto"/>
+              <a:buAutoNum type="arabicPeriod"/>
+            </a:pPr>
+            <a:r>
+              <a:rPr lang="pl" sz="1200">
+                <a:solidFill>
+                  <a:srgbClr val="212529"/>
+                </a:solidFill>
+                <a:highlight>
+                  <a:srgbClr val="F8F9FA"/>
+                </a:highlight>
+                <a:latin typeface="Roboto"/>
+                <a:ea typeface="Roboto"/>
+                <a:cs typeface="Roboto"/>
+                <a:sym typeface="Roboto"/>
+              </a:rPr>
+              <a:t>[200 000 000, 400 000 000): 300 000 000,</a:t>
+            </a:r>
+            <a:endParaRPr sz="1200">
+              <a:solidFill>
+                <a:srgbClr val="212529"/>
+              </a:solidFill>
+              <a:highlight>
+                <a:srgbClr val="F8F9FA"/>
+              </a:highlight>
+              <a:latin typeface="Roboto"/>
+              <a:ea typeface="Roboto"/>
+              <a:cs typeface="Roboto"/>
+              <a:sym typeface="Roboto"/>
+            </a:endParaRPr>
+          </a:p>
+          <a:p>
+            <a:pPr indent="-304800" lvl="0" marL="457200" rtl="0" algn="l">
+              <a:lnSpc>
+                <a:spcPct val="115000"/>
+              </a:lnSpc>
+              <a:spcBef>
+                <a:spcPts val="0"/>
+              </a:spcBef>
+              <a:spcAft>
+                <a:spcPts val="0"/>
+              </a:spcAft>
+              <a:buClr>
+                <a:srgbClr val="212529"/>
+              </a:buClr>
+              <a:buSzPts val="1200"/>
+              <a:buFont typeface="Roboto"/>
+              <a:buAutoNum type="arabicPeriod"/>
+            </a:pPr>
+            <a:r>
+              <a:rPr lang="pl" sz="1200">
+                <a:solidFill>
+                  <a:srgbClr val="212529"/>
+                </a:solidFill>
+                <a:highlight>
+                  <a:srgbClr val="F8F9FA"/>
+                </a:highlight>
+                <a:latin typeface="Roboto"/>
+                <a:ea typeface="Roboto"/>
+                <a:cs typeface="Roboto"/>
+                <a:sym typeface="Roboto"/>
+              </a:rPr>
+              <a:t>[400 000 000, 600 000 000): 500 000 001,</a:t>
+            </a:r>
+            <a:endParaRPr sz="1200">
+              <a:solidFill>
+                <a:srgbClr val="212529"/>
+              </a:solidFill>
+              <a:highlight>
+                <a:srgbClr val="F8F9FA"/>
+              </a:highlight>
+              <a:latin typeface="Roboto"/>
+              <a:ea typeface="Roboto"/>
+              <a:cs typeface="Roboto"/>
+              <a:sym typeface="Roboto"/>
+            </a:endParaRPr>
+          </a:p>
+          <a:p>
+            <a:pPr indent="-304800" lvl="0" marL="457200" rtl="0" algn="l">
+              <a:lnSpc>
+                <a:spcPct val="115000"/>
+              </a:lnSpc>
+              <a:spcBef>
+                <a:spcPts val="0"/>
+              </a:spcBef>
+              <a:spcAft>
+                <a:spcPts val="0"/>
+              </a:spcAft>
+              <a:buClr>
+                <a:srgbClr val="212529"/>
+              </a:buClr>
+              <a:buSzPts val="1200"/>
+              <a:buFont typeface="Roboto"/>
+              <a:buAutoNum type="arabicPeriod"/>
+            </a:pPr>
+            <a:r>
+              <a:rPr lang="pl" sz="1200">
+                <a:solidFill>
+                  <a:srgbClr val="212529"/>
+                </a:solidFill>
+                <a:highlight>
+                  <a:srgbClr val="F8F9FA"/>
+                </a:highlight>
+                <a:latin typeface="Roboto"/>
+                <a:ea typeface="Roboto"/>
+                <a:cs typeface="Roboto"/>
+                <a:sym typeface="Roboto"/>
+              </a:rPr>
+              <a:t>[600 000 000, 800 000 000)</a:t>
+            </a:r>
+            <a:endParaRPr sz="1200">
+              <a:solidFill>
+                <a:srgbClr val="212529"/>
+              </a:solidFill>
+              <a:highlight>
+                <a:srgbClr val="F8F9FA"/>
+              </a:highlight>
+              <a:latin typeface="Roboto"/>
+              <a:ea typeface="Roboto"/>
+              <a:cs typeface="Roboto"/>
+              <a:sym typeface="Roboto"/>
+            </a:endParaRPr>
+          </a:p>
+          <a:p>
+            <a:pPr indent="-304800" lvl="0" marL="457200" rtl="0" algn="l">
+              <a:lnSpc>
+                <a:spcPct val="115000"/>
+              </a:lnSpc>
+              <a:spcBef>
+                <a:spcPts val="0"/>
+              </a:spcBef>
+              <a:spcAft>
+                <a:spcPts val="0"/>
+              </a:spcAft>
+              <a:buClr>
+                <a:srgbClr val="212529"/>
+              </a:buClr>
+              <a:buSzPts val="1200"/>
+              <a:buFont typeface="Roboto"/>
+              <a:buAutoNum type="arabicPeriod"/>
+            </a:pPr>
+            <a:r>
+              <a:rPr lang="pl" sz="1200">
+                <a:solidFill>
+                  <a:srgbClr val="212529"/>
+                </a:solidFill>
+                <a:highlight>
+                  <a:srgbClr val="F8F9FA"/>
+                </a:highlight>
+                <a:latin typeface="Roboto"/>
+                <a:ea typeface="Roboto"/>
+                <a:cs typeface="Roboto"/>
+                <a:sym typeface="Roboto"/>
+              </a:rPr>
+              <a:t>[800 000 000, 1000 000 000): 900 000 000</a:t>
+            </a:r>
+            <a:endParaRPr sz="1200">
+              <a:solidFill>
+                <a:srgbClr val="212529"/>
+              </a:solidFill>
+              <a:highlight>
+                <a:srgbClr val="F8F9FA"/>
+              </a:highlight>
+              <a:latin typeface="Roboto"/>
+              <a:ea typeface="Roboto"/>
+              <a:cs typeface="Roboto"/>
+              <a:sym typeface="Roboto"/>
+            </a:endParaRPr>
+          </a:p>
+          <a:p>
+            <a:pPr indent="-304800" lvl="0" marL="457200" rtl="0" algn="l">
+              <a:lnSpc>
+                <a:spcPct val="115000"/>
+              </a:lnSpc>
+              <a:spcBef>
+                <a:spcPts val="0"/>
+              </a:spcBef>
+              <a:spcAft>
+                <a:spcPts val="0"/>
+              </a:spcAft>
+              <a:buClr>
+                <a:srgbClr val="212529"/>
+              </a:buClr>
+              <a:buSzPts val="1200"/>
+              <a:buFont typeface="Roboto"/>
+              <a:buAutoNum type="arabicPeriod"/>
+            </a:pPr>
+            <a:r>
+              <a:rPr lang="pl" sz="1200">
+                <a:solidFill>
+                  <a:srgbClr val="212529"/>
+                </a:solidFill>
+                <a:highlight>
+                  <a:srgbClr val="F8F9FA"/>
+                </a:highlight>
+                <a:latin typeface="Roboto"/>
+                <a:ea typeface="Roboto"/>
+                <a:cs typeface="Roboto"/>
+                <a:sym typeface="Roboto"/>
+              </a:rPr>
+              <a:t>[1000 000 000, 1200 000 000)</a:t>
+            </a:r>
+            <a:endParaRPr sz="1200">
+              <a:solidFill>
+                <a:srgbClr val="212529"/>
+              </a:solidFill>
+              <a:highlight>
+                <a:srgbClr val="F8F9FA"/>
+              </a:highlight>
+              <a:latin typeface="Roboto"/>
+              <a:ea typeface="Roboto"/>
+              <a:cs typeface="Roboto"/>
+              <a:sym typeface="Roboto"/>
+            </a:endParaRPr>
+          </a:p>
+          <a:p>
+            <a:pPr indent="-304800" lvl="0" marL="457200" rtl="0" algn="l">
+              <a:lnSpc>
+                <a:spcPct val="115000"/>
+              </a:lnSpc>
+              <a:spcBef>
+                <a:spcPts val="0"/>
+              </a:spcBef>
+              <a:spcAft>
+                <a:spcPts val="0"/>
+              </a:spcAft>
+              <a:buClr>
+                <a:srgbClr val="212529"/>
+              </a:buClr>
+              <a:buSzPts val="1200"/>
+              <a:buFont typeface="Roboto"/>
+              <a:buAutoNum type="arabicPeriod"/>
+            </a:pPr>
+            <a:r>
+              <a:rPr lang="pl" sz="1200">
+                <a:solidFill>
+                  <a:srgbClr val="212529"/>
+                </a:solidFill>
+                <a:highlight>
+                  <a:srgbClr val="F8F9FA"/>
+                </a:highlight>
+                <a:latin typeface="Roboto"/>
+                <a:ea typeface="Roboto"/>
+                <a:cs typeface="Roboto"/>
+                <a:sym typeface="Roboto"/>
+              </a:rPr>
+              <a:t>[1200 000 000, 1400 000 000): 1210 000 000</a:t>
+            </a:r>
+            <a:endParaRPr sz="1200">
+              <a:solidFill>
+                <a:srgbClr val="212529"/>
+              </a:solidFill>
+              <a:highlight>
+                <a:srgbClr val="F8F9FA"/>
+              </a:highlight>
+              <a:latin typeface="Roboto"/>
+              <a:ea typeface="Roboto"/>
+              <a:cs typeface="Roboto"/>
+              <a:sym typeface="Roboto"/>
+            </a:endParaRPr>
+          </a:p>
+          <a:p>
+            <a:pPr indent="-304800" lvl="0" marL="457200" rtl="0" algn="l">
+              <a:lnSpc>
+                <a:spcPct val="115000"/>
+              </a:lnSpc>
+              <a:spcBef>
+                <a:spcPts val="0"/>
+              </a:spcBef>
+              <a:spcAft>
+                <a:spcPts val="0"/>
+              </a:spcAft>
+              <a:buClr>
+                <a:srgbClr val="212529"/>
+              </a:buClr>
+              <a:buSzPts val="1200"/>
+              <a:buFont typeface="Roboto"/>
+              <a:buAutoNum type="arabicPeriod"/>
+            </a:pPr>
+            <a:r>
+              <a:rPr lang="pl" sz="1200">
+                <a:solidFill>
+                  <a:srgbClr val="212529"/>
+                </a:solidFill>
+                <a:highlight>
+                  <a:srgbClr val="F8F9FA"/>
+                </a:highlight>
+                <a:latin typeface="Roboto"/>
+                <a:ea typeface="Roboto"/>
+                <a:cs typeface="Roboto"/>
+                <a:sym typeface="Roboto"/>
+              </a:rPr>
+              <a:t>[1400 000 000, 1600 000 000):  1400 200 000,</a:t>
+            </a:r>
+            <a:endParaRPr sz="1200">
+              <a:solidFill>
+                <a:srgbClr val="212529"/>
+              </a:solidFill>
+              <a:highlight>
+                <a:srgbClr val="F8F9FA"/>
+              </a:highlight>
+              <a:latin typeface="Roboto"/>
+              <a:ea typeface="Roboto"/>
+              <a:cs typeface="Roboto"/>
+              <a:sym typeface="Roboto"/>
+            </a:endParaRPr>
+          </a:p>
+          <a:p>
+            <a:pPr indent="-304800" lvl="0" marL="457200" rtl="0" algn="l">
+              <a:lnSpc>
+                <a:spcPct val="115000"/>
+              </a:lnSpc>
+              <a:spcBef>
+                <a:spcPts val="0"/>
+              </a:spcBef>
+              <a:spcAft>
+                <a:spcPts val="0"/>
+              </a:spcAft>
+              <a:buClr>
+                <a:srgbClr val="212529"/>
+              </a:buClr>
+              <a:buSzPts val="1200"/>
+              <a:buFont typeface="Roboto"/>
+              <a:buAutoNum type="arabicPeriod"/>
+            </a:pPr>
+            <a:r>
+              <a:rPr lang="pl" sz="1200">
+                <a:solidFill>
+                  <a:srgbClr val="212529"/>
+                </a:solidFill>
+                <a:highlight>
+                  <a:srgbClr val="F8F9FA"/>
+                </a:highlight>
+                <a:latin typeface="Roboto"/>
+                <a:ea typeface="Roboto"/>
+                <a:cs typeface="Roboto"/>
+                <a:sym typeface="Roboto"/>
+              </a:rPr>
+              <a:t>[1600 000 000, 1800 000 000): 1799 999 999,</a:t>
+            </a:r>
+            <a:endParaRPr sz="1200">
+              <a:solidFill>
+                <a:srgbClr val="212529"/>
+              </a:solidFill>
+              <a:highlight>
+                <a:srgbClr val="F8F9FA"/>
+              </a:highlight>
+              <a:latin typeface="Roboto"/>
+              <a:ea typeface="Roboto"/>
+              <a:cs typeface="Roboto"/>
+              <a:sym typeface="Roboto"/>
+            </a:endParaRPr>
+          </a:p>
+          <a:p>
+            <a:pPr indent="-304800" lvl="0" marL="457200" rtl="0" algn="l">
+              <a:lnSpc>
+                <a:spcPct val="115000"/>
+              </a:lnSpc>
+              <a:spcBef>
+                <a:spcPts val="0"/>
+              </a:spcBef>
+              <a:spcAft>
+                <a:spcPts val="0"/>
+              </a:spcAft>
+              <a:buClr>
+                <a:srgbClr val="212529"/>
+              </a:buClr>
+              <a:buSzPts val="1200"/>
+              <a:buFont typeface="Roboto"/>
+              <a:buAutoNum type="arabicPeriod"/>
+            </a:pPr>
+            <a:r>
+              <a:rPr lang="pl" sz="1200">
+                <a:solidFill>
+                  <a:srgbClr val="212529"/>
+                </a:solidFill>
+                <a:highlight>
+                  <a:srgbClr val="F8F9FA"/>
+                </a:highlight>
+                <a:latin typeface="Roboto"/>
+                <a:ea typeface="Roboto"/>
+                <a:cs typeface="Roboto"/>
+                <a:sym typeface="Roboto"/>
+              </a:rPr>
+              <a:t>[1800 000 000, 2000 000 000): 1899 999 999, 1999 999 999</a:t>
+            </a:r>
+            <a:endParaRPr sz="1200">
+              <a:solidFill>
+                <a:srgbClr val="212529"/>
+              </a:solidFill>
+              <a:highlight>
+                <a:srgbClr val="F8F9FA"/>
+              </a:highlight>
+              <a:latin typeface="Roboto"/>
+              <a:ea typeface="Roboto"/>
+              <a:cs typeface="Roboto"/>
+              <a:sym typeface="Roboto"/>
+            </a:endParaRPr>
+          </a:p>
+          <a:p>
+            <a:pPr indent="0" lvl="0" marL="0" rtl="0" algn="l">
+              <a:lnSpc>
+                <a:spcPct val="115000"/>
+              </a:lnSpc>
+              <a:spcBef>
+                <a:spcPts val="1200"/>
+              </a:spcBef>
+              <a:spcAft>
+                <a:spcPts val="0"/>
+              </a:spcAft>
+              <a:buClr>
+                <a:schemeClr val="dk1"/>
+              </a:buClr>
+              <a:buSzPts val="1100"/>
+              <a:buFont typeface="Arial"/>
+              <a:buNone/>
+            </a:pPr>
+            <a:r>
+              <a:rPr lang="pl" sz="1200">
+                <a:solidFill>
+                  <a:srgbClr val="212529"/>
+                </a:solidFill>
+                <a:highlight>
+                  <a:srgbClr val="F8F9FA"/>
+                </a:highlight>
+                <a:latin typeface="Roboto"/>
+                <a:ea typeface="Roboto"/>
+                <a:cs typeface="Roboto"/>
+                <a:sym typeface="Roboto"/>
+              </a:rPr>
+              <a:t>Następnie przeglądamy każdy kubełek i jeśli jest w nim więcej niż jeden element, wykonujemy sortowanie dowolnym algorytmem. Zauważmy, że liczby są równomiernie rozłożone, co za tym idzie, każdy kubełek będzie miał co najwyżej kilka elementów. Do posortowania takiego kubełka wystarczy niewielka liczba operacji (załóżmy k operacji), zatem złożoność będzie cały czas liniowa. </a:t>
+            </a:r>
+            <a:endParaRPr sz="1200">
+              <a:solidFill>
+                <a:srgbClr val="212529"/>
+              </a:solidFill>
+              <a:highlight>
+                <a:srgbClr val="F8F9FA"/>
+              </a:highlight>
+              <a:latin typeface="Roboto"/>
+              <a:ea typeface="Roboto"/>
+              <a:cs typeface="Roboto"/>
+              <a:sym typeface="Roboto"/>
+            </a:endParaRPr>
+          </a:p>
+          <a:p>
+            <a:pPr indent="0" lvl="0" marL="0" rtl="0" algn="l">
+              <a:lnSpc>
+                <a:spcPct val="115000"/>
+              </a:lnSpc>
+              <a:spcBef>
+                <a:spcPts val="1200"/>
+              </a:spcBef>
+              <a:spcAft>
+                <a:spcPts val="0"/>
+              </a:spcAft>
+              <a:buClr>
+                <a:schemeClr val="dk1"/>
+              </a:buClr>
+              <a:buSzPts val="1100"/>
+              <a:buFont typeface="Arial"/>
+              <a:buNone/>
+            </a:pPr>
+            <a:r>
+              <a:rPr lang="pl" sz="1200">
+                <a:solidFill>
+                  <a:srgbClr val="212529"/>
+                </a:solidFill>
+                <a:highlight>
+                  <a:srgbClr val="F8F9FA"/>
+                </a:highlight>
+                <a:latin typeface="Roboto"/>
+                <a:ea typeface="Roboto"/>
+                <a:cs typeface="Roboto"/>
+                <a:sym typeface="Roboto"/>
+              </a:rPr>
+              <a:t>Ostatecznie przechodzimy przez kolejne kubełki i wypisujemy liczby w kolejności napotkania.</a:t>
+            </a:r>
+            <a:endParaRPr sz="1200">
+              <a:solidFill>
+                <a:srgbClr val="212529"/>
+              </a:solidFill>
+              <a:highlight>
+                <a:srgbClr val="F8F9FA"/>
+              </a:highlight>
+              <a:latin typeface="Roboto"/>
+              <a:ea typeface="Roboto"/>
+              <a:cs typeface="Roboto"/>
+              <a:sym typeface="Roboto"/>
+            </a:endParaRPr>
+          </a:p>
+          <a:p>
+            <a:pPr indent="0" lvl="0" marL="0" rtl="0" algn="l">
+              <a:spcBef>
+                <a:spcPts val="1200"/>
+              </a:spcBef>
+              <a:spcAft>
+                <a:spcPts val="0"/>
+              </a:spcAft>
+              <a:buNone/>
+            </a:pPr>
+            <a:r>
+              <a:t/>
+            </a:r>
+            <a:endParaRPr/>
+          </a:p>
+        </p:txBody>
+      </p:sp>
+    </p:spTree>
+  </p:cSld>
+  <p:clrMapOvr>
+    <a:masterClrMapping/>
+  </p:clrMapOvr>
+</p:notes>
+</file>
+
+<file path=ppt/notesSlides/notesSlide18.xml><?xml version="1.0" encoding="utf-8"?>
+<p:notes xmlns:a="http://schemas.openxmlformats.org/drawingml/2006/main" xmlns:r="http://schemas.openxmlformats.org/officeDocument/2006/relationships" xmlns:mc="http://schemas.openxmlformats.org/markup-compatibility/2006" xmlns:mv="urn:schemas-microsoft-com:mac:vml" xmlns:p="http://schemas.openxmlformats.org/presentationml/2006/main" xmlns:c="http://schemas.openxmlformats.org/drawingml/2006/chart" xmlns:dgm="http://schemas.openxmlformats.org/drawingml/2006/diagram" xmlns:o="urn:schemas-microsoft-com:office:office" xmlns:v="urn:schemas-microsoft-com:vml" xmlns:pvml="urn:schemas-microsoft-com:office:powerpoint" xmlns:com="http://schemas.openxmlformats.org/drawingml/2006/compatibility" xmlns:p14="http://schemas.microsoft.com/office/powerpoint/2010/main" xmlns:p15="http://schemas.microsoft.com/office/powerpoint/2012/main" xmlns:ahyp="http://schemas.microsoft.com/office/drawing/2018/hyperlinkcolor" showMasterPhAnim="0" showMasterSp="0">
+  <p:cSld>
+    <p:spTree>
+      <p:nvGrpSpPr>
+        <p:cNvPr id="159" name="Shape 159"/>
+        <p:cNvGrpSpPr/>
+        <p:nvPr/>
+      </p:nvGrpSpPr>
+      <p:grpSpPr>
+        <a:xfrm>
+          <a:off x="0" y="0"/>
+          <a:ext cx="0" cy="0"/>
+          <a:chOff x="0" y="0"/>
+          <a:chExt cx="0" cy="0"/>
+        </a:xfrm>
+      </p:grpSpPr>
+      <p:sp>
+        <p:nvSpPr>
+          <p:cNvPr id="160" name="Google Shape;160;g1bc4171ae7d_0_21:notes"/>
+          <p:cNvSpPr/>
+          <p:nvPr>
+            <p:ph idx="2" type="sldImg"/>
+          </p:nvPr>
+        </p:nvSpPr>
+        <p:spPr>
+          <a:xfrm>
+            <a:off x="381300" y="685800"/>
+            <a:ext cx="6096000" cy="3429000"/>
+          </a:xfrm>
+          <a:custGeom>
+            <a:rect b="b" l="l" r="r" t="t"/>
+            <a:pathLst>
+              <a:path extrusionOk="0" h="120000" w="120000">
+                <a:moveTo>
+                  <a:pt x="0" y="0"/>
+                </a:moveTo>
+                <a:lnTo>
+                  <a:pt x="120000" y="0"/>
+                </a:lnTo>
+                <a:lnTo>
+                  <a:pt x="120000" y="120000"/>
+                </a:lnTo>
+                <a:lnTo>
+                  <a:pt x="0" y="120000"/>
+                </a:lnTo>
+                <a:close/>
+              </a:path>
+            </a:pathLst>
+          </a:custGeom>
+        </p:spPr>
+      </p:sp>
+      <p:sp>
+        <p:nvSpPr>
+          <p:cNvPr id="161" name="Google Shape;161;g1bc4171ae7d_0_21:notes"/>
+          <p:cNvSpPr txBox="1"/>
+          <p:nvPr>
+            <p:ph idx="1" type="body"/>
+          </p:nvPr>
+        </p:nvSpPr>
+        <p:spPr>
+          <a:xfrm>
+            <a:off x="685800" y="4343400"/>
+            <a:ext cx="5486400" cy="4114800"/>
+          </a:xfrm>
+          <a:prstGeom prst="rect">
+            <a:avLst/>
+          </a:prstGeom>
+        </p:spPr>
+        <p:txBody>
+          <a:bodyPr anchorCtr="0" anchor="t" bIns="91425" lIns="91425" spcFirstLastPara="1" rIns="91425" wrap="square" tIns="91425">
+            <a:noAutofit/>
+          </a:bodyPr>
+          <a:lstStyle/>
+          <a:p>
+            <a:pPr indent="0" lvl="0" marL="0" rtl="0" algn="l">
+              <a:spcBef>
+                <a:spcPts val="0"/>
+              </a:spcBef>
+              <a:spcAft>
+                <a:spcPts val="0"/>
+              </a:spcAft>
+              <a:buNone/>
+            </a:pPr>
+            <a:r>
+              <a:t/>
+            </a:r>
+            <a:endParaRPr/>
+          </a:p>
+        </p:txBody>
+      </p:sp>
+    </p:spTree>
+  </p:cSld>
+  <p:clrMapOvr>
+    <a:masterClrMapping/>
+  </p:clrMapOvr>
+</p:notes>
+</file>
+
+<file path=ppt/notesSlides/notesSlide19.xml><?xml version="1.0" encoding="utf-8"?>
+<p:notes xmlns:a="http://schemas.openxmlformats.org/drawingml/2006/main" xmlns:r="http://schemas.openxmlformats.org/officeDocument/2006/relationships" xmlns:mc="http://schemas.openxmlformats.org/markup-compatibility/2006" xmlns:mv="urn:schemas-microsoft-com:mac:vml" xmlns:p="http://schemas.openxmlformats.org/presentationml/2006/main" xmlns:c="http://schemas.openxmlformats.org/drawingml/2006/chart" xmlns:dgm="http://schemas.openxmlformats.org/drawingml/2006/diagram" xmlns:o="urn:schemas-microsoft-com:office:office" xmlns:v="urn:schemas-microsoft-com:vml" xmlns:pvml="urn:schemas-microsoft-com:office:powerpoint" xmlns:com="http://schemas.openxmlformats.org/drawingml/2006/compatibility" xmlns:p14="http://schemas.microsoft.com/office/powerpoint/2010/main" xmlns:p15="http://schemas.microsoft.com/office/powerpoint/2012/main" xmlns:ahyp="http://schemas.microsoft.com/office/drawing/2018/hyperlinkcolor" showMasterPhAnim="0" showMasterSp="0">
+  <p:cSld>
+    <p:spTree>
+      <p:nvGrpSpPr>
+        <p:cNvPr id="166" name="Shape 166"/>
+        <p:cNvGrpSpPr/>
+        <p:nvPr/>
+      </p:nvGrpSpPr>
+      <p:grpSpPr>
+        <a:xfrm>
+          <a:off x="0" y="0"/>
+          <a:ext cx="0" cy="0"/>
+          <a:chOff x="0" y="0"/>
+          <a:chExt cx="0" cy="0"/>
+        </a:xfrm>
+      </p:grpSpPr>
+      <p:sp>
+        <p:nvSpPr>
+          <p:cNvPr id="167" name="Google Shape;167;g1bc4171ae7d_0_28:notes"/>
+          <p:cNvSpPr/>
+          <p:nvPr>
+            <p:ph idx="2" type="sldImg"/>
+          </p:nvPr>
+        </p:nvSpPr>
+        <p:spPr>
+          <a:xfrm>
+            <a:off x="381300" y="685800"/>
+            <a:ext cx="6096000" cy="3429000"/>
+          </a:xfrm>
+          <a:custGeom>
+            <a:rect b="b" l="l" r="r" t="t"/>
+            <a:pathLst>
+              <a:path extrusionOk="0" h="120000" w="120000">
+                <a:moveTo>
+                  <a:pt x="0" y="0"/>
+                </a:moveTo>
+                <a:lnTo>
+                  <a:pt x="120000" y="0"/>
+                </a:lnTo>
+                <a:lnTo>
+                  <a:pt x="120000" y="120000"/>
+                </a:lnTo>
+                <a:lnTo>
+                  <a:pt x="0" y="120000"/>
+                </a:lnTo>
+                <a:close/>
+              </a:path>
+            </a:pathLst>
+          </a:custGeom>
+        </p:spPr>
+      </p:sp>
+      <p:sp>
+        <p:nvSpPr>
+          <p:cNvPr id="168" name="Google Shape;168;g1bc4171ae7d_0_28:notes"/>
+          <p:cNvSpPr txBox="1"/>
+          <p:nvPr>
+            <p:ph idx="1" type="body"/>
+          </p:nvPr>
+        </p:nvSpPr>
+        <p:spPr>
+          <a:xfrm>
+            <a:off x="685800" y="4343400"/>
+            <a:ext cx="5486400" cy="4114800"/>
+          </a:xfrm>
+          <a:prstGeom prst="rect">
+            <a:avLst/>
+          </a:prstGeom>
+        </p:spPr>
+        <p:txBody>
+          <a:bodyPr anchorCtr="0" anchor="t" bIns="91425" lIns="91425" spcFirstLastPara="1" rIns="91425" wrap="square" tIns="91425">
+            <a:noAutofit/>
+          </a:bodyPr>
+          <a:lstStyle/>
+          <a:p>
+            <a:pPr indent="0" lvl="0" marL="0" rtl="0" algn="l">
+              <a:spcBef>
+                <a:spcPts val="0"/>
+              </a:spcBef>
+              <a:spcAft>
+                <a:spcPts val="0"/>
+              </a:spcAft>
+              <a:buNone/>
+            </a:pPr>
+            <a:r>
+              <a:rPr lang="pl"/>
+              <a:t>2+Sortowanie odbywa się w miejscu potrzebujemy tylko kubełkow</a:t>
+            </a:r>
+            <a:endParaRPr/>
+          </a:p>
+          <a:p>
+            <a:pPr indent="0" lvl="0" marL="0" rtl="0" algn="l">
+              <a:spcBef>
+                <a:spcPts val="0"/>
+              </a:spcBef>
+              <a:spcAft>
+                <a:spcPts val="0"/>
+              </a:spcAft>
+              <a:buNone/>
+            </a:pPr>
+            <a:r>
+              <a:rPr lang="pl"/>
+              <a:t>2- Czyli najwieksza i najmniejsza liczbe w zakresie</a:t>
             </a:r>
             <a:endParaRPr/>
           </a:p>
@@ -1508,6 +4458,106 @@
               <a:buNone/>
             </a:pPr>
             <a:r>
+              <a:rPr lang="pl"/>
+              <a:t>W latach 50-tych ubiegłego wieku informatyk Donald Shell zauważył, iż algorytm sortowanie przez wstawianie pracuje bardzo efektywnie w przypadku gdy zbiór jest w dużym stopniu uporządkowany. Z kolei algorytm ten pracuje nieefektywnie w zbiorach nieuporządkowanych, ponieważ elementy są przesuwane w każdym obiegu o jedną pozycję przy wstawianiu elementu wybranego na listę uporządkowaną.</a:t>
+            </a:r>
+            <a:endParaRPr/>
+          </a:p>
+        </p:txBody>
+      </p:sp>
+    </p:spTree>
+  </p:cSld>
+  <p:clrMapOvr>
+    <a:masterClrMapping/>
+  </p:clrMapOvr>
+</p:notes>
+</file>
+
+<file path=ppt/notesSlides/notesSlide20.xml><?xml version="1.0" encoding="utf-8"?>
+<p:notes xmlns:a="http://schemas.openxmlformats.org/drawingml/2006/main" xmlns:r="http://schemas.openxmlformats.org/officeDocument/2006/relationships" xmlns:mc="http://schemas.openxmlformats.org/markup-compatibility/2006" xmlns:mv="urn:schemas-microsoft-com:mac:vml" xmlns:p="http://schemas.openxmlformats.org/presentationml/2006/main" xmlns:c="http://schemas.openxmlformats.org/drawingml/2006/chart" xmlns:dgm="http://schemas.openxmlformats.org/drawingml/2006/diagram" xmlns:o="urn:schemas-microsoft-com:office:office" xmlns:v="urn:schemas-microsoft-com:vml" xmlns:pvml="urn:schemas-microsoft-com:office:powerpoint" xmlns:com="http://schemas.openxmlformats.org/drawingml/2006/compatibility" xmlns:p14="http://schemas.microsoft.com/office/powerpoint/2010/main" xmlns:p15="http://schemas.microsoft.com/office/powerpoint/2012/main" xmlns:ahyp="http://schemas.microsoft.com/office/drawing/2018/hyperlinkcolor" showMasterPhAnim="0" showMasterSp="0">
+  <p:cSld>
+    <p:spTree>
+      <p:nvGrpSpPr>
+        <p:cNvPr id="172" name="Shape 172"/>
+        <p:cNvGrpSpPr/>
+        <p:nvPr/>
+      </p:nvGrpSpPr>
+      <p:grpSpPr>
+        <a:xfrm>
+          <a:off x="0" y="0"/>
+          <a:ext cx="0" cy="0"/>
+          <a:chOff x="0" y="0"/>
+          <a:chExt cx="0" cy="0"/>
+        </a:xfrm>
+      </p:grpSpPr>
+      <p:sp>
+        <p:nvSpPr>
+          <p:cNvPr id="173" name="Google Shape;173;g1bc4171ae7d_0_36:notes"/>
+          <p:cNvSpPr/>
+          <p:nvPr>
+            <p:ph idx="2" type="sldImg"/>
+          </p:nvPr>
+        </p:nvSpPr>
+        <p:spPr>
+          <a:xfrm>
+            <a:off x="381300" y="685800"/>
+            <a:ext cx="6096000" cy="3429000"/>
+          </a:xfrm>
+          <a:custGeom>
+            <a:rect b="b" l="l" r="r" t="t"/>
+            <a:pathLst>
+              <a:path extrusionOk="0" h="120000" w="120000">
+                <a:moveTo>
+                  <a:pt x="0" y="0"/>
+                </a:moveTo>
+                <a:lnTo>
+                  <a:pt x="120000" y="0"/>
+                </a:lnTo>
+                <a:lnTo>
+                  <a:pt x="120000" y="120000"/>
+                </a:lnTo>
+                <a:lnTo>
+                  <a:pt x="0" y="120000"/>
+                </a:lnTo>
+                <a:close/>
+              </a:path>
+            </a:pathLst>
+          </a:custGeom>
+        </p:spPr>
+      </p:sp>
+      <p:sp>
+        <p:nvSpPr>
+          <p:cNvPr id="174" name="Google Shape;174;g1bc4171ae7d_0_36:notes"/>
+          <p:cNvSpPr txBox="1"/>
+          <p:nvPr>
+            <p:ph idx="1" type="body"/>
+          </p:nvPr>
+        </p:nvSpPr>
+        <p:spPr>
+          <a:xfrm>
+            <a:off x="685800" y="4343400"/>
+            <a:ext cx="5486400" cy="4114800"/>
+          </a:xfrm>
+          <a:prstGeom prst="rect">
+            <a:avLst/>
+          </a:prstGeom>
+        </p:spPr>
+        <p:txBody>
+          <a:bodyPr anchorCtr="0" anchor="t" bIns="91425" lIns="91425" spcFirstLastPara="1" rIns="91425" wrap="square" tIns="91425">
+            <a:noAutofit/>
+          </a:bodyPr>
+          <a:lstStyle/>
+          <a:p>
+            <a:pPr indent="0" lvl="0" marL="0" rtl="0" algn="l">
+              <a:spcBef>
+                <a:spcPts val="0"/>
+              </a:spcBef>
+              <a:spcAft>
+                <a:spcPts val="0"/>
+              </a:spcAft>
+              <a:buNone/>
+            </a:pPr>
+            <a:r>
               <a:t/>
             </a:r>
             <a:endParaRPr/>
@@ -1607,7 +4657,24 @@
               <a:buNone/>
             </a:pPr>
             <a:r>
-              <a:t/>
+              <a:rPr lang="pl"/>
+              <a:t>Pomysł Shella polegał na tym, iż sortowany zbiór dzielimy na podzbiory, których elementy są odległe od siebie w sortowanym zbiorze o pewien odstęp h. Każdy z tych podzbiorów sortujemy algorytmem przez wstawianie. Następnie odstęp zmniejszamy. Powoduje to powstanie nowych podzbiorów (będzie ich już mniej). Sortowanie powtarzamy i znów zmniejszamy odstęp, aż osiągnie on wartość 1.</a:t>
+            </a:r>
+            <a:endParaRPr/>
+          </a:p>
+          <a:p>
+            <a:pPr indent="0" lvl="0" marL="0" rtl="0" algn="l">
+              <a:spcBef>
+                <a:spcPts val="0"/>
+              </a:spcBef>
+              <a:spcAft>
+                <a:spcPts val="0"/>
+              </a:spcAft>
+              <a:buNone/>
+            </a:pPr>
+            <a:r>
+              <a:rPr lang="pl"/>
+              <a:t>Wtedy sortujemy już normalnie za pomocą Instertion Sort. Jednakże z uwagi na wcześniejsze obiegi sortujące mamy ułatwione zadanie, ponieważ zbiór został w dużym stopniu uporządkowany. Dzięki początkowym dużym odstępom elementy były przesuwane w zbiorze bardziej efektywnie - na duże odległości. W wyniku otrzymujemy najlepszy pod względem szybkości czasu wykonania algorytm sortujący w klasie O(n2). Algorytm ten nosi również nazwę algorytmu sortowania przez wstawianie z malejącym odstępem (ang. Diminishing Increment Sort).</a:t>
             </a:r>
             <a:endParaRPr/>
           </a:p>
@@ -1904,7 +4971,8 @@
               <a:buNone/>
             </a:pPr>
             <a:r>
-              <a:t/>
+              <a:rPr lang="pl"/>
+              <a:t>Posortujemy metodą Shella zbiór ośmiu liczb: { 4 2 9 5 6 3 8 1 } w porządku rosnącym. Zbiór posiada osiem elementów, zatem przyjmiemy na wstępie odstęp h równy 4. Taki odstęp podzieli zbiór na 4 podzbiory, których elementy będą elementami zbioru wejściowego odległymi od siebie o 4 pozycje. Każdy z otrzymanych podzbiorów sortujemy algorytmem sortowania przez wstawianie. Ponieważ zbiory te są dwuelementowe, to sortowanie pędzie polegało na porównaniu pierwszego elementu podzbioru z elementem drugim i ewentualną zamianę ich miejsc, jeśli będą w niewłaściwym porządku.</a:t>
             </a:r>
             <a:endParaRPr/>
           </a:p>
@@ -2003,7 +5071,8 @@
               <a:buNone/>
             </a:pPr>
             <a:r>
-              <a:t/>
+              <a:rPr lang="pl"/>
+              <a:t>Zmniejszamy odstęp h o połowę, więc h = 2. Zbiór podstawowy zostanie podzielony na dwa podzbiory. Każdy z tych podzbiorów sortujemy przez wstawianie:</a:t>
             </a:r>
             <a:endParaRPr/>
           </a:p>
@@ -2102,7 +5171,8 @@
               <a:buNone/>
             </a:pPr>
             <a:r>
-              <a:t/>
+              <a:rPr lang="pl"/>
+              <a:t>Zmniejszamy odstęp h o połowę, h = 1. Taki odstęp nie dzieli zbioru wejściowego na podzbiory, więc teraz będzie sortowany przez wstawianie cały zbiór. Jednak algorytm sortujący ma ułatwioną pracę, ponieważ dzięki poprzednim dwóm obiegom zbiór został częściowo uporządkowany - elementy małe zbliżyły się do początku zbioru, a elementy duże do końca.</a:t>
             </a:r>
             <a:endParaRPr/>
           </a:p>
@@ -2201,7 +5271,24 @@
               <a:buNone/>
             </a:pPr>
             <a:r>
-              <a:t/>
+              <a:rPr lang="pl"/>
+              <a:t>Kluczowym elementem wpływającym na efektywność sortowania metodą Shella jest właściwy dobór ciągu odstępów. Okazuje się, iż ciąg zaproponowany przez twórcę algorytmu jest jednym z najgorszych, ponieważ w kolejnych podzbiorach uczestniczą wielokrotnie te same elementy.</a:t>
+            </a:r>
+            <a:endParaRPr/>
+          </a:p>
+          <a:p>
+            <a:pPr indent="0" lvl="0" marL="0" rtl="0" algn="l">
+              <a:spcBef>
+                <a:spcPts val="0"/>
+              </a:spcBef>
+              <a:spcAft>
+                <a:spcPts val="0"/>
+              </a:spcAft>
+              <a:buNone/>
+            </a:pPr>
+            <a:r>
+              <a:rPr lang="pl"/>
+              <a:t>Dotąd problem optymalnych odstępów w algorytmie sortowania metodą Shella nie został rozwiązany matematycznie, ponieważ w ogólnym przypadku jest niezwykle trudny. Wielu badaczy proponowało na wybór tych odstępów różne ciągi liczbowe otrzymując lepsze lub gorsze rezultaty.</a:t>
             </a:r>
             <a:endParaRPr/>
           </a:p>
@@ -7867,7 +10954,7 @@
           <p:nvPr/>
         </p:nvPicPr>
         <p:blipFill>
-          <a:blip r:embed="rId4">
+          <a:blip r:embed="rId3">
             <a:alphaModFix/>
           </a:blip>
           <a:stretch>
@@ -8602,7 +11689,7 @@
           <p:nvPr/>
         </p:nvPicPr>
         <p:blipFill>
-          <a:blip r:embed="rId4">
+          <a:blip r:embed="rId3">
             <a:alphaModFix/>
           </a:blip>
           <a:stretch>
@@ -8623,6 +11710,852 @@
           </a:ln>
         </p:spPr>
       </p:pic>
+    </p:spTree>
+  </p:cSld>
+  <p:clrMapOvr>
+    <a:masterClrMapping/>
+  </p:clrMapOvr>
+</p:sld>
+</file>
+
+<file path=ppt/slides/slide15.xml><?xml version="1.0" encoding="utf-8"?>
+<p:sld xmlns:a="http://schemas.openxmlformats.org/drawingml/2006/main" xmlns:r="http://schemas.openxmlformats.org/officeDocument/2006/relationships" xmlns:mc="http://schemas.openxmlformats.org/markup-compatibility/2006" xmlns:mv="urn:schemas-microsoft-com:mac:vml" xmlns:p="http://schemas.openxmlformats.org/presentationml/2006/main" xmlns:c="http://schemas.openxmlformats.org/drawingml/2006/chart" xmlns:dgm="http://schemas.openxmlformats.org/drawingml/2006/diagram" xmlns:o="urn:schemas-microsoft-com:office:office" xmlns:v="urn:schemas-microsoft-com:vml" xmlns:pvml="urn:schemas-microsoft-com:office:powerpoint" xmlns:com="http://schemas.openxmlformats.org/drawingml/2006/compatibility" xmlns:p14="http://schemas.microsoft.com/office/powerpoint/2010/main" xmlns:p15="http://schemas.microsoft.com/office/powerpoint/2012/main" xmlns:ahyp="http://schemas.microsoft.com/office/drawing/2018/hyperlinkcolor">
+  <p:cSld>
+    <p:spTree>
+      <p:nvGrpSpPr>
+        <p:cNvPr id="142" name="Shape 142"/>
+        <p:cNvGrpSpPr/>
+        <p:nvPr/>
+      </p:nvGrpSpPr>
+      <p:grpSpPr>
+        <a:xfrm>
+          <a:off x="0" y="0"/>
+          <a:ext cx="0" cy="0"/>
+          <a:chOff x="0" y="0"/>
+          <a:chExt cx="0" cy="0"/>
+        </a:xfrm>
+      </p:grpSpPr>
+      <p:sp>
+        <p:nvSpPr>
+          <p:cNvPr id="143" name="Google Shape;143;p27"/>
+          <p:cNvSpPr txBox="1"/>
+          <p:nvPr>
+            <p:ph type="title"/>
+          </p:nvPr>
+        </p:nvSpPr>
+        <p:spPr>
+          <a:xfrm>
+            <a:off x="311700" y="315925"/>
+            <a:ext cx="8520600" cy="831300"/>
+          </a:xfrm>
+          <a:prstGeom prst="rect">
+            <a:avLst/>
+          </a:prstGeom>
+        </p:spPr>
+        <p:txBody>
+          <a:bodyPr anchorCtr="0" anchor="b" bIns="91425" lIns="91425" spcFirstLastPara="1" rIns="91425" wrap="square" tIns="91425">
+            <a:normAutofit fontScale="90000"/>
+          </a:bodyPr>
+          <a:lstStyle/>
+          <a:p>
+            <a:pPr indent="0" lvl="0" marL="0" rtl="0" algn="ctr">
+              <a:spcBef>
+                <a:spcPts val="0"/>
+              </a:spcBef>
+              <a:spcAft>
+                <a:spcPts val="0"/>
+              </a:spcAft>
+              <a:buNone/>
+            </a:pPr>
+            <a:r>
+              <a:rPr lang="pl"/>
+              <a:t>Sortowanie Kubełkowe</a:t>
+            </a:r>
+            <a:endParaRPr/>
+          </a:p>
+          <a:p>
+            <a:pPr indent="0" lvl="0" marL="0" rtl="0" algn="ctr">
+              <a:spcBef>
+                <a:spcPts val="0"/>
+              </a:spcBef>
+              <a:spcAft>
+                <a:spcPts val="0"/>
+              </a:spcAft>
+              <a:buNone/>
+            </a:pPr>
+            <a:r>
+              <a:t/>
+            </a:r>
+            <a:endParaRPr/>
+          </a:p>
+        </p:txBody>
+      </p:sp>
+      <p:sp>
+        <p:nvSpPr>
+          <p:cNvPr id="144" name="Google Shape;144;p27"/>
+          <p:cNvSpPr txBox="1"/>
+          <p:nvPr>
+            <p:ph idx="1" type="body"/>
+          </p:nvPr>
+        </p:nvSpPr>
+        <p:spPr>
+          <a:xfrm>
+            <a:off x="311700" y="1225225"/>
+            <a:ext cx="8520600" cy="3354000"/>
+          </a:xfrm>
+          <a:prstGeom prst="rect">
+            <a:avLst/>
+          </a:prstGeom>
+        </p:spPr>
+        <p:txBody>
+          <a:bodyPr anchorCtr="0" anchor="t" bIns="91425" lIns="91425" spcFirstLastPara="1" rIns="91425" wrap="square" tIns="91425">
+            <a:normAutofit/>
+          </a:bodyPr>
+          <a:lstStyle/>
+          <a:p>
+            <a:pPr indent="0" lvl="0" marL="0" rtl="0" algn="ctr">
+              <a:spcBef>
+                <a:spcPts val="0"/>
+              </a:spcBef>
+              <a:spcAft>
+                <a:spcPts val="1200"/>
+              </a:spcAft>
+              <a:buNone/>
+            </a:pPr>
+            <a:r>
+              <a:t/>
+            </a:r>
+            <a:endParaRPr/>
+          </a:p>
+        </p:txBody>
+      </p:sp>
+      <p:pic>
+        <p:nvPicPr>
+          <p:cNvPr id="145" name="Google Shape;145;p27"/>
+          <p:cNvPicPr preferRelativeResize="0"/>
+          <p:nvPr/>
+        </p:nvPicPr>
+        <p:blipFill>
+          <a:blip r:embed="rId3">
+            <a:alphaModFix/>
+          </a:blip>
+          <a:stretch>
+            <a:fillRect/>
+          </a:stretch>
+        </p:blipFill>
+        <p:spPr>
+          <a:xfrm>
+            <a:off x="2743800" y="986700"/>
+            <a:ext cx="3656400" cy="3656400"/>
+          </a:xfrm>
+          <a:prstGeom prst="rect">
+            <a:avLst/>
+          </a:prstGeom>
+          <a:noFill/>
+          <a:ln>
+            <a:noFill/>
+          </a:ln>
+        </p:spPr>
+      </p:pic>
+    </p:spTree>
+  </p:cSld>
+  <p:clrMapOvr>
+    <a:masterClrMapping/>
+  </p:clrMapOvr>
+</p:sld>
+</file>
+
+<file path=ppt/slides/slide16.xml><?xml version="1.0" encoding="utf-8"?>
+<p:sld xmlns:a="http://schemas.openxmlformats.org/drawingml/2006/main" xmlns:r="http://schemas.openxmlformats.org/officeDocument/2006/relationships" xmlns:mc="http://schemas.openxmlformats.org/markup-compatibility/2006" xmlns:mv="urn:schemas-microsoft-com:mac:vml" xmlns:p="http://schemas.openxmlformats.org/presentationml/2006/main" xmlns:c="http://schemas.openxmlformats.org/drawingml/2006/chart" xmlns:dgm="http://schemas.openxmlformats.org/drawingml/2006/diagram" xmlns:o="urn:schemas-microsoft-com:office:office" xmlns:v="urn:schemas-microsoft-com:vml" xmlns:pvml="urn:schemas-microsoft-com:office:powerpoint" xmlns:com="http://schemas.openxmlformats.org/drawingml/2006/compatibility" xmlns:p14="http://schemas.microsoft.com/office/powerpoint/2010/main" xmlns:p15="http://schemas.microsoft.com/office/powerpoint/2012/main" xmlns:ahyp="http://schemas.microsoft.com/office/drawing/2018/hyperlinkcolor">
+  <p:cSld>
+    <p:spTree>
+      <p:nvGrpSpPr>
+        <p:cNvPr id="149" name="Shape 149"/>
+        <p:cNvGrpSpPr/>
+        <p:nvPr/>
+      </p:nvGrpSpPr>
+      <p:grpSpPr>
+        <a:xfrm>
+          <a:off x="0" y="0"/>
+          <a:ext cx="0" cy="0"/>
+          <a:chOff x="0" y="0"/>
+          <a:chExt cx="0" cy="0"/>
+        </a:xfrm>
+      </p:grpSpPr>
+      <p:sp>
+        <p:nvSpPr>
+          <p:cNvPr id="150" name="Google Shape;150;p28"/>
+          <p:cNvSpPr txBox="1"/>
+          <p:nvPr>
+            <p:ph type="title"/>
+          </p:nvPr>
+        </p:nvSpPr>
+        <p:spPr>
+          <a:xfrm>
+            <a:off x="311700" y="315925"/>
+            <a:ext cx="8520600" cy="831300"/>
+          </a:xfrm>
+          <a:prstGeom prst="rect">
+            <a:avLst/>
+          </a:prstGeom>
+        </p:spPr>
+        <p:txBody>
+          <a:bodyPr anchorCtr="0" anchor="b" bIns="91425" lIns="91425" spcFirstLastPara="1" rIns="91425" wrap="square" tIns="91425">
+            <a:normAutofit/>
+          </a:bodyPr>
+          <a:lstStyle/>
+          <a:p>
+            <a:pPr indent="0" lvl="0" marL="0" rtl="0" algn="ctr">
+              <a:spcBef>
+                <a:spcPts val="0"/>
+              </a:spcBef>
+              <a:spcAft>
+                <a:spcPts val="0"/>
+              </a:spcAft>
+              <a:buNone/>
+            </a:pPr>
+            <a:r>
+              <a:rPr lang="pl"/>
+              <a:t>Sortowanie Kubełkowe - opis</a:t>
+            </a:r>
+            <a:endParaRPr/>
+          </a:p>
+        </p:txBody>
+      </p:sp>
+      <p:sp>
+        <p:nvSpPr>
+          <p:cNvPr id="151" name="Google Shape;151;p28"/>
+          <p:cNvSpPr txBox="1"/>
+          <p:nvPr>
+            <p:ph idx="1" type="body"/>
+          </p:nvPr>
+        </p:nvSpPr>
+        <p:spPr>
+          <a:xfrm>
+            <a:off x="311700" y="1225225"/>
+            <a:ext cx="8520600" cy="3354000"/>
+          </a:xfrm>
+          <a:prstGeom prst="rect">
+            <a:avLst/>
+          </a:prstGeom>
+        </p:spPr>
+        <p:txBody>
+          <a:bodyPr anchorCtr="0" anchor="t" bIns="91425" lIns="91425" spcFirstLastPara="1" rIns="91425" wrap="square" tIns="91425">
+            <a:normAutofit/>
+          </a:bodyPr>
+          <a:lstStyle/>
+          <a:p>
+            <a:pPr indent="0" lvl="0" marL="0" rtl="0" algn="ctr">
+              <a:spcBef>
+                <a:spcPts val="0"/>
+              </a:spcBef>
+              <a:spcAft>
+                <a:spcPts val="0"/>
+              </a:spcAft>
+              <a:buNone/>
+            </a:pPr>
+            <a:r>
+              <a:rPr lang="pl" sz="2000">
+                <a:solidFill>
+                  <a:srgbClr val="212529"/>
+                </a:solidFill>
+                <a:highlight>
+                  <a:srgbClr val="F8F9FA"/>
+                </a:highlight>
+                <a:latin typeface="Roboto"/>
+                <a:ea typeface="Roboto"/>
+                <a:cs typeface="Roboto"/>
+                <a:sym typeface="Roboto"/>
+              </a:rPr>
+              <a:t>Sortowanie kubełkowe to jeden z algorytmów, które porządkują dane </a:t>
+            </a:r>
+            <a:endParaRPr sz="2000">
+              <a:solidFill>
+                <a:srgbClr val="212529"/>
+              </a:solidFill>
+              <a:highlight>
+                <a:srgbClr val="F8F9FA"/>
+              </a:highlight>
+              <a:latin typeface="Roboto"/>
+              <a:ea typeface="Roboto"/>
+              <a:cs typeface="Roboto"/>
+              <a:sym typeface="Roboto"/>
+            </a:endParaRPr>
+          </a:p>
+          <a:p>
+            <a:pPr indent="0" lvl="0" marL="0" rtl="0" algn="ctr">
+              <a:spcBef>
+                <a:spcPts val="1200"/>
+              </a:spcBef>
+              <a:spcAft>
+                <a:spcPts val="0"/>
+              </a:spcAft>
+              <a:buNone/>
+            </a:pPr>
+            <a:r>
+              <a:rPr lang="pl" sz="2000">
+                <a:solidFill>
+                  <a:srgbClr val="212529"/>
+                </a:solidFill>
+                <a:highlight>
+                  <a:srgbClr val="F8F9FA"/>
+                </a:highlight>
+                <a:latin typeface="Roboto"/>
+                <a:ea typeface="Roboto"/>
+                <a:cs typeface="Roboto"/>
+                <a:sym typeface="Roboto"/>
+              </a:rPr>
+              <a:t>w czasie liniowym. Dane, które będziemy sortować muszą jednak spełniać pewne założenia - muszą być równo rozłożone i musimy znać </a:t>
+            </a:r>
+            <a:endParaRPr sz="2000">
+              <a:solidFill>
+                <a:srgbClr val="212529"/>
+              </a:solidFill>
+              <a:highlight>
+                <a:srgbClr val="F8F9FA"/>
+              </a:highlight>
+              <a:latin typeface="Roboto"/>
+              <a:ea typeface="Roboto"/>
+              <a:cs typeface="Roboto"/>
+              <a:sym typeface="Roboto"/>
+            </a:endParaRPr>
+          </a:p>
+          <a:p>
+            <a:pPr indent="0" lvl="0" marL="0" rtl="0" algn="ctr">
+              <a:spcBef>
+                <a:spcPts val="1200"/>
+              </a:spcBef>
+              <a:spcAft>
+                <a:spcPts val="1200"/>
+              </a:spcAft>
+              <a:buClr>
+                <a:schemeClr val="dk1"/>
+              </a:buClr>
+              <a:buSzPts val="1100"/>
+              <a:buFont typeface="Arial"/>
+              <a:buNone/>
+            </a:pPr>
+            <a:r>
+              <a:rPr lang="pl" sz="2000">
+                <a:solidFill>
+                  <a:srgbClr val="212529"/>
+                </a:solidFill>
+                <a:highlight>
+                  <a:srgbClr val="F8F9FA"/>
+                </a:highlight>
+                <a:latin typeface="Roboto"/>
+                <a:ea typeface="Roboto"/>
+                <a:cs typeface="Roboto"/>
+                <a:sym typeface="Roboto"/>
+              </a:rPr>
+              <a:t>ich zakres. Nie może być takiej sytuacji, że jeśli chcemy posortować, powiedzmy milion liczb całkowitych, należących do przedziału [0, 1000 000 000], gdzie 900 tysięcy jest nie większych niż np. 10 milionów.</a:t>
+            </a:r>
+            <a:endParaRPr sz="2600"/>
+          </a:p>
+        </p:txBody>
+      </p:sp>
+    </p:spTree>
+  </p:cSld>
+  <p:clrMapOvr>
+    <a:masterClrMapping/>
+  </p:clrMapOvr>
+</p:sld>
+</file>
+
+<file path=ppt/slides/slide17.xml><?xml version="1.0" encoding="utf-8"?>
+<p:sld xmlns:a="http://schemas.openxmlformats.org/drawingml/2006/main" xmlns:r="http://schemas.openxmlformats.org/officeDocument/2006/relationships" xmlns:mc="http://schemas.openxmlformats.org/markup-compatibility/2006" xmlns:mv="urn:schemas-microsoft-com:mac:vml" xmlns:p="http://schemas.openxmlformats.org/presentationml/2006/main" xmlns:c="http://schemas.openxmlformats.org/drawingml/2006/chart" xmlns:dgm="http://schemas.openxmlformats.org/drawingml/2006/diagram" xmlns:o="urn:schemas-microsoft-com:office:office" xmlns:v="urn:schemas-microsoft-com:vml" xmlns:pvml="urn:schemas-microsoft-com:office:powerpoint" xmlns:com="http://schemas.openxmlformats.org/drawingml/2006/compatibility" xmlns:p14="http://schemas.microsoft.com/office/powerpoint/2010/main" xmlns:p15="http://schemas.microsoft.com/office/powerpoint/2012/main" xmlns:ahyp="http://schemas.microsoft.com/office/drawing/2018/hyperlinkcolor">
+  <p:cSld>
+    <p:spTree>
+      <p:nvGrpSpPr>
+        <p:cNvPr id="155" name="Shape 155"/>
+        <p:cNvGrpSpPr/>
+        <p:nvPr/>
+      </p:nvGrpSpPr>
+      <p:grpSpPr>
+        <a:xfrm>
+          <a:off x="0" y="0"/>
+          <a:ext cx="0" cy="0"/>
+          <a:chOff x="0" y="0"/>
+          <a:chExt cx="0" cy="0"/>
+        </a:xfrm>
+      </p:grpSpPr>
+      <p:sp>
+        <p:nvSpPr>
+          <p:cNvPr id="156" name="Google Shape;156;p29"/>
+          <p:cNvSpPr txBox="1"/>
+          <p:nvPr>
+            <p:ph type="title"/>
+          </p:nvPr>
+        </p:nvSpPr>
+        <p:spPr>
+          <a:xfrm>
+            <a:off x="311700" y="315925"/>
+            <a:ext cx="8520600" cy="831300"/>
+          </a:xfrm>
+          <a:prstGeom prst="rect">
+            <a:avLst/>
+          </a:prstGeom>
+        </p:spPr>
+        <p:txBody>
+          <a:bodyPr anchorCtr="0" anchor="b" bIns="91425" lIns="91425" spcFirstLastPara="1" rIns="91425" wrap="square" tIns="91425">
+            <a:normAutofit/>
+          </a:bodyPr>
+          <a:lstStyle/>
+          <a:p>
+            <a:pPr indent="0" lvl="0" marL="0" rtl="0" algn="ctr">
+              <a:spcBef>
+                <a:spcPts val="0"/>
+              </a:spcBef>
+              <a:spcAft>
+                <a:spcPts val="0"/>
+              </a:spcAft>
+              <a:buNone/>
+            </a:pPr>
+            <a:r>
+              <a:t/>
+            </a:r>
+            <a:endParaRPr/>
+          </a:p>
+        </p:txBody>
+      </p:sp>
+      <p:sp>
+        <p:nvSpPr>
+          <p:cNvPr id="157" name="Google Shape;157;p29"/>
+          <p:cNvSpPr txBox="1"/>
+          <p:nvPr>
+            <p:ph idx="1" type="body"/>
+          </p:nvPr>
+        </p:nvSpPr>
+        <p:spPr>
+          <a:xfrm>
+            <a:off x="311700" y="1225225"/>
+            <a:ext cx="8520600" cy="3354000"/>
+          </a:xfrm>
+          <a:prstGeom prst="rect">
+            <a:avLst/>
+          </a:prstGeom>
+        </p:spPr>
+        <p:txBody>
+          <a:bodyPr anchorCtr="0" anchor="t" bIns="91425" lIns="91425" spcFirstLastPara="1" rIns="91425" wrap="square" tIns="91425">
+            <a:normAutofit/>
+          </a:bodyPr>
+          <a:lstStyle/>
+          <a:p>
+            <a:pPr indent="0" lvl="0" marL="0" rtl="0" algn="ctr">
+              <a:spcBef>
+                <a:spcPts val="0"/>
+              </a:spcBef>
+              <a:spcAft>
+                <a:spcPts val="1200"/>
+              </a:spcAft>
+              <a:buNone/>
+            </a:pPr>
+            <a:r>
+              <a:t/>
+            </a:r>
+            <a:endParaRPr/>
+          </a:p>
+        </p:txBody>
+      </p:sp>
+      <p:pic>
+        <p:nvPicPr>
+          <p:cNvPr id="158" name="Google Shape;158;p29"/>
+          <p:cNvPicPr preferRelativeResize="0"/>
+          <p:nvPr/>
+        </p:nvPicPr>
+        <p:blipFill rotWithShape="1">
+          <a:blip r:embed="rId3">
+            <a:alphaModFix/>
+          </a:blip>
+          <a:srcRect b="4633" l="26213" r="20957" t="21105"/>
+          <a:stretch/>
+        </p:blipFill>
+        <p:spPr>
+          <a:xfrm>
+            <a:off x="1575950" y="141425"/>
+            <a:ext cx="5992099" cy="4786201"/>
+          </a:xfrm>
+          <a:prstGeom prst="rect">
+            <a:avLst/>
+          </a:prstGeom>
+          <a:noFill/>
+          <a:ln>
+            <a:noFill/>
+          </a:ln>
+        </p:spPr>
+      </p:pic>
+    </p:spTree>
+  </p:cSld>
+  <p:clrMapOvr>
+    <a:masterClrMapping/>
+  </p:clrMapOvr>
+</p:sld>
+</file>
+
+<file path=ppt/slides/slide18.xml><?xml version="1.0" encoding="utf-8"?>
+<p:sld xmlns:a="http://schemas.openxmlformats.org/drawingml/2006/main" xmlns:r="http://schemas.openxmlformats.org/officeDocument/2006/relationships" xmlns:mc="http://schemas.openxmlformats.org/markup-compatibility/2006" xmlns:mv="urn:schemas-microsoft-com:mac:vml" xmlns:p="http://schemas.openxmlformats.org/presentationml/2006/main" xmlns:c="http://schemas.openxmlformats.org/drawingml/2006/chart" xmlns:dgm="http://schemas.openxmlformats.org/drawingml/2006/diagram" xmlns:o="urn:schemas-microsoft-com:office:office" xmlns:v="urn:schemas-microsoft-com:vml" xmlns:pvml="urn:schemas-microsoft-com:office:powerpoint" xmlns:com="http://schemas.openxmlformats.org/drawingml/2006/compatibility" xmlns:p14="http://schemas.microsoft.com/office/powerpoint/2010/main" xmlns:p15="http://schemas.microsoft.com/office/powerpoint/2012/main" xmlns:ahyp="http://schemas.microsoft.com/office/drawing/2018/hyperlinkcolor">
+  <p:cSld>
+    <p:spTree>
+      <p:nvGrpSpPr>
+        <p:cNvPr id="162" name="Shape 162"/>
+        <p:cNvGrpSpPr/>
+        <p:nvPr/>
+      </p:nvGrpSpPr>
+      <p:grpSpPr>
+        <a:xfrm>
+          <a:off x="0" y="0"/>
+          <a:ext cx="0" cy="0"/>
+          <a:chOff x="0" y="0"/>
+          <a:chExt cx="0" cy="0"/>
+        </a:xfrm>
+      </p:grpSpPr>
+      <p:sp>
+        <p:nvSpPr>
+          <p:cNvPr id="163" name="Google Shape;163;p30"/>
+          <p:cNvSpPr txBox="1"/>
+          <p:nvPr>
+            <p:ph type="title"/>
+          </p:nvPr>
+        </p:nvSpPr>
+        <p:spPr>
+          <a:xfrm>
+            <a:off x="311700" y="315925"/>
+            <a:ext cx="8520600" cy="831300"/>
+          </a:xfrm>
+          <a:prstGeom prst="rect">
+            <a:avLst/>
+          </a:prstGeom>
+        </p:spPr>
+        <p:txBody>
+          <a:bodyPr anchorCtr="0" anchor="b" bIns="91425" lIns="91425" spcFirstLastPara="1" rIns="91425" wrap="square" tIns="91425">
+            <a:normAutofit/>
+          </a:bodyPr>
+          <a:lstStyle/>
+          <a:p>
+            <a:pPr indent="0" lvl="0" marL="0" rtl="0" algn="ctr">
+              <a:spcBef>
+                <a:spcPts val="0"/>
+              </a:spcBef>
+              <a:spcAft>
+                <a:spcPts val="0"/>
+              </a:spcAft>
+              <a:buNone/>
+            </a:pPr>
+            <a:r>
+              <a:rPr lang="pl"/>
+              <a:t>Przykład</a:t>
+            </a:r>
+            <a:endParaRPr/>
+          </a:p>
+        </p:txBody>
+      </p:sp>
+      <p:sp>
+        <p:nvSpPr>
+          <p:cNvPr id="164" name="Google Shape;164;p30"/>
+          <p:cNvSpPr txBox="1"/>
+          <p:nvPr>
+            <p:ph idx="1" type="body"/>
+          </p:nvPr>
+        </p:nvSpPr>
+        <p:spPr>
+          <a:xfrm>
+            <a:off x="311700" y="1225225"/>
+            <a:ext cx="8520600" cy="3354000"/>
+          </a:xfrm>
+          <a:prstGeom prst="rect">
+            <a:avLst/>
+          </a:prstGeom>
+        </p:spPr>
+        <p:txBody>
+          <a:bodyPr anchorCtr="0" anchor="t" bIns="91425" lIns="91425" spcFirstLastPara="1" rIns="91425" wrap="square" tIns="91425">
+            <a:normAutofit/>
+          </a:bodyPr>
+          <a:lstStyle/>
+          <a:p>
+            <a:pPr indent="0" lvl="0" marL="0" rtl="0" algn="ctr">
+              <a:spcBef>
+                <a:spcPts val="0"/>
+              </a:spcBef>
+              <a:spcAft>
+                <a:spcPts val="1200"/>
+              </a:spcAft>
+              <a:buNone/>
+            </a:pPr>
+            <a:r>
+              <a:t/>
+            </a:r>
+            <a:endParaRPr/>
+          </a:p>
+        </p:txBody>
+      </p:sp>
+      <p:pic>
+        <p:nvPicPr>
+          <p:cNvPr id="165" name="Google Shape;165;p30"/>
+          <p:cNvPicPr preferRelativeResize="0"/>
+          <p:nvPr/>
+        </p:nvPicPr>
+        <p:blipFill rotWithShape="1">
+          <a:blip r:embed="rId3">
+            <a:alphaModFix/>
+          </a:blip>
+          <a:srcRect b="17101" l="0" r="0" t="0"/>
+          <a:stretch/>
+        </p:blipFill>
+        <p:spPr>
+          <a:xfrm>
+            <a:off x="311700" y="1225225"/>
+            <a:ext cx="8520600" cy="2884650"/>
+          </a:xfrm>
+          <a:prstGeom prst="rect">
+            <a:avLst/>
+          </a:prstGeom>
+          <a:noFill/>
+          <a:ln>
+            <a:noFill/>
+          </a:ln>
+        </p:spPr>
+      </p:pic>
+    </p:spTree>
+  </p:cSld>
+  <p:clrMapOvr>
+    <a:masterClrMapping/>
+  </p:clrMapOvr>
+</p:sld>
+</file>
+
+<file path=ppt/slides/slide19.xml><?xml version="1.0" encoding="utf-8"?>
+<p:sld xmlns:a="http://schemas.openxmlformats.org/drawingml/2006/main" xmlns:r="http://schemas.openxmlformats.org/officeDocument/2006/relationships" xmlns:mc="http://schemas.openxmlformats.org/markup-compatibility/2006" xmlns:mv="urn:schemas-microsoft-com:mac:vml" xmlns:p="http://schemas.openxmlformats.org/presentationml/2006/main" xmlns:c="http://schemas.openxmlformats.org/drawingml/2006/chart" xmlns:dgm="http://schemas.openxmlformats.org/drawingml/2006/diagram" xmlns:o="urn:schemas-microsoft-com:office:office" xmlns:v="urn:schemas-microsoft-com:vml" xmlns:pvml="urn:schemas-microsoft-com:office:powerpoint" xmlns:com="http://schemas.openxmlformats.org/drawingml/2006/compatibility" xmlns:p14="http://schemas.microsoft.com/office/powerpoint/2010/main" xmlns:p15="http://schemas.microsoft.com/office/powerpoint/2012/main" xmlns:ahyp="http://schemas.microsoft.com/office/drawing/2018/hyperlinkcolor">
+  <p:cSld>
+    <p:spTree>
+      <p:nvGrpSpPr>
+        <p:cNvPr id="169" name="Shape 169"/>
+        <p:cNvGrpSpPr/>
+        <p:nvPr/>
+      </p:nvGrpSpPr>
+      <p:grpSpPr>
+        <a:xfrm>
+          <a:off x="0" y="0"/>
+          <a:ext cx="0" cy="0"/>
+          <a:chOff x="0" y="0"/>
+          <a:chExt cx="0" cy="0"/>
+        </a:xfrm>
+      </p:grpSpPr>
+      <p:sp>
+        <p:nvSpPr>
+          <p:cNvPr id="170" name="Google Shape;170;p31"/>
+          <p:cNvSpPr txBox="1"/>
+          <p:nvPr>
+            <p:ph type="title"/>
+          </p:nvPr>
+        </p:nvSpPr>
+        <p:spPr>
+          <a:xfrm>
+            <a:off x="311700" y="315925"/>
+            <a:ext cx="8520600" cy="831300"/>
+          </a:xfrm>
+          <a:prstGeom prst="rect">
+            <a:avLst/>
+          </a:prstGeom>
+        </p:spPr>
+        <p:txBody>
+          <a:bodyPr anchorCtr="0" anchor="b" bIns="91425" lIns="91425" spcFirstLastPara="1" rIns="91425" wrap="square" tIns="91425">
+            <a:normAutofit/>
+          </a:bodyPr>
+          <a:lstStyle/>
+          <a:p>
+            <a:pPr indent="0" lvl="0" marL="0" rtl="0" algn="ctr">
+              <a:spcBef>
+                <a:spcPts val="0"/>
+              </a:spcBef>
+              <a:spcAft>
+                <a:spcPts val="0"/>
+              </a:spcAft>
+              <a:buNone/>
+            </a:pPr>
+            <a:r>
+              <a:rPr lang="pl"/>
+              <a:t>Zalety i Wady:</a:t>
+            </a:r>
+            <a:endParaRPr/>
+          </a:p>
+        </p:txBody>
+      </p:sp>
+      <p:sp>
+        <p:nvSpPr>
+          <p:cNvPr id="171" name="Google Shape;171;p31"/>
+          <p:cNvSpPr txBox="1"/>
+          <p:nvPr>
+            <p:ph idx="1" type="body"/>
+          </p:nvPr>
+        </p:nvSpPr>
+        <p:spPr>
+          <a:xfrm>
+            <a:off x="311700" y="1225225"/>
+            <a:ext cx="8520600" cy="3354000"/>
+          </a:xfrm>
+          <a:prstGeom prst="rect">
+            <a:avLst/>
+          </a:prstGeom>
+        </p:spPr>
+        <p:txBody>
+          <a:bodyPr anchorCtr="0" anchor="t" bIns="91425" lIns="91425" spcFirstLastPara="1" rIns="91425" wrap="square" tIns="91425">
+            <a:normAutofit fontScale="77500" lnSpcReduction="20000"/>
+          </a:bodyPr>
+          <a:lstStyle/>
+          <a:p>
+            <a:pPr indent="0" lvl="0" marL="0" rtl="0" algn="l">
+              <a:spcBef>
+                <a:spcPts val="0"/>
+              </a:spcBef>
+              <a:spcAft>
+                <a:spcPts val="0"/>
+              </a:spcAft>
+              <a:buNone/>
+            </a:pPr>
+            <a:r>
+              <a:rPr lang="pl"/>
+              <a:t>+Złożoność czasowa jest rzędu </a:t>
+            </a:r>
+            <a:r>
+              <a:rPr lang="pl">
+                <a:solidFill>
+                  <a:srgbClr val="FF0000"/>
+                </a:solidFill>
+              </a:rPr>
+              <a:t>(!) </a:t>
+            </a:r>
+            <a:r>
+              <a:rPr lang="pl"/>
+              <a:t>O(n)</a:t>
+            </a:r>
+            <a:endParaRPr/>
+          </a:p>
+          <a:p>
+            <a:pPr indent="0" lvl="0" marL="0" rtl="0" algn="l">
+              <a:spcBef>
+                <a:spcPts val="1200"/>
+              </a:spcBef>
+              <a:spcAft>
+                <a:spcPts val="0"/>
+              </a:spcAft>
+              <a:buNone/>
+            </a:pPr>
+            <a:r>
+              <a:rPr lang="pl"/>
+              <a:t>+Algorytm nie potrzebuje dodatkowej tablicy</a:t>
+            </a:r>
+            <a:endParaRPr/>
+          </a:p>
+          <a:p>
+            <a:pPr indent="0" lvl="0" marL="0" rtl="0" algn="l">
+              <a:spcBef>
+                <a:spcPts val="1200"/>
+              </a:spcBef>
+              <a:spcAft>
+                <a:spcPts val="0"/>
+              </a:spcAft>
+              <a:buNone/>
+            </a:pPr>
+            <a:r>
+              <a:rPr lang="pl"/>
+              <a:t>+Jest łatwy w implementacji</a:t>
+            </a:r>
+            <a:endParaRPr/>
+          </a:p>
+          <a:p>
+            <a:pPr indent="0" lvl="0" marL="0" rtl="0" algn="l">
+              <a:spcBef>
+                <a:spcPts val="1200"/>
+              </a:spcBef>
+              <a:spcAft>
+                <a:spcPts val="0"/>
+              </a:spcAft>
+              <a:buNone/>
+            </a:pPr>
+            <a:r>
+              <a:t/>
+            </a:r>
+            <a:endParaRPr/>
+          </a:p>
+          <a:p>
+            <a:pPr indent="0" lvl="0" marL="0" rtl="0" algn="l">
+              <a:spcBef>
+                <a:spcPts val="1200"/>
+              </a:spcBef>
+              <a:spcAft>
+                <a:spcPts val="0"/>
+              </a:spcAft>
+              <a:buNone/>
+            </a:pPr>
+            <a:r>
+              <a:rPr lang="pl"/>
+              <a:t>-Dane muszą być równomiernie rozłożone, aby złożoność była liniowa</a:t>
+            </a:r>
+            <a:endParaRPr/>
+          </a:p>
+          <a:p>
+            <a:pPr indent="0" lvl="0" marL="0" rtl="0" algn="l">
+              <a:spcBef>
+                <a:spcPts val="1200"/>
+              </a:spcBef>
+              <a:spcAft>
+                <a:spcPts val="0"/>
+              </a:spcAft>
+              <a:buNone/>
+            </a:pPr>
+            <a:r>
+              <a:rPr lang="pl"/>
+              <a:t>-Trzeba znać rozstęp zbioru</a:t>
+            </a:r>
+            <a:endParaRPr/>
+          </a:p>
+          <a:p>
+            <a:pPr indent="0" lvl="0" marL="0" rtl="0" algn="l">
+              <a:spcBef>
+                <a:spcPts val="1200"/>
+              </a:spcBef>
+              <a:spcAft>
+                <a:spcPts val="0"/>
+              </a:spcAft>
+              <a:buNone/>
+            </a:pPr>
+            <a:r>
+              <a:t/>
+            </a:r>
+            <a:endParaRPr/>
+          </a:p>
+          <a:p>
+            <a:pPr indent="0" lvl="0" marL="0" rtl="0" algn="ctr">
+              <a:spcBef>
+                <a:spcPts val="1200"/>
+              </a:spcBef>
+              <a:spcAft>
+                <a:spcPts val="0"/>
+              </a:spcAft>
+              <a:buNone/>
+            </a:pPr>
+            <a:r>
+              <a:t/>
+            </a:r>
+            <a:endParaRPr/>
+          </a:p>
+          <a:p>
+            <a:pPr indent="0" lvl="0" marL="0" rtl="0" algn="l">
+              <a:spcBef>
+                <a:spcPts val="1200"/>
+              </a:spcBef>
+              <a:spcAft>
+                <a:spcPts val="1200"/>
+              </a:spcAft>
+              <a:buNone/>
+            </a:pPr>
+            <a:r>
+              <a:t/>
+            </a:r>
+            <a:endParaRPr/>
+          </a:p>
+        </p:txBody>
+      </p:sp>
     </p:spTree>
   </p:cSld>
   <p:clrMapOvr>
@@ -8705,7 +12638,7 @@
           <p:nvPr/>
         </p:nvPicPr>
         <p:blipFill>
-          <a:blip r:embed="rId4">
+          <a:blip r:embed="rId3">
             <a:alphaModFix/>
           </a:blip>
           <a:stretch>
@@ -8726,6 +12659,111 @@
           </a:ln>
         </p:spPr>
       </p:pic>
+    </p:spTree>
+  </p:cSld>
+  <p:clrMapOvr>
+    <a:masterClrMapping/>
+  </p:clrMapOvr>
+</p:sld>
+</file>
+
+<file path=ppt/slides/slide20.xml><?xml version="1.0" encoding="utf-8"?>
+<p:sld xmlns:a="http://schemas.openxmlformats.org/drawingml/2006/main" xmlns:r="http://schemas.openxmlformats.org/officeDocument/2006/relationships" xmlns:mc="http://schemas.openxmlformats.org/markup-compatibility/2006" xmlns:mv="urn:schemas-microsoft-com:mac:vml" xmlns:p="http://schemas.openxmlformats.org/presentationml/2006/main" xmlns:c="http://schemas.openxmlformats.org/drawingml/2006/chart" xmlns:dgm="http://schemas.openxmlformats.org/drawingml/2006/diagram" xmlns:o="urn:schemas-microsoft-com:office:office" xmlns:v="urn:schemas-microsoft-com:vml" xmlns:pvml="urn:schemas-microsoft-com:office:powerpoint" xmlns:com="http://schemas.openxmlformats.org/drawingml/2006/compatibility" xmlns:p14="http://schemas.microsoft.com/office/powerpoint/2010/main" xmlns:p15="http://schemas.microsoft.com/office/powerpoint/2012/main" xmlns:ahyp="http://schemas.microsoft.com/office/drawing/2018/hyperlinkcolor">
+  <p:cSld>
+    <p:spTree>
+      <p:nvGrpSpPr>
+        <p:cNvPr id="175" name="Shape 175"/>
+        <p:cNvGrpSpPr/>
+        <p:nvPr/>
+      </p:nvGrpSpPr>
+      <p:grpSpPr>
+        <a:xfrm>
+          <a:off x="0" y="0"/>
+          <a:ext cx="0" cy="0"/>
+          <a:chOff x="0" y="0"/>
+          <a:chExt cx="0" cy="0"/>
+        </a:xfrm>
+      </p:grpSpPr>
+      <p:sp>
+        <p:nvSpPr>
+          <p:cNvPr id="176" name="Google Shape;176;p32"/>
+          <p:cNvSpPr txBox="1"/>
+          <p:nvPr>
+            <p:ph type="title"/>
+          </p:nvPr>
+        </p:nvSpPr>
+        <p:spPr>
+          <a:xfrm>
+            <a:off x="311700" y="315925"/>
+            <a:ext cx="8520600" cy="831300"/>
+          </a:xfrm>
+          <a:prstGeom prst="rect">
+            <a:avLst/>
+          </a:prstGeom>
+        </p:spPr>
+        <p:txBody>
+          <a:bodyPr anchorCtr="0" anchor="b" bIns="91425" lIns="91425" spcFirstLastPara="1" rIns="91425" wrap="square" tIns="91425">
+            <a:normAutofit/>
+          </a:bodyPr>
+          <a:lstStyle/>
+          <a:p>
+            <a:pPr indent="0" lvl="0" marL="0" rtl="0" algn="ctr">
+              <a:spcBef>
+                <a:spcPts val="0"/>
+              </a:spcBef>
+              <a:spcAft>
+                <a:spcPts val="0"/>
+              </a:spcAft>
+              <a:buNone/>
+            </a:pPr>
+            <a:r>
+              <a:rPr lang="pl"/>
+              <a:t>Wizualizacja</a:t>
+            </a:r>
+            <a:endParaRPr/>
+          </a:p>
+        </p:txBody>
+      </p:sp>
+      <p:sp>
+        <p:nvSpPr>
+          <p:cNvPr id="177" name="Google Shape;177;p32"/>
+          <p:cNvSpPr txBox="1"/>
+          <p:nvPr>
+            <p:ph idx="1" type="body"/>
+          </p:nvPr>
+        </p:nvSpPr>
+        <p:spPr>
+          <a:xfrm>
+            <a:off x="311700" y="1225225"/>
+            <a:ext cx="8520600" cy="3354000"/>
+          </a:xfrm>
+          <a:prstGeom prst="rect">
+            <a:avLst/>
+          </a:prstGeom>
+        </p:spPr>
+        <p:txBody>
+          <a:bodyPr anchorCtr="0" anchor="t" bIns="91425" lIns="91425" spcFirstLastPara="1" rIns="91425" wrap="square" tIns="91425">
+            <a:normAutofit/>
+          </a:bodyPr>
+          <a:lstStyle/>
+          <a:p>
+            <a:pPr indent="0" lvl="0" marL="0" rtl="0" algn="ctr">
+              <a:spcBef>
+                <a:spcPts val="0"/>
+              </a:spcBef>
+              <a:spcAft>
+                <a:spcPts val="1200"/>
+              </a:spcAft>
+              <a:buNone/>
+            </a:pPr>
+            <a:r>
+              <a:rPr lang="pl"/>
+              <a:t>https://www.cs.usfca.edu/~galles/visualization/BucketSort.html</a:t>
+            </a:r>
+            <a:endParaRPr/>
+          </a:p>
+        </p:txBody>
+      </p:sp>
     </p:spTree>
   </p:cSld>
   <p:clrMapOvr>
@@ -8758,7 +12796,7 @@
           <p:nvPr/>
         </p:nvPicPr>
         <p:blipFill rotWithShape="1">
-          <a:blip r:embed="rId4">
+          <a:blip r:embed="rId3">
             <a:alphaModFix/>
           </a:blip>
           <a:srcRect b="32971" l="0" r="0" t="0"/>
@@ -8982,7 +13020,7 @@
           <p:nvPr/>
         </p:nvPicPr>
         <p:blipFill>
-          <a:blip r:embed="rId4">
+          <a:blip r:embed="rId3">
             <a:alphaModFix/>
           </a:blip>
           <a:stretch>
@@ -9085,7 +13123,7 @@
           <p:nvPr/>
         </p:nvPicPr>
         <p:blipFill>
-          <a:blip r:embed="rId4">
+          <a:blip r:embed="rId3">
             <a:alphaModFix/>
           </a:blip>
           <a:stretch>
@@ -9216,7 +13254,7 @@
           <p:nvPr/>
         </p:nvPicPr>
         <p:blipFill>
-          <a:blip r:embed="rId4">
+          <a:blip r:embed="rId3">
             <a:alphaModFix/>
           </a:blip>
           <a:stretch>
@@ -9314,7 +13352,7 @@
           <p:nvPr/>
         </p:nvPicPr>
         <p:blipFill>
-          <a:blip r:embed="rId4">
+          <a:blip r:embed="rId3">
             <a:alphaModFix/>
           </a:blip>
           <a:stretch>
@@ -9344,6 +13382,285 @@
 </file>
 
 <file path=ppt/theme/theme1.xml><?xml version="1.0" encoding="utf-8"?>
+<a:theme xmlns:a="http://schemas.openxmlformats.org/drawingml/2006/main" xmlns:r="http://schemas.openxmlformats.org/officeDocument/2006/relationships" name="Luxe">
+  <a:themeElements>
+    <a:clrScheme name="Luxe">
+      <a:dk1>
+        <a:srgbClr val="000000"/>
+      </a:dk1>
+      <a:lt1>
+        <a:srgbClr val="FFFFFF"/>
+      </a:lt1>
+      <a:dk2>
+        <a:srgbClr val="B7B7B7"/>
+      </a:dk2>
+      <a:lt2>
+        <a:srgbClr val="CCA677"/>
+      </a:lt2>
+      <a:accent1>
+        <a:srgbClr val="5D4037"/>
+      </a:accent1>
+      <a:accent2>
+        <a:srgbClr val="455A64"/>
+      </a:accent2>
+      <a:accent3>
+        <a:srgbClr val="57BB8A"/>
+      </a:accent3>
+      <a:accent4>
+        <a:srgbClr val="78909C"/>
+      </a:accent4>
+      <a:accent5>
+        <a:srgbClr val="607D8B"/>
+      </a:accent5>
+      <a:accent6>
+        <a:srgbClr val="DCE755"/>
+      </a:accent6>
+      <a:hlink>
+        <a:srgbClr val="607D8B"/>
+      </a:hlink>
+      <a:folHlink>
+        <a:srgbClr val="607D8B"/>
+      </a:folHlink>
+    </a:clrScheme>
+    <a:fontScheme name="Office">
+      <a:majorFont>
+        <a:latin typeface="Arial"/>
+        <a:ea typeface=""/>
+        <a:cs typeface=""/>
+        <a:font script="Jpan" typeface="ＭＳ Ｐゴシック"/>
+        <a:font script="Hang" typeface="맑은 고딕"/>
+        <a:font script="Hans" typeface="宋体"/>
+        <a:font script="Hant" typeface="新細明體"/>
+        <a:font script="Arab" typeface="Times New Roman"/>
+        <a:font script="Hebr" typeface="Times New Roman"/>
+        <a:font script="Thai" typeface="Angsana New"/>
+        <a:font script="Ethi" typeface="Nyala"/>
+        <a:font script="Beng" typeface="Vrinda"/>
+        <a:font script="Gujr" typeface="Shruti"/>
+        <a:font script="Khmr" typeface="MoolBoran"/>
+        <a:font script="Knda" typeface="Tunga"/>
+        <a:font script="Guru" typeface="Raavi"/>
+        <a:font script="Cans" typeface="Euphemia"/>
+        <a:font script="Cher" typeface="Plantagenet Cherokee"/>
+        <a:font script="Yiii" typeface="Microsoft Yi Baiti"/>
+        <a:font script="Tibt" typeface="Microsoft Himalaya"/>
+        <a:font script="Thaa" typeface="MV Boli"/>
+        <a:font script="Deva" typeface="Mangal"/>
+        <a:font script="Telu" typeface="Gautami"/>
+        <a:font script="Taml" typeface="Latha"/>
+        <a:font script="Syrc" typeface="Estrangelo Edessa"/>
+        <a:font script="Orya" typeface="Kalinga"/>
+        <a:font script="Mlym" typeface="Kartika"/>
+        <a:font script="Laoo" typeface="DokChampa"/>
+        <a:font script="Sinh" typeface="Iskoola Pota"/>
+        <a:font script="Mong" typeface="Mongolian Baiti"/>
+        <a:font script="Viet" typeface="Times New Roman"/>
+        <a:font script="Uigh" typeface="Microsoft Uighur"/>
+        <a:font script="Geor" typeface="Sylfaen"/>
+      </a:majorFont>
+      <a:minorFont>
+        <a:latin typeface="Arial"/>
+        <a:ea typeface=""/>
+        <a:cs typeface=""/>
+        <a:font script="Jpan" typeface="ＭＳ Ｐゴシック"/>
+        <a:font script="Hang" typeface="맑은 고딕"/>
+        <a:font script="Hans" typeface="宋体"/>
+        <a:font script="Hant" typeface="新細明體"/>
+        <a:font script="Arab" typeface="Arial"/>
+        <a:font script="Hebr" typeface="Arial"/>
+        <a:font script="Thai" typeface="Cordia New"/>
+        <a:font script="Ethi" typeface="Nyala"/>
+        <a:font script="Beng" typeface="Vrinda"/>
+        <a:font script="Gujr" typeface="Shruti"/>
+        <a:font script="Khmr" typeface="DaunPenh"/>
+        <a:font script="Knda" typeface="Tunga"/>
+        <a:font script="Guru" typeface="Raavi"/>
+        <a:font script="Cans" typeface="Euphemia"/>
+        <a:font script="Cher" typeface="Plantagenet Cherokee"/>
+        <a:font script="Yiii" typeface="Microsoft Yi Baiti"/>
+        <a:font script="Tibt" typeface="Microsoft Himalaya"/>
+        <a:font script="Thaa" typeface="MV Boli"/>
+        <a:font script="Deva" typeface="Mangal"/>
+        <a:font script="Telu" typeface="Gautami"/>
+        <a:font script="Taml" typeface="Latha"/>
+        <a:font script="Syrc" typeface="Estrangelo Edessa"/>
+        <a:font script="Orya" typeface="Kalinga"/>
+        <a:font script="Mlym" typeface="Kartika"/>
+        <a:font script="Laoo" typeface="DokChampa"/>
+        <a:font script="Sinh" typeface="Iskoola Pota"/>
+        <a:font script="Mong" typeface="Mongolian Baiti"/>
+        <a:font script="Viet" typeface="Arial"/>
+        <a:font script="Uigh" typeface="Microsoft Uighur"/>
+        <a:font script="Geor" typeface="Sylfaen"/>
+      </a:minorFont>
+    </a:fontScheme>
+    <a:fmtScheme name="Office">
+      <a:fillStyleLst>
+        <a:solidFill>
+          <a:schemeClr val="phClr"/>
+        </a:solidFill>
+        <a:gradFill rotWithShape="1">
+          <a:gsLst>
+            <a:gs pos="0">
+              <a:schemeClr val="phClr">
+                <a:tint val="50000"/>
+                <a:satMod val="300000"/>
+              </a:schemeClr>
+            </a:gs>
+            <a:gs pos="35000">
+              <a:schemeClr val="phClr">
+                <a:tint val="37000"/>
+                <a:satMod val="300000"/>
+              </a:schemeClr>
+            </a:gs>
+            <a:gs pos="100000">
+              <a:schemeClr val="phClr">
+                <a:tint val="15000"/>
+                <a:satMod val="350000"/>
+              </a:schemeClr>
+            </a:gs>
+          </a:gsLst>
+          <a:lin ang="16200000" scaled="1"/>
+        </a:gradFill>
+        <a:gradFill rotWithShape="1">
+          <a:gsLst>
+            <a:gs pos="0">
+              <a:schemeClr val="phClr">
+                <a:tint val="100000"/>
+                <a:shade val="100000"/>
+                <a:satMod val="130000"/>
+              </a:schemeClr>
+            </a:gs>
+            <a:gs pos="100000">
+              <a:schemeClr val="phClr">
+                <a:tint val="50000"/>
+                <a:shade val="100000"/>
+                <a:satMod val="350000"/>
+              </a:schemeClr>
+            </a:gs>
+          </a:gsLst>
+          <a:lin ang="16200000" scaled="0"/>
+        </a:gradFill>
+      </a:fillStyleLst>
+      <a:lnStyleLst>
+        <a:ln w="9525" cap="flat" cmpd="sng" algn="ctr">
+          <a:solidFill>
+            <a:schemeClr val="phClr">
+              <a:shade val="95000"/>
+              <a:satMod val="105000"/>
+            </a:schemeClr>
+          </a:solidFill>
+          <a:prstDash val="solid"/>
+        </a:ln>
+        <a:ln w="25400" cap="flat" cmpd="sng" algn="ctr">
+          <a:solidFill>
+            <a:schemeClr val="phClr"/>
+          </a:solidFill>
+          <a:prstDash val="solid"/>
+        </a:ln>
+        <a:ln w="38100" cap="flat" cmpd="sng" algn="ctr">
+          <a:solidFill>
+            <a:schemeClr val="phClr"/>
+          </a:solidFill>
+          <a:prstDash val="solid"/>
+        </a:ln>
+      </a:lnStyleLst>
+      <a:effectStyleLst>
+        <a:effectStyle>
+          <a:effectLst>
+            <a:outerShdw blurRad="40000" dist="20000" dir="5400000" rotWithShape="0">
+              <a:srgbClr val="000000">
+                <a:alpha val="38000"/>
+              </a:srgbClr>
+            </a:outerShdw>
+          </a:effectLst>
+        </a:effectStyle>
+        <a:effectStyle>
+          <a:effectLst>
+            <a:outerShdw blurRad="40000" dist="23000" dir="5400000" rotWithShape="0">
+              <a:srgbClr val="000000">
+                <a:alpha val="35000"/>
+              </a:srgbClr>
+            </a:outerShdw>
+          </a:effectLst>
+        </a:effectStyle>
+        <a:effectStyle>
+          <a:effectLst>
+            <a:outerShdw blurRad="40000" dist="23000" dir="5400000" rotWithShape="0">
+              <a:srgbClr val="000000">
+                <a:alpha val="35000"/>
+              </a:srgbClr>
+            </a:outerShdw>
+          </a:effectLst>
+          <a:scene3d>
+            <a:camera prst="orthographicFront">
+              <a:rot lat="0" lon="0" rev="0"/>
+            </a:camera>
+            <a:lightRig rig="threePt" dir="t">
+              <a:rot lat="0" lon="0" rev="1200000"/>
+            </a:lightRig>
+          </a:scene3d>
+          <a:sp3d>
+            <a:bevelT w="63500" h="25400"/>
+          </a:sp3d>
+        </a:effectStyle>
+      </a:effectStyleLst>
+      <a:bgFillStyleLst>
+        <a:solidFill>
+          <a:schemeClr val="phClr"/>
+        </a:solidFill>
+        <a:gradFill rotWithShape="1">
+          <a:gsLst>
+            <a:gs pos="0">
+              <a:schemeClr val="phClr">
+                <a:tint val="40000"/>
+                <a:satMod val="350000"/>
+              </a:schemeClr>
+            </a:gs>
+            <a:gs pos="40000">
+              <a:schemeClr val="phClr">
+                <a:tint val="45000"/>
+                <a:shade val="99000"/>
+                <a:satMod val="350000"/>
+              </a:schemeClr>
+            </a:gs>
+            <a:gs pos="100000">
+              <a:schemeClr val="phClr">
+                <a:shade val="20000"/>
+                <a:satMod val="255000"/>
+              </a:schemeClr>
+            </a:gs>
+          </a:gsLst>
+          <a:path path="circle">
+            <a:fillToRect l="50000" t="-80000" r="50000" b="180000"/>
+          </a:path>
+        </a:gradFill>
+        <a:gradFill rotWithShape="1">
+          <a:gsLst>
+            <a:gs pos="0">
+              <a:schemeClr val="phClr">
+                <a:tint val="80000"/>
+                <a:satMod val="300000"/>
+              </a:schemeClr>
+            </a:gs>
+            <a:gs pos="100000">
+              <a:schemeClr val="phClr">
+                <a:shade val="30000"/>
+                <a:satMod val="200000"/>
+              </a:schemeClr>
+            </a:gs>
+          </a:gsLst>
+          <a:path path="circle">
+            <a:fillToRect l="50000" t="50000" r="50000" b="50000"/>
+          </a:path>
+        </a:gradFill>
+      </a:bgFillStyleLst>
+    </a:fmtScheme>
+  </a:themeElements>
+</a:theme>
+</file>
+
+<file path=ppt/theme/theme2.xml><?xml version="1.0" encoding="utf-8"?>
 <a:theme xmlns:a="http://schemas.openxmlformats.org/drawingml/2006/main" xmlns:r="http://schemas.openxmlformats.org/officeDocument/2006/relationships">
   <a:themeElements>
     <a:clrScheme name="Default">
@@ -9620,283 +13937,4 @@
     </a:fmtScheme>
   </a:themeElements>
 </a:theme>
-</file>
-
-<file path=ppt/theme/theme2.xml><?xml version="1.0" encoding="utf-8"?>
-<a:theme xmlns:a="http://schemas.openxmlformats.org/drawingml/2006/main" xmlns:r="http://schemas.openxmlformats.org/officeDocument/2006/relationships" name="Luxe">
-  <a:themeElements>
-    <a:clrScheme name="Luxe">
-      <a:dk1>
-        <a:srgbClr val="000000"/>
-      </a:dk1>
-      <a:lt1>
-        <a:srgbClr val="FFFFFF"/>
-      </a:lt1>
-      <a:dk2>
-        <a:srgbClr val="B7B7B7"/>
-      </a:dk2>
-      <a:lt2>
-        <a:srgbClr val="CCA677"/>
-      </a:lt2>
-      <a:accent1>
-        <a:srgbClr val="5D4037"/>
-      </a:accent1>
-      <a:accent2>
-        <a:srgbClr val="455A64"/>
-      </a:accent2>
-      <a:accent3>
-        <a:srgbClr val="57BB8A"/>
-      </a:accent3>
-      <a:accent4>
-        <a:srgbClr val="78909C"/>
-      </a:accent4>
-      <a:accent5>
-        <a:srgbClr val="607D8B"/>
-      </a:accent5>
-      <a:accent6>
-        <a:srgbClr val="DCE755"/>
-      </a:accent6>
-      <a:hlink>
-        <a:srgbClr val="607D8B"/>
-      </a:hlink>
-      <a:folHlink>
-        <a:srgbClr val="607D8B"/>
-      </a:folHlink>
-    </a:clrScheme>
-    <a:fontScheme name="Office">
-      <a:majorFont>
-        <a:latin typeface="Arial"/>
-        <a:ea typeface=""/>
-        <a:cs typeface=""/>
-        <a:font script="Jpan" typeface="ＭＳ Ｐゴシック"/>
-        <a:font script="Hang" typeface="맑은 고딕"/>
-        <a:font script="Hans" typeface="宋体"/>
-        <a:font script="Hant" typeface="新細明體"/>
-        <a:font script="Arab" typeface="Times New Roman"/>
-        <a:font script="Hebr" typeface="Times New Roman"/>
-        <a:font script="Thai" typeface="Angsana New"/>
-        <a:font script="Ethi" typeface="Nyala"/>
-        <a:font script="Beng" typeface="Vrinda"/>
-        <a:font script="Gujr" typeface="Shruti"/>
-        <a:font script="Khmr" typeface="MoolBoran"/>
-        <a:font script="Knda" typeface="Tunga"/>
-        <a:font script="Guru" typeface="Raavi"/>
-        <a:font script="Cans" typeface="Euphemia"/>
-        <a:font script="Cher" typeface="Plantagenet Cherokee"/>
-        <a:font script="Yiii" typeface="Microsoft Yi Baiti"/>
-        <a:font script="Tibt" typeface="Microsoft Himalaya"/>
-        <a:font script="Thaa" typeface="MV Boli"/>
-        <a:font script="Deva" typeface="Mangal"/>
-        <a:font script="Telu" typeface="Gautami"/>
-        <a:font script="Taml" typeface="Latha"/>
-        <a:font script="Syrc" typeface="Estrangelo Edessa"/>
-        <a:font script="Orya" typeface="Kalinga"/>
-        <a:font script="Mlym" typeface="Kartika"/>
-        <a:font script="Laoo" typeface="DokChampa"/>
-        <a:font script="Sinh" typeface="Iskoola Pota"/>
-        <a:font script="Mong" typeface="Mongolian Baiti"/>
-        <a:font script="Viet" typeface="Times New Roman"/>
-        <a:font script="Uigh" typeface="Microsoft Uighur"/>
-        <a:font script="Geor" typeface="Sylfaen"/>
-      </a:majorFont>
-      <a:minorFont>
-        <a:latin typeface="Arial"/>
-        <a:ea typeface=""/>
-        <a:cs typeface=""/>
-        <a:font script="Jpan" typeface="ＭＳ Ｐゴシック"/>
-        <a:font script="Hang" typeface="맑은 고딕"/>
-        <a:font script="Hans" typeface="宋体"/>
-        <a:font script="Hant" typeface="新細明體"/>
-        <a:font script="Arab" typeface="Arial"/>
-        <a:font script="Hebr" typeface="Arial"/>
-        <a:font script="Thai" typeface="Cordia New"/>
-        <a:font script="Ethi" typeface="Nyala"/>
-        <a:font script="Beng" typeface="Vrinda"/>
-        <a:font script="Gujr" typeface="Shruti"/>
-        <a:font script="Khmr" typeface="DaunPenh"/>
-        <a:font script="Knda" typeface="Tunga"/>
-        <a:font script="Guru" typeface="Raavi"/>
-        <a:font script="Cans" typeface="Euphemia"/>
-        <a:font script="Cher" typeface="Plantagenet Cherokee"/>
-        <a:font script="Yiii" typeface="Microsoft Yi Baiti"/>
-        <a:font script="Tibt" typeface="Microsoft Himalaya"/>
-        <a:font script="Thaa" typeface="MV Boli"/>
-        <a:font script="Deva" typeface="Mangal"/>
-        <a:font script="Telu" typeface="Gautami"/>
-        <a:font script="Taml" typeface="Latha"/>
-        <a:font script="Syrc" typeface="Estrangelo Edessa"/>
-        <a:font script="Orya" typeface="Kalinga"/>
-        <a:font script="Mlym" typeface="Kartika"/>
-        <a:font script="Laoo" typeface="DokChampa"/>
-        <a:font script="Sinh" typeface="Iskoola Pota"/>
-        <a:font script="Mong" typeface="Mongolian Baiti"/>
-        <a:font script="Viet" typeface="Arial"/>
-        <a:font script="Uigh" typeface="Microsoft Uighur"/>
-        <a:font script="Geor" typeface="Sylfaen"/>
-      </a:minorFont>
-    </a:fontScheme>
-    <a:fmtScheme name="Office">
-      <a:fillStyleLst>
-        <a:solidFill>
-          <a:schemeClr val="phClr"/>
-        </a:solidFill>
-        <a:gradFill rotWithShape="1">
-          <a:gsLst>
-            <a:gs pos="0">
-              <a:schemeClr val="phClr">
-                <a:tint val="50000"/>
-                <a:satMod val="300000"/>
-              </a:schemeClr>
-            </a:gs>
-            <a:gs pos="35000">
-              <a:schemeClr val="phClr">
-                <a:tint val="37000"/>
-                <a:satMod val="300000"/>
-              </a:schemeClr>
-            </a:gs>
-            <a:gs pos="100000">
-              <a:schemeClr val="phClr">
-                <a:tint val="15000"/>
-                <a:satMod val="350000"/>
-              </a:schemeClr>
-            </a:gs>
-          </a:gsLst>
-          <a:lin ang="16200000" scaled="1"/>
-        </a:gradFill>
-        <a:gradFill rotWithShape="1">
-          <a:gsLst>
-            <a:gs pos="0">
-              <a:schemeClr val="phClr">
-                <a:tint val="100000"/>
-                <a:shade val="100000"/>
-                <a:satMod val="130000"/>
-              </a:schemeClr>
-            </a:gs>
-            <a:gs pos="100000">
-              <a:schemeClr val="phClr">
-                <a:tint val="50000"/>
-                <a:shade val="100000"/>
-                <a:satMod val="350000"/>
-              </a:schemeClr>
-            </a:gs>
-          </a:gsLst>
-          <a:lin ang="16200000" scaled="0"/>
-        </a:gradFill>
-      </a:fillStyleLst>
-      <a:lnStyleLst>
-        <a:ln w="9525" cap="flat" cmpd="sng" algn="ctr">
-          <a:solidFill>
-            <a:schemeClr val="phClr">
-              <a:shade val="95000"/>
-              <a:satMod val="105000"/>
-            </a:schemeClr>
-          </a:solidFill>
-          <a:prstDash val="solid"/>
-        </a:ln>
-        <a:ln w="25400" cap="flat" cmpd="sng" algn="ctr">
-          <a:solidFill>
-            <a:schemeClr val="phClr"/>
-          </a:solidFill>
-          <a:prstDash val="solid"/>
-        </a:ln>
-        <a:ln w="38100" cap="flat" cmpd="sng" algn="ctr">
-          <a:solidFill>
-            <a:schemeClr val="phClr"/>
-          </a:solidFill>
-          <a:prstDash val="solid"/>
-        </a:ln>
-      </a:lnStyleLst>
-      <a:effectStyleLst>
-        <a:effectStyle>
-          <a:effectLst>
-            <a:outerShdw blurRad="40000" dist="20000" dir="5400000" rotWithShape="0">
-              <a:srgbClr val="000000">
-                <a:alpha val="38000"/>
-              </a:srgbClr>
-            </a:outerShdw>
-          </a:effectLst>
-        </a:effectStyle>
-        <a:effectStyle>
-          <a:effectLst>
-            <a:outerShdw blurRad="40000" dist="23000" dir="5400000" rotWithShape="0">
-              <a:srgbClr val="000000">
-                <a:alpha val="35000"/>
-              </a:srgbClr>
-            </a:outerShdw>
-          </a:effectLst>
-        </a:effectStyle>
-        <a:effectStyle>
-          <a:effectLst>
-            <a:outerShdw blurRad="40000" dist="23000" dir="5400000" rotWithShape="0">
-              <a:srgbClr val="000000">
-                <a:alpha val="35000"/>
-              </a:srgbClr>
-            </a:outerShdw>
-          </a:effectLst>
-          <a:scene3d>
-            <a:camera prst="orthographicFront">
-              <a:rot lat="0" lon="0" rev="0"/>
-            </a:camera>
-            <a:lightRig rig="threePt" dir="t">
-              <a:rot lat="0" lon="0" rev="1200000"/>
-            </a:lightRig>
-          </a:scene3d>
-          <a:sp3d>
-            <a:bevelT w="63500" h="25400"/>
-          </a:sp3d>
-        </a:effectStyle>
-      </a:effectStyleLst>
-      <a:bgFillStyleLst>
-        <a:solidFill>
-          <a:schemeClr val="phClr"/>
-        </a:solidFill>
-        <a:gradFill rotWithShape="1">
-          <a:gsLst>
-            <a:gs pos="0">
-              <a:schemeClr val="phClr">
-                <a:tint val="40000"/>
-                <a:satMod val="350000"/>
-              </a:schemeClr>
-            </a:gs>
-            <a:gs pos="40000">
-              <a:schemeClr val="phClr">
-                <a:tint val="45000"/>
-                <a:shade val="99000"/>
-                <a:satMod val="350000"/>
-              </a:schemeClr>
-            </a:gs>
-            <a:gs pos="100000">
-              <a:schemeClr val="phClr">
-                <a:shade val="20000"/>
-                <a:satMod val="255000"/>
-              </a:schemeClr>
-            </a:gs>
-          </a:gsLst>
-          <a:path path="circle">
-            <a:fillToRect l="50000" t="-80000" r="50000" b="180000"/>
-          </a:path>
-        </a:gradFill>
-        <a:gradFill rotWithShape="1">
-          <a:gsLst>
-            <a:gs pos="0">
-              <a:schemeClr val="phClr">
-                <a:tint val="80000"/>
-                <a:satMod val="300000"/>
-              </a:schemeClr>
-            </a:gs>
-            <a:gs pos="100000">
-              <a:schemeClr val="phClr">
-                <a:shade val="30000"/>
-                <a:satMod val="200000"/>
-              </a:schemeClr>
-            </a:gs>
-          </a:gsLst>
-          <a:path path="circle">
-            <a:fillToRect l="50000" t="50000" r="50000" b="50000"/>
-          </a:path>
-        </a:gradFill>
-      </a:bgFillStyleLst>
-    </a:fmtScheme>
-  </a:themeElements>
-</a:theme>
 </file>
--- a/Giga Prezentacja Rel Essa Pogczamp.pptx
+++ b/Giga Prezentacja Rel Essa Pogczamp.pptx
@@ -846,7 +846,7 @@
   <p:cSld>
     <p:spTree>
       <p:nvGrpSpPr>
-        <p:cNvPr id="110" name="Shape 110"/>
+        <p:cNvPr id="108" name="Shape 108"/>
         <p:cNvGrpSpPr/>
         <p:nvPr/>
       </p:nvGrpSpPr>
@@ -860,7 +860,7 @@
       </p:grpSpPr>
       <p:sp>
         <p:nvSpPr>
-          <p:cNvPr id="111" name="Google Shape;111;g1bb3b5d6ea6_6_19:notes"/>
+          <p:cNvPr id="109" name="Google Shape;109;g1bb3b5d6ea6_6_19:notes"/>
           <p:cNvSpPr/>
           <p:nvPr>
             <p:ph idx="2" type="sldImg"/>
@@ -895,7 +895,7 @@
       </p:sp>
       <p:sp>
         <p:nvSpPr>
-          <p:cNvPr id="112" name="Google Shape;112;g1bb3b5d6ea6_6_19:notes"/>
+          <p:cNvPr id="110" name="Google Shape;110;g1bb3b5d6ea6_6_19:notes"/>
           <p:cNvSpPr txBox="1"/>
           <p:nvPr>
             <p:ph idx="1" type="body"/>
@@ -1050,7 +1050,7 @@
   <p:cSld>
     <p:spTree>
       <p:nvGrpSpPr>
-        <p:cNvPr id="116" name="Shape 116"/>
+        <p:cNvPr id="114" name="Shape 114"/>
         <p:cNvGrpSpPr/>
         <p:nvPr/>
       </p:nvGrpSpPr>
@@ -1064,7 +1064,7 @@
       </p:grpSpPr>
       <p:sp>
         <p:nvSpPr>
-          <p:cNvPr id="117" name="Google Shape;117;g1b961b98081_0_197:notes"/>
+          <p:cNvPr id="115" name="Google Shape;115;g1b961b98081_0_197:notes"/>
           <p:cNvSpPr/>
           <p:nvPr>
             <p:ph idx="2" type="sldImg"/>
@@ -1099,7 +1099,7 @@
       </p:sp>
       <p:sp>
         <p:nvSpPr>
-          <p:cNvPr id="118" name="Google Shape;118;g1b961b98081_0_197:notes"/>
+          <p:cNvPr id="116" name="Google Shape;116;g1b961b98081_0_197:notes"/>
           <p:cNvSpPr txBox="1"/>
           <p:nvPr>
             <p:ph idx="1" type="body"/>
@@ -1149,7 +1149,7 @@
   <p:cSld>
     <p:spTree>
       <p:nvGrpSpPr>
-        <p:cNvPr id="122" name="Shape 122"/>
+        <p:cNvPr id="120" name="Shape 120"/>
         <p:cNvGrpSpPr/>
         <p:nvPr/>
       </p:nvGrpSpPr>
@@ -1163,7 +1163,7 @@
       </p:grpSpPr>
       <p:sp>
         <p:nvSpPr>
-          <p:cNvPr id="123" name="Google Shape;123;g1b961b98081_0_48:notes"/>
+          <p:cNvPr id="121" name="Google Shape;121;g1b961b98081_0_48:notes"/>
           <p:cNvSpPr/>
           <p:nvPr>
             <p:ph idx="2" type="sldImg"/>
@@ -1198,7 +1198,7 @@
       </p:sp>
       <p:sp>
         <p:nvSpPr>
-          <p:cNvPr id="124" name="Google Shape;124;g1b961b98081_0_48:notes"/>
+          <p:cNvPr id="122" name="Google Shape;122;g1b961b98081_0_48:notes"/>
           <p:cNvSpPr txBox="1"/>
           <p:nvPr>
             <p:ph idx="1" type="body"/>
@@ -1248,7 +1248,7 @@
   <p:cSld>
     <p:spTree>
       <p:nvGrpSpPr>
-        <p:cNvPr id="128" name="Shape 128"/>
+        <p:cNvPr id="126" name="Shape 126"/>
         <p:cNvGrpSpPr/>
         <p:nvPr/>
       </p:nvGrpSpPr>
@@ -1262,7 +1262,7 @@
       </p:grpSpPr>
       <p:sp>
         <p:nvSpPr>
-          <p:cNvPr id="129" name="Google Shape;129;g1bbeaea5a16_1_6:notes"/>
+          <p:cNvPr id="127" name="Google Shape;127;g1bbeaea5a16_1_6:notes"/>
           <p:cNvSpPr/>
           <p:nvPr>
             <p:ph idx="2" type="sldImg"/>
@@ -1297,7 +1297,7 @@
       </p:sp>
       <p:sp>
         <p:nvSpPr>
-          <p:cNvPr id="130" name="Google Shape;130;g1bbeaea5a16_1_6:notes"/>
+          <p:cNvPr id="128" name="Google Shape;128;g1bbeaea5a16_1_6:notes"/>
           <p:cNvSpPr txBox="1"/>
           <p:nvPr>
             <p:ph idx="1" type="body"/>
@@ -1348,7 +1348,7 @@
   <p:cSld>
     <p:spTree>
       <p:nvGrpSpPr>
-        <p:cNvPr id="134" name="Shape 134"/>
+        <p:cNvPr id="132" name="Shape 132"/>
         <p:cNvGrpSpPr/>
         <p:nvPr/>
       </p:nvGrpSpPr>
@@ -1362,7 +1362,7 @@
       </p:grpSpPr>
       <p:sp>
         <p:nvSpPr>
-          <p:cNvPr id="135" name="Google Shape;135;g1bbeaea5a16_1_18:notes"/>
+          <p:cNvPr id="133" name="Google Shape;133;g1bbeaea5a16_1_18:notes"/>
           <p:cNvSpPr/>
           <p:nvPr>
             <p:ph idx="2" type="sldImg"/>
@@ -1397,7 +1397,7 @@
       </p:sp>
       <p:sp>
         <p:nvSpPr>
-          <p:cNvPr id="136" name="Google Shape;136;g1bbeaea5a16_1_18:notes"/>
+          <p:cNvPr id="134" name="Google Shape;134;g1bbeaea5a16_1_18:notes"/>
           <p:cNvSpPr txBox="1"/>
           <p:nvPr>
             <p:ph idx="1" type="body"/>
@@ -1434,7 +1434,7 @@
             </a:pPr>
             <a:r>
               <a:rPr lang="pl"/>
-              <a:t>Dla każdego elementu z utworzonego przedziału obliczana jest ilość jego wystąpień w wejściowej sekwencji v, tzn. tworzony jest histogram dla elementów sekwencji wejściowej. Na podstawie utworzonego histogramu generowana jest sekwencja wyjściowa, czyli posortowane elementy. Generowanie polega na iteracji po kolejnym elemencie w histogramie (który również jest sekwencją) oraz konkatenacji do sekwencji wynikowej tymczasowej sekwencji tylu elementów o danej wartości ile wskazuje histogram dla danego elementu. Początkowa sekwencja wynikowa jest pusta.</a:t>
+              <a:t>Dla każdego elementu z utworzonego przedziału obliczana jest ilość jego wystąpień w wejściowej sekwencji v, tzn. tworzony jest histogram (ile razy występuje dana liczba) dla elementów sekwencji wejściowej. Na podstawie utworzonego histogramu generowana jest sekwencja wyjściowa, czyli posortowane elementy. Generowanie polega na iteracji po kolejnym elemencie w histogramie (który również jest sekwencją) oraz połączenia ze sobą do sekwencji wynikowej, tymczasowej sekwencji tylu elementów o danej wartości ile wskazuje histogram dla danego elementu. Początkowa sekwencja wynikowa jest pusta.</a:t>
             </a:r>
             <a:endParaRPr/>
           </a:p>
@@ -1509,7 +1509,7 @@
   <p:cSld>
     <p:spTree>
       <p:nvGrpSpPr>
-        <p:cNvPr id="139" name="Shape 139"/>
+        <p:cNvPr id="137" name="Shape 137"/>
         <p:cNvGrpSpPr/>
         <p:nvPr/>
       </p:nvGrpSpPr>
@@ -1523,7 +1523,7 @@
       </p:grpSpPr>
       <p:sp>
         <p:nvSpPr>
-          <p:cNvPr id="140" name="Google Shape;140;g1bc4171ae7d_0_0:notes"/>
+          <p:cNvPr id="138" name="Google Shape;138;g1bc4171ae7d_0_0:notes"/>
           <p:cNvSpPr/>
           <p:nvPr>
             <p:ph idx="2" type="sldImg"/>
@@ -1558,7 +1558,7 @@
       </p:sp>
       <p:sp>
         <p:nvSpPr>
-          <p:cNvPr id="141" name="Google Shape;141;g1bc4171ae7d_0_0:notes"/>
+          <p:cNvPr id="139" name="Google Shape;139;g1bc4171ae7d_0_0:notes"/>
           <p:cNvSpPr txBox="1"/>
           <p:nvPr>
             <p:ph idx="1" type="body"/>
@@ -1608,7 +1608,7 @@
   <p:cSld>
     <p:spTree>
       <p:nvGrpSpPr>
-        <p:cNvPr id="146" name="Shape 146"/>
+        <p:cNvPr id="144" name="Shape 144"/>
         <p:cNvGrpSpPr/>
         <p:nvPr/>
       </p:nvGrpSpPr>
@@ -1622,7 +1622,7 @@
       </p:grpSpPr>
       <p:sp>
         <p:nvSpPr>
-          <p:cNvPr id="147" name="Google Shape;147;g1bc4171ae7d_0_6:notes"/>
+          <p:cNvPr id="145" name="Google Shape;145;g1bc4171ae7d_0_6:notes"/>
           <p:cNvSpPr/>
           <p:nvPr>
             <p:ph idx="2" type="sldImg"/>
@@ -1657,7 +1657,7 @@
       </p:sp>
       <p:sp>
         <p:nvSpPr>
-          <p:cNvPr id="148" name="Google Shape;148;g1bc4171ae7d_0_6:notes"/>
+          <p:cNvPr id="146" name="Google Shape;146;g1bc4171ae7d_0_6:notes"/>
           <p:cNvSpPr txBox="1"/>
           <p:nvPr>
             <p:ph idx="1" type="body"/>
@@ -1948,7 +1948,7 @@
   <p:cSld>
     <p:spTree>
       <p:nvGrpSpPr>
-        <p:cNvPr id="152" name="Shape 152"/>
+        <p:cNvPr id="150" name="Shape 150"/>
         <p:cNvGrpSpPr/>
         <p:nvPr/>
       </p:nvGrpSpPr>
@@ -1962,7 +1962,7 @@
       </p:grpSpPr>
       <p:sp>
         <p:nvSpPr>
-          <p:cNvPr id="153" name="Google Shape;153;g1bc4171ae7d_0_12:notes"/>
+          <p:cNvPr id="151" name="Google Shape;151;g1bc4171ae7d_0_12:notes"/>
           <p:cNvSpPr/>
           <p:nvPr>
             <p:ph idx="2" type="sldImg"/>
@@ -1997,7 +1997,7 @@
       </p:sp>
       <p:sp>
         <p:nvSpPr>
-          <p:cNvPr id="154" name="Google Shape;154;g1bc4171ae7d_0_12:notes"/>
+          <p:cNvPr id="152" name="Google Shape;152;g1bc4171ae7d_0_12:notes"/>
           <p:cNvSpPr txBox="1"/>
           <p:nvPr>
             <p:ph idx="1" type="body"/>
@@ -4163,7 +4163,7 @@
   <p:cSld>
     <p:spTree>
       <p:nvGrpSpPr>
-        <p:cNvPr id="159" name="Shape 159"/>
+        <p:cNvPr id="157" name="Shape 157"/>
         <p:cNvGrpSpPr/>
         <p:nvPr/>
       </p:nvGrpSpPr>
@@ -4177,7 +4177,7 @@
       </p:grpSpPr>
       <p:sp>
         <p:nvSpPr>
-          <p:cNvPr id="160" name="Google Shape;160;g1bc4171ae7d_0_21:notes"/>
+          <p:cNvPr id="158" name="Google Shape;158;g1bc4171ae7d_0_21:notes"/>
           <p:cNvSpPr/>
           <p:nvPr>
             <p:ph idx="2" type="sldImg"/>
@@ -4212,7 +4212,7 @@
       </p:sp>
       <p:sp>
         <p:nvSpPr>
-          <p:cNvPr id="161" name="Google Shape;161;g1bc4171ae7d_0_21:notes"/>
+          <p:cNvPr id="159" name="Google Shape;159;g1bc4171ae7d_0_21:notes"/>
           <p:cNvSpPr txBox="1"/>
           <p:nvPr>
             <p:ph idx="1" type="body"/>
@@ -4262,7 +4262,7 @@
   <p:cSld>
     <p:spTree>
       <p:nvGrpSpPr>
-        <p:cNvPr id="166" name="Shape 166"/>
+        <p:cNvPr id="164" name="Shape 164"/>
         <p:cNvGrpSpPr/>
         <p:nvPr/>
       </p:nvGrpSpPr>
@@ -4276,7 +4276,7 @@
       </p:grpSpPr>
       <p:sp>
         <p:nvSpPr>
-          <p:cNvPr id="167" name="Google Shape;167;g1bc4171ae7d_0_28:notes"/>
+          <p:cNvPr id="165" name="Google Shape;165;g1bc4171ae7d_0_28:notes"/>
           <p:cNvSpPr/>
           <p:nvPr>
             <p:ph idx="2" type="sldImg"/>
@@ -4311,7 +4311,7 @@
       </p:sp>
       <p:sp>
         <p:nvSpPr>
-          <p:cNvPr id="168" name="Google Shape;168;g1bc4171ae7d_0_28:notes"/>
+          <p:cNvPr id="166" name="Google Shape;166;g1bc4171ae7d_0_28:notes"/>
           <p:cNvSpPr txBox="1"/>
           <p:nvPr>
             <p:ph idx="1" type="body"/>
@@ -4478,7 +4478,7 @@
   <p:cSld>
     <p:spTree>
       <p:nvGrpSpPr>
-        <p:cNvPr id="172" name="Shape 172"/>
+        <p:cNvPr id="170" name="Shape 170"/>
         <p:cNvGrpSpPr/>
         <p:nvPr/>
       </p:nvGrpSpPr>
@@ -4492,7 +4492,7 @@
       </p:grpSpPr>
       <p:sp>
         <p:nvSpPr>
-          <p:cNvPr id="173" name="Google Shape;173;g1bc4171ae7d_0_36:notes"/>
+          <p:cNvPr id="171" name="Google Shape;171;g1bc4171ae7d_0_36:notes"/>
           <p:cNvSpPr/>
           <p:nvPr>
             <p:ph idx="2" type="sldImg"/>
@@ -4527,7 +4527,7 @@
       </p:sp>
       <p:sp>
         <p:nvSpPr>
-          <p:cNvPr id="174" name="Google Shape;174;g1bc4171ae7d_0_36:notes"/>
+          <p:cNvPr id="172" name="Google Shape;172;g1bc4171ae7d_0_36:notes"/>
           <p:cNvSpPr txBox="1"/>
           <p:nvPr>
             <p:ph idx="1" type="body"/>
@@ -4972,7 +4972,7 @@
             </a:pPr>
             <a:r>
               <a:rPr lang="pl"/>
-              <a:t>Posortujemy metodą Shella zbiór ośmiu liczb: { 4 2 9 5 6 3 8 1 } w porządku rosnącym. Zbiór posiada osiem elementów, zatem przyjmiemy na wstępie odstęp h równy 4. Taki odstęp podzieli zbiór na 4 podzbiory, których elementy będą elementami zbioru wejściowego odległymi od siebie o 4 pozycje. Każdy z otrzymanych podzbiorów sortujemy algorytmem sortowania przez wstawianie. Ponieważ zbiory te są dwuelementowe, to sortowanie pędzie polegało na porównaniu pierwszego elementu podzbioru z elementem drugim i ewentualną zamianę ich miejsc, jeśli będą w niewłaściwym porządku.</a:t>
+              <a:t>Posortujemy metodą Shella zbiór ośmiu liczb: { 4 2 9 5 6 3 8 1 } w porządku rosnącym. Zbiór posiada osiem elementów, zatem przyjmiemy na wstępie odstęp h równy 4. Taki odstęp podzieli zbiór na 4 podzbiory, których elementy będą elementami zbioru wejściowego odległymi od siebie o 4 pozycje. Każdy z otrzymanych podzbiorów sortujemy algorytmem sortowania przez wstawianie. Ponieważ zbiory te są dwuelementowe, to sortowanie będzie polegało na porównaniu pierwszego elementu podzbioru z elementem drugim i ewentualną zamianę ich miejsc, jeśli będą w niewłaściwym porządku.</a:t>
             </a:r>
             <a:endParaRPr/>
           </a:p>
@@ -5091,7 +5091,7 @@
   <p:cSld>
     <p:spTree>
       <p:nvGrpSpPr>
-        <p:cNvPr id="99" name="Shape 99"/>
+        <p:cNvPr id="97" name="Shape 97"/>
         <p:cNvGrpSpPr/>
         <p:nvPr/>
       </p:nvGrpSpPr>
@@ -5105,7 +5105,7 @@
       </p:grpSpPr>
       <p:sp>
         <p:nvSpPr>
-          <p:cNvPr id="100" name="Google Shape;100;g1b961b98081_0_25:notes"/>
+          <p:cNvPr id="98" name="Google Shape;98;g1b961b98081_0_25:notes"/>
           <p:cNvSpPr/>
           <p:nvPr>
             <p:ph idx="2" type="sldImg"/>
@@ -5140,7 +5140,7 @@
       </p:sp>
       <p:sp>
         <p:nvSpPr>
-          <p:cNvPr id="101" name="Google Shape;101;g1b961b98081_0_25:notes"/>
+          <p:cNvPr id="99" name="Google Shape;99;g1b961b98081_0_25:notes"/>
           <p:cNvSpPr txBox="1"/>
           <p:nvPr>
             <p:ph idx="1" type="body"/>
@@ -5191,7 +5191,7 @@
   <p:cSld>
     <p:spTree>
       <p:nvGrpSpPr>
-        <p:cNvPr id="104" name="Shape 104"/>
+        <p:cNvPr id="102" name="Shape 102"/>
         <p:cNvGrpSpPr/>
         <p:nvPr/>
       </p:nvGrpSpPr>
@@ -5205,7 +5205,7 @@
       </p:grpSpPr>
       <p:sp>
         <p:nvSpPr>
-          <p:cNvPr id="105" name="Google Shape;105;g1bb3b5d6ea6_6_13:notes"/>
+          <p:cNvPr id="103" name="Google Shape;103;g1bb3b5d6ea6_6_13:notes"/>
           <p:cNvSpPr/>
           <p:nvPr>
             <p:ph idx="2" type="sldImg"/>
@@ -5240,7 +5240,7 @@
       </p:sp>
       <p:sp>
         <p:nvSpPr>
-          <p:cNvPr id="106" name="Google Shape;106;g1bb3b5d6ea6_6_13:notes"/>
+          <p:cNvPr id="104" name="Google Shape;104;g1bb3b5d6ea6_6_13:notes"/>
           <p:cNvSpPr txBox="1"/>
           <p:nvPr>
             <p:ph idx="1" type="body"/>
@@ -10890,7 +10890,7 @@
   <p:cSld>
     <p:spTree>
       <p:nvGrpSpPr>
-        <p:cNvPr id="113" name="Shape 113"/>
+        <p:cNvPr id="111" name="Shape 111"/>
         <p:cNvGrpSpPr/>
         <p:nvPr/>
       </p:nvGrpSpPr>
@@ -10904,7 +10904,7 @@
       </p:grpSpPr>
       <p:sp>
         <p:nvSpPr>
-          <p:cNvPr id="114" name="Google Shape;114;p22"/>
+          <p:cNvPr id="112" name="Google Shape;112;p22"/>
           <p:cNvSpPr txBox="1"/>
           <p:nvPr>
             <p:ph type="title"/>
@@ -10949,7 +10949,7 @@
       </p:sp>
       <p:pic>
         <p:nvPicPr>
-          <p:cNvPr id="115" name="Google Shape;115;p22"/>
+          <p:cNvPr id="113" name="Google Shape;113;p22"/>
           <p:cNvPicPr preferRelativeResize="0"/>
           <p:nvPr/>
         </p:nvPicPr>
@@ -10988,7 +10988,7 @@
   <p:cSld>
     <p:spTree>
       <p:nvGrpSpPr>
-        <p:cNvPr id="119" name="Shape 119"/>
+        <p:cNvPr id="117" name="Shape 117"/>
         <p:cNvGrpSpPr/>
         <p:nvPr/>
       </p:nvGrpSpPr>
@@ -11002,7 +11002,7 @@
       </p:grpSpPr>
       <p:sp>
         <p:nvSpPr>
-          <p:cNvPr id="120" name="Google Shape;120;p23"/>
+          <p:cNvPr id="118" name="Google Shape;118;p23"/>
           <p:cNvSpPr txBox="1"/>
           <p:nvPr>
             <p:ph type="title"/>
@@ -11052,7 +11052,7 @@
       </p:sp>
       <p:sp>
         <p:nvSpPr>
-          <p:cNvPr id="121" name="Google Shape;121;p23"/>
+          <p:cNvPr id="119" name="Google Shape;119;p23"/>
           <p:cNvSpPr txBox="1"/>
           <p:nvPr>
             <p:ph idx="1" type="body"/>
@@ -11183,7 +11183,7 @@
   <p:cSld>
     <p:spTree>
       <p:nvGrpSpPr>
-        <p:cNvPr id="125" name="Shape 125"/>
+        <p:cNvPr id="123" name="Shape 123"/>
         <p:cNvGrpSpPr/>
         <p:nvPr/>
       </p:nvGrpSpPr>
@@ -11197,7 +11197,7 @@
       </p:grpSpPr>
       <p:sp>
         <p:nvSpPr>
-          <p:cNvPr id="126" name="Google Shape;126;p24"/>
+          <p:cNvPr id="124" name="Google Shape;124;p24"/>
           <p:cNvSpPr txBox="1"/>
           <p:nvPr>
             <p:ph type="title"/>
@@ -11247,7 +11247,7 @@
       </p:sp>
       <p:sp>
         <p:nvSpPr>
-          <p:cNvPr id="127" name="Google Shape;127;p24"/>
+          <p:cNvPr id="125" name="Google Shape;125;p24"/>
           <p:cNvSpPr txBox="1"/>
           <p:nvPr>
             <p:ph idx="1" type="body"/>
@@ -11538,7 +11538,7 @@
   <p:cSld>
     <p:spTree>
       <p:nvGrpSpPr>
-        <p:cNvPr id="131" name="Shape 131"/>
+        <p:cNvPr id="129" name="Shape 129"/>
         <p:cNvGrpSpPr/>
         <p:nvPr/>
       </p:nvGrpSpPr>
@@ -11552,7 +11552,7 @@
       </p:grpSpPr>
       <p:sp>
         <p:nvSpPr>
-          <p:cNvPr id="132" name="Google Shape;132;p25"/>
+          <p:cNvPr id="130" name="Google Shape;130;p25"/>
           <p:cNvSpPr txBox="1"/>
           <p:nvPr>
             <p:ph type="title"/>
@@ -11592,7 +11592,7 @@
       </p:sp>
       <p:sp>
         <p:nvSpPr>
-          <p:cNvPr id="133" name="Google Shape;133;p25"/>
+          <p:cNvPr id="131" name="Google Shape;131;p25"/>
           <p:cNvSpPr txBox="1"/>
           <p:nvPr>
             <p:ph idx="1" type="body"/>
@@ -11670,7 +11670,7 @@
   <p:cSld>
     <p:spTree>
       <p:nvGrpSpPr>
-        <p:cNvPr id="137" name="Shape 137"/>
+        <p:cNvPr id="135" name="Shape 135"/>
         <p:cNvGrpSpPr/>
         <p:nvPr/>
       </p:nvGrpSpPr>
@@ -11684,7 +11684,7 @@
       </p:grpSpPr>
       <p:pic>
         <p:nvPicPr>
-          <p:cNvPr id="138" name="Google Shape;138;p26"/>
+          <p:cNvPr id="136" name="Google Shape;136;p26"/>
           <p:cNvPicPr preferRelativeResize="0"/>
           <p:nvPr/>
         </p:nvPicPr>
@@ -11723,7 +11723,7 @@
   <p:cSld>
     <p:spTree>
       <p:nvGrpSpPr>
-        <p:cNvPr id="142" name="Shape 142"/>
+        <p:cNvPr id="140" name="Shape 140"/>
         <p:cNvGrpSpPr/>
         <p:nvPr/>
       </p:nvGrpSpPr>
@@ -11737,7 +11737,7 @@
       </p:grpSpPr>
       <p:sp>
         <p:nvSpPr>
-          <p:cNvPr id="143" name="Google Shape;143;p27"/>
+          <p:cNvPr id="141" name="Google Shape;141;p27"/>
           <p:cNvSpPr txBox="1"/>
           <p:nvPr>
             <p:ph type="title"/>
@@ -11792,7 +11792,7 @@
       </p:sp>
       <p:sp>
         <p:nvSpPr>
-          <p:cNvPr id="144" name="Google Shape;144;p27"/>
+          <p:cNvPr id="142" name="Google Shape;142;p27"/>
           <p:cNvSpPr txBox="1"/>
           <p:nvPr>
             <p:ph idx="1" type="body"/>
@@ -11831,7 +11831,7 @@
       </p:sp>
       <p:pic>
         <p:nvPicPr>
-          <p:cNvPr id="145" name="Google Shape;145;p27"/>
+          <p:cNvPr id="143" name="Google Shape;143;p27"/>
           <p:cNvPicPr preferRelativeResize="0"/>
           <p:nvPr/>
         </p:nvPicPr>
@@ -11870,7 +11870,7 @@
   <p:cSld>
     <p:spTree>
       <p:nvGrpSpPr>
-        <p:cNvPr id="149" name="Shape 149"/>
+        <p:cNvPr id="147" name="Shape 147"/>
         <p:cNvGrpSpPr/>
         <p:nvPr/>
       </p:nvGrpSpPr>
@@ -11884,7 +11884,7 @@
       </p:grpSpPr>
       <p:sp>
         <p:nvSpPr>
-          <p:cNvPr id="150" name="Google Shape;150;p28"/>
+          <p:cNvPr id="148" name="Google Shape;148;p28"/>
           <p:cNvSpPr txBox="1"/>
           <p:nvPr>
             <p:ph type="title"/>
@@ -11924,7 +11924,7 @@
       </p:sp>
       <p:sp>
         <p:nvSpPr>
-          <p:cNvPr id="151" name="Google Shape;151;p28"/>
+          <p:cNvPr id="149" name="Google Shape;149;p28"/>
           <p:cNvSpPr txBox="1"/>
           <p:nvPr>
             <p:ph idx="1" type="body"/>
@@ -12067,7 +12067,7 @@
   <p:cSld>
     <p:spTree>
       <p:nvGrpSpPr>
-        <p:cNvPr id="155" name="Shape 155"/>
+        <p:cNvPr id="153" name="Shape 153"/>
         <p:cNvGrpSpPr/>
         <p:nvPr/>
       </p:nvGrpSpPr>
@@ -12081,7 +12081,7 @@
       </p:grpSpPr>
       <p:sp>
         <p:nvSpPr>
-          <p:cNvPr id="156" name="Google Shape;156;p29"/>
+          <p:cNvPr id="154" name="Google Shape;154;p29"/>
           <p:cNvSpPr txBox="1"/>
           <p:nvPr>
             <p:ph type="title"/>
@@ -12120,7 +12120,7 @@
       </p:sp>
       <p:sp>
         <p:nvSpPr>
-          <p:cNvPr id="157" name="Google Shape;157;p29"/>
+          <p:cNvPr id="155" name="Google Shape;155;p29"/>
           <p:cNvSpPr txBox="1"/>
           <p:nvPr>
             <p:ph idx="1" type="body"/>
@@ -12159,7 +12159,7 @@
       </p:sp>
       <p:pic>
         <p:nvPicPr>
-          <p:cNvPr id="158" name="Google Shape;158;p29"/>
+          <p:cNvPr id="156" name="Google Shape;156;p29"/>
           <p:cNvPicPr preferRelativeResize="0"/>
           <p:nvPr/>
         </p:nvPicPr>
@@ -12197,7 +12197,7 @@
   <p:cSld>
     <p:spTree>
       <p:nvGrpSpPr>
-        <p:cNvPr id="162" name="Shape 162"/>
+        <p:cNvPr id="160" name="Shape 160"/>
         <p:cNvGrpSpPr/>
         <p:nvPr/>
       </p:nvGrpSpPr>
@@ -12211,7 +12211,7 @@
       </p:grpSpPr>
       <p:sp>
         <p:nvSpPr>
-          <p:cNvPr id="163" name="Google Shape;163;p30"/>
+          <p:cNvPr id="161" name="Google Shape;161;p30"/>
           <p:cNvSpPr txBox="1"/>
           <p:nvPr>
             <p:ph type="title"/>
@@ -12251,7 +12251,7 @@
       </p:sp>
       <p:sp>
         <p:nvSpPr>
-          <p:cNvPr id="164" name="Google Shape;164;p30"/>
+          <p:cNvPr id="162" name="Google Shape;162;p30"/>
           <p:cNvSpPr txBox="1"/>
           <p:nvPr>
             <p:ph idx="1" type="body"/>
@@ -12290,7 +12290,7 @@
       </p:sp>
       <p:pic>
         <p:nvPicPr>
-          <p:cNvPr id="165" name="Google Shape;165;p30"/>
+          <p:cNvPr id="163" name="Google Shape;163;p30"/>
           <p:cNvPicPr preferRelativeResize="0"/>
           <p:nvPr/>
         </p:nvPicPr>
@@ -12328,7 +12328,7 @@
   <p:cSld>
     <p:spTree>
       <p:nvGrpSpPr>
-        <p:cNvPr id="169" name="Shape 169"/>
+        <p:cNvPr id="167" name="Shape 167"/>
         <p:cNvGrpSpPr/>
         <p:nvPr/>
       </p:nvGrpSpPr>
@@ -12342,7 +12342,7 @@
       </p:grpSpPr>
       <p:sp>
         <p:nvSpPr>
-          <p:cNvPr id="170" name="Google Shape;170;p31"/>
+          <p:cNvPr id="168" name="Google Shape;168;p31"/>
           <p:cNvSpPr txBox="1"/>
           <p:nvPr>
             <p:ph type="title"/>
@@ -12382,7 +12382,7 @@
       </p:sp>
       <p:sp>
         <p:nvSpPr>
-          <p:cNvPr id="171" name="Google Shape;171;p31"/>
+          <p:cNvPr id="169" name="Google Shape;169;p31"/>
           <p:cNvSpPr txBox="1"/>
           <p:nvPr>
             <p:ph idx="1" type="body"/>
@@ -12672,7 +12672,7 @@
   <p:cSld>
     <p:spTree>
       <p:nvGrpSpPr>
-        <p:cNvPr id="175" name="Shape 175"/>
+        <p:cNvPr id="173" name="Shape 173"/>
         <p:cNvGrpSpPr/>
         <p:nvPr/>
       </p:nvGrpSpPr>
@@ -12686,7 +12686,7 @@
       </p:grpSpPr>
       <p:sp>
         <p:nvSpPr>
-          <p:cNvPr id="176" name="Google Shape;176;p32"/>
+          <p:cNvPr id="174" name="Google Shape;174;p32"/>
           <p:cNvSpPr txBox="1"/>
           <p:nvPr>
             <p:ph type="title"/>
@@ -12726,7 +12726,7 @@
       </p:sp>
       <p:sp>
         <p:nvSpPr>
-          <p:cNvPr id="177" name="Google Shape;177;p32"/>
+          <p:cNvPr id="175" name="Google Shape;175;p32"/>
           <p:cNvSpPr txBox="1"/>
           <p:nvPr>
             <p:ph idx="1" type="body"/>
@@ -13144,84 +13144,6 @@
           </a:ln>
         </p:spPr>
       </p:pic>
-      <p:sp>
-        <p:nvSpPr>
-          <p:cNvPr id="97" name="Google Shape;97;p19"/>
-          <p:cNvSpPr txBox="1"/>
-          <p:nvPr>
-            <p:ph type="title"/>
-          </p:nvPr>
-        </p:nvSpPr>
-        <p:spPr>
-          <a:xfrm>
-            <a:off x="311700" y="315925"/>
-            <a:ext cx="8520600" cy="831300"/>
-          </a:xfrm>
-          <a:prstGeom prst="rect">
-            <a:avLst/>
-          </a:prstGeom>
-        </p:spPr>
-        <p:txBody>
-          <a:bodyPr anchorCtr="0" anchor="b" bIns="91425" lIns="91425" spcFirstLastPara="1" rIns="91425" wrap="square" tIns="91425">
-            <a:normAutofit/>
-          </a:bodyPr>
-          <a:lstStyle/>
-          <a:p>
-            <a:pPr indent="0" lvl="0" marL="0" rtl="0" algn="ctr">
-              <a:spcBef>
-                <a:spcPts val="0"/>
-              </a:spcBef>
-              <a:spcAft>
-                <a:spcPts val="0"/>
-              </a:spcAft>
-              <a:buNone/>
-            </a:pPr>
-            <a:r>
-              <a:t/>
-            </a:r>
-            <a:endParaRPr/>
-          </a:p>
-        </p:txBody>
-      </p:sp>
-      <p:sp>
-        <p:nvSpPr>
-          <p:cNvPr id="98" name="Google Shape;98;p19"/>
-          <p:cNvSpPr txBox="1"/>
-          <p:nvPr>
-            <p:ph idx="1" type="body"/>
-          </p:nvPr>
-        </p:nvSpPr>
-        <p:spPr>
-          <a:xfrm>
-            <a:off x="311700" y="1225225"/>
-            <a:ext cx="8520600" cy="3354000"/>
-          </a:xfrm>
-          <a:prstGeom prst="rect">
-            <a:avLst/>
-          </a:prstGeom>
-        </p:spPr>
-        <p:txBody>
-          <a:bodyPr anchorCtr="0" anchor="t" bIns="91425" lIns="91425" spcFirstLastPara="1" rIns="91425" wrap="square" tIns="91425">
-            <a:normAutofit/>
-          </a:bodyPr>
-          <a:lstStyle/>
-          <a:p>
-            <a:pPr indent="0" lvl="0" marL="0" rtl="0" algn="ctr">
-              <a:spcBef>
-                <a:spcPts val="0"/>
-              </a:spcBef>
-              <a:spcAft>
-                <a:spcPts val="1200"/>
-              </a:spcAft>
-              <a:buNone/>
-            </a:pPr>
-            <a:r>
-              <a:t/>
-            </a:r>
-            <a:endParaRPr/>
-          </a:p>
-        </p:txBody>
-      </p:sp>
     </p:spTree>
   </p:cSld>
   <p:clrMapOvr>
@@ -13235,7 +13157,7 @@
   <p:cSld>
     <p:spTree>
       <p:nvGrpSpPr>
-        <p:cNvPr id="102" name="Shape 102"/>
+        <p:cNvPr id="100" name="Shape 100"/>
         <p:cNvGrpSpPr/>
         <p:nvPr/>
       </p:nvGrpSpPr>
@@ -13249,7 +13171,7 @@
       </p:grpSpPr>
       <p:pic>
         <p:nvPicPr>
-          <p:cNvPr id="103" name="Google Shape;103;p20"/>
+          <p:cNvPr id="101" name="Google Shape;101;p20"/>
           <p:cNvPicPr preferRelativeResize="0"/>
           <p:nvPr/>
         </p:nvPicPr>
@@ -13288,7 +13210,7 @@
   <p:cSld>
     <p:spTree>
       <p:nvGrpSpPr>
-        <p:cNvPr id="107" name="Shape 107"/>
+        <p:cNvPr id="105" name="Shape 105"/>
         <p:cNvGrpSpPr/>
         <p:nvPr/>
       </p:nvGrpSpPr>
@@ -13302,7 +13224,7 @@
       </p:grpSpPr>
       <p:sp>
         <p:nvSpPr>
-          <p:cNvPr id="108" name="Google Shape;108;p21"/>
+          <p:cNvPr id="106" name="Google Shape;106;p21"/>
           <p:cNvSpPr txBox="1"/>
           <p:nvPr>
             <p:ph type="title"/>
@@ -13347,7 +13269,7 @@
       </p:sp>
       <p:pic>
         <p:nvPicPr>
-          <p:cNvPr id="109" name="Google Shape;109;p21"/>
+          <p:cNvPr id="107" name="Google Shape;107;p21"/>
           <p:cNvPicPr preferRelativeResize="0"/>
           <p:nvPr/>
         </p:nvPicPr>
@@ -13382,6 +13304,285 @@
 </file>
 
 <file path=ppt/theme/theme1.xml><?xml version="1.0" encoding="utf-8"?>
+<a:theme xmlns:a="http://schemas.openxmlformats.org/drawingml/2006/main" xmlns:r="http://schemas.openxmlformats.org/officeDocument/2006/relationships">
+  <a:themeElements>
+    <a:clrScheme name="Default">
+      <a:dk1>
+        <a:srgbClr val="000000"/>
+      </a:dk1>
+      <a:lt1>
+        <a:srgbClr val="FFFFFF"/>
+      </a:lt1>
+      <a:dk2>
+        <a:srgbClr val="158158"/>
+      </a:dk2>
+      <a:lt2>
+        <a:srgbClr val="F3F3F3"/>
+      </a:lt2>
+      <a:accent1>
+        <a:srgbClr val="058DC7"/>
+      </a:accent1>
+      <a:accent2>
+        <a:srgbClr val="50B432"/>
+      </a:accent2>
+      <a:accent3>
+        <a:srgbClr val="ED561B"/>
+      </a:accent3>
+      <a:accent4>
+        <a:srgbClr val="EDEF00"/>
+      </a:accent4>
+      <a:accent5>
+        <a:srgbClr val="24CBE5"/>
+      </a:accent5>
+      <a:accent6>
+        <a:srgbClr val="64E572"/>
+      </a:accent6>
+      <a:hlink>
+        <a:srgbClr val="2200CC"/>
+      </a:hlink>
+      <a:folHlink>
+        <a:srgbClr val="551A8B"/>
+      </a:folHlink>
+    </a:clrScheme>
+    <a:fontScheme name="Office">
+      <a:majorFont>
+        <a:latin typeface="Arial"/>
+        <a:ea typeface=""/>
+        <a:cs typeface=""/>
+        <a:font script="Jpan" typeface="ＭＳ Ｐゴシック"/>
+        <a:font script="Hang" typeface="맑은 고딕"/>
+        <a:font script="Hans" typeface="宋体"/>
+        <a:font script="Hant" typeface="新細明體"/>
+        <a:font script="Arab" typeface="Times New Roman"/>
+        <a:font script="Hebr" typeface="Times New Roman"/>
+        <a:font script="Thai" typeface="Angsana New"/>
+        <a:font script="Ethi" typeface="Nyala"/>
+        <a:font script="Beng" typeface="Vrinda"/>
+        <a:font script="Gujr" typeface="Shruti"/>
+        <a:font script="Khmr" typeface="MoolBoran"/>
+        <a:font script="Knda" typeface="Tunga"/>
+        <a:font script="Guru" typeface="Raavi"/>
+        <a:font script="Cans" typeface="Euphemia"/>
+        <a:font script="Cher" typeface="Plantagenet Cherokee"/>
+        <a:font script="Yiii" typeface="Microsoft Yi Baiti"/>
+        <a:font script="Tibt" typeface="Microsoft Himalaya"/>
+        <a:font script="Thaa" typeface="MV Boli"/>
+        <a:font script="Deva" typeface="Mangal"/>
+        <a:font script="Telu" typeface="Gautami"/>
+        <a:font script="Taml" typeface="Latha"/>
+        <a:font script="Syrc" typeface="Estrangelo Edessa"/>
+        <a:font script="Orya" typeface="Kalinga"/>
+        <a:font script="Mlym" typeface="Kartika"/>
+        <a:font script="Laoo" typeface="DokChampa"/>
+        <a:font script="Sinh" typeface="Iskoola Pota"/>
+        <a:font script="Mong" typeface="Mongolian Baiti"/>
+        <a:font script="Viet" typeface="Times New Roman"/>
+        <a:font script="Uigh" typeface="Microsoft Uighur"/>
+        <a:font script="Geor" typeface="Sylfaen"/>
+      </a:majorFont>
+      <a:minorFont>
+        <a:latin typeface="Arial"/>
+        <a:ea typeface=""/>
+        <a:cs typeface=""/>
+        <a:font script="Jpan" typeface="ＭＳ Ｐゴシック"/>
+        <a:font script="Hang" typeface="맑은 고딕"/>
+        <a:font script="Hans" typeface="宋体"/>
+        <a:font script="Hant" typeface="新細明體"/>
+        <a:font script="Arab" typeface="Arial"/>
+        <a:font script="Hebr" typeface="Arial"/>
+        <a:font script="Thai" typeface="Cordia New"/>
+        <a:font script="Ethi" typeface="Nyala"/>
+        <a:font script="Beng" typeface="Vrinda"/>
+        <a:font script="Gujr" typeface="Shruti"/>
+        <a:font script="Khmr" typeface="DaunPenh"/>
+        <a:font script="Knda" typeface="Tunga"/>
+        <a:font script="Guru" typeface="Raavi"/>
+        <a:font script="Cans" typeface="Euphemia"/>
+        <a:font script="Cher" typeface="Plantagenet Cherokee"/>
+        <a:font script="Yiii" typeface="Microsoft Yi Baiti"/>
+        <a:font script="Tibt" typeface="Microsoft Himalaya"/>
+        <a:font script="Thaa" typeface="MV Boli"/>
+        <a:font script="Deva" typeface="Mangal"/>
+        <a:font script="Telu" typeface="Gautami"/>
+        <a:font script="Taml" typeface="Latha"/>
+        <a:font script="Syrc" typeface="Estrangelo Edessa"/>
+        <a:font script="Orya" typeface="Kalinga"/>
+        <a:font script="Mlym" typeface="Kartika"/>
+        <a:font script="Laoo" typeface="DokChampa"/>
+        <a:font script="Sinh" typeface="Iskoola Pota"/>
+        <a:font script="Mong" typeface="Mongolian Baiti"/>
+        <a:font script="Viet" typeface="Arial"/>
+        <a:font script="Uigh" typeface="Microsoft Uighur"/>
+        <a:font script="Geor" typeface="Sylfaen"/>
+      </a:minorFont>
+    </a:fontScheme>
+    <a:fmtScheme name="Office">
+      <a:fillStyleLst>
+        <a:solidFill>
+          <a:schemeClr val="phClr"/>
+        </a:solidFill>
+        <a:gradFill rotWithShape="1">
+          <a:gsLst>
+            <a:gs pos="0">
+              <a:schemeClr val="phClr">
+                <a:tint val="50000"/>
+                <a:satMod val="300000"/>
+              </a:schemeClr>
+            </a:gs>
+            <a:gs pos="35000">
+              <a:schemeClr val="phClr">
+                <a:tint val="37000"/>
+                <a:satMod val="300000"/>
+              </a:schemeClr>
+            </a:gs>
+            <a:gs pos="100000">
+              <a:schemeClr val="phClr">
+                <a:tint val="15000"/>
+                <a:satMod val="350000"/>
+              </a:schemeClr>
+            </a:gs>
+          </a:gsLst>
+          <a:lin ang="16200000" scaled="1"/>
+        </a:gradFill>
+        <a:gradFill rotWithShape="1">
+          <a:gsLst>
+            <a:gs pos="0">
+              <a:schemeClr val="phClr">
+                <a:tint val="100000"/>
+                <a:shade val="100000"/>
+                <a:satMod val="130000"/>
+              </a:schemeClr>
+            </a:gs>
+            <a:gs pos="100000">
+              <a:schemeClr val="phClr">
+                <a:tint val="50000"/>
+                <a:shade val="100000"/>
+                <a:satMod val="350000"/>
+              </a:schemeClr>
+            </a:gs>
+          </a:gsLst>
+          <a:lin ang="16200000" scaled="0"/>
+        </a:gradFill>
+      </a:fillStyleLst>
+      <a:lnStyleLst>
+        <a:ln w="9525" cap="flat" cmpd="sng" algn="ctr">
+          <a:solidFill>
+            <a:schemeClr val="phClr">
+              <a:shade val="95000"/>
+              <a:satMod val="105000"/>
+            </a:schemeClr>
+          </a:solidFill>
+          <a:prstDash val="solid"/>
+        </a:ln>
+        <a:ln w="25400" cap="flat" cmpd="sng" algn="ctr">
+          <a:solidFill>
+            <a:schemeClr val="phClr"/>
+          </a:solidFill>
+          <a:prstDash val="solid"/>
+        </a:ln>
+        <a:ln w="38100" cap="flat" cmpd="sng" algn="ctr">
+          <a:solidFill>
+            <a:schemeClr val="phClr"/>
+          </a:solidFill>
+          <a:prstDash val="solid"/>
+        </a:ln>
+      </a:lnStyleLst>
+      <a:effectStyleLst>
+        <a:effectStyle>
+          <a:effectLst>
+            <a:outerShdw blurRad="40000" dist="20000" dir="5400000" rotWithShape="0">
+              <a:srgbClr val="000000">
+                <a:alpha val="38000"/>
+              </a:srgbClr>
+            </a:outerShdw>
+          </a:effectLst>
+        </a:effectStyle>
+        <a:effectStyle>
+          <a:effectLst>
+            <a:outerShdw blurRad="40000" dist="23000" dir="5400000" rotWithShape="0">
+              <a:srgbClr val="000000">
+                <a:alpha val="35000"/>
+              </a:srgbClr>
+            </a:outerShdw>
+          </a:effectLst>
+        </a:effectStyle>
+        <a:effectStyle>
+          <a:effectLst>
+            <a:outerShdw blurRad="40000" dist="23000" dir="5400000" rotWithShape="0">
+              <a:srgbClr val="000000">
+                <a:alpha val="35000"/>
+              </a:srgbClr>
+            </a:outerShdw>
+          </a:effectLst>
+          <a:scene3d>
+            <a:camera prst="orthographicFront">
+              <a:rot lat="0" lon="0" rev="0"/>
+            </a:camera>
+            <a:lightRig rig="threePt" dir="t">
+              <a:rot lat="0" lon="0" rev="1200000"/>
+            </a:lightRig>
+          </a:scene3d>
+          <a:sp3d>
+            <a:bevelT w="63500" h="25400"/>
+          </a:sp3d>
+        </a:effectStyle>
+      </a:effectStyleLst>
+      <a:bgFillStyleLst>
+        <a:solidFill>
+          <a:schemeClr val="phClr"/>
+        </a:solidFill>
+        <a:gradFill rotWithShape="1">
+          <a:gsLst>
+            <a:gs pos="0">
+              <a:schemeClr val="phClr">
+                <a:tint val="40000"/>
+                <a:satMod val="350000"/>
+              </a:schemeClr>
+            </a:gs>
+            <a:gs pos="40000">
+              <a:schemeClr val="phClr">
+                <a:tint val="45000"/>
+                <a:shade val="99000"/>
+                <a:satMod val="350000"/>
+              </a:schemeClr>
+            </a:gs>
+            <a:gs pos="100000">
+              <a:schemeClr val="phClr">
+                <a:shade val="20000"/>
+                <a:satMod val="255000"/>
+              </a:schemeClr>
+            </a:gs>
+          </a:gsLst>
+          <a:path path="circle">
+            <a:fillToRect l="50000" t="-80000" r="50000" b="180000"/>
+          </a:path>
+        </a:gradFill>
+        <a:gradFill rotWithShape="1">
+          <a:gsLst>
+            <a:gs pos="0">
+              <a:schemeClr val="phClr">
+                <a:tint val="80000"/>
+                <a:satMod val="300000"/>
+              </a:schemeClr>
+            </a:gs>
+            <a:gs pos="100000">
+              <a:schemeClr val="phClr">
+                <a:shade val="30000"/>
+                <a:satMod val="200000"/>
+              </a:schemeClr>
+            </a:gs>
+          </a:gsLst>
+          <a:path path="circle">
+            <a:fillToRect l="50000" t="50000" r="50000" b="50000"/>
+          </a:path>
+        </a:gradFill>
+      </a:bgFillStyleLst>
+    </a:fmtScheme>
+  </a:themeElements>
+</a:theme>
+</file>
+
+<file path=ppt/theme/theme2.xml><?xml version="1.0" encoding="utf-8"?>
 <a:theme xmlns:a="http://schemas.openxmlformats.org/drawingml/2006/main" xmlns:r="http://schemas.openxmlformats.org/officeDocument/2006/relationships" name="Luxe">
   <a:themeElements>
     <a:clrScheme name="Luxe">
@@ -13658,283 +13859,4 @@
     </a:fmtScheme>
   </a:themeElements>
 </a:theme>
-</file>
-
-<file path=ppt/theme/theme2.xml><?xml version="1.0" encoding="utf-8"?>
-<a:theme xmlns:a="http://schemas.openxmlformats.org/drawingml/2006/main" xmlns:r="http://schemas.openxmlformats.org/officeDocument/2006/relationships">
-  <a:themeElements>
-    <a:clrScheme name="Default">
-      <a:dk1>
-        <a:srgbClr val="000000"/>
-      </a:dk1>
-      <a:lt1>
-        <a:srgbClr val="FFFFFF"/>
-      </a:lt1>
-      <a:dk2>
-        <a:srgbClr val="158158"/>
-      </a:dk2>
-      <a:lt2>
-        <a:srgbClr val="F3F3F3"/>
-      </a:lt2>
-      <a:accent1>
-        <a:srgbClr val="058DC7"/>
-      </a:accent1>
-      <a:accent2>
-        <a:srgbClr val="50B432"/>
-      </a:accent2>
-      <a:accent3>
-        <a:srgbClr val="ED561B"/>
-      </a:accent3>
-      <a:accent4>
-        <a:srgbClr val="EDEF00"/>
-      </a:accent4>
-      <a:accent5>
-        <a:srgbClr val="24CBE5"/>
-      </a:accent5>
-      <a:accent6>
-        <a:srgbClr val="64E572"/>
-      </a:accent6>
-      <a:hlink>
-        <a:srgbClr val="2200CC"/>
-      </a:hlink>
-      <a:folHlink>
-        <a:srgbClr val="551A8B"/>
-      </a:folHlink>
-    </a:clrScheme>
-    <a:fontScheme name="Office">
-      <a:majorFont>
-        <a:latin typeface="Arial"/>
-        <a:ea typeface=""/>
-        <a:cs typeface=""/>
-        <a:font script="Jpan" typeface="ＭＳ Ｐゴシック"/>
-        <a:font script="Hang" typeface="맑은 고딕"/>
-        <a:font script="Hans" typeface="宋体"/>
-        <a:font script="Hant" typeface="新細明體"/>
-        <a:font script="Arab" typeface="Times New Roman"/>
-        <a:font script="Hebr" typeface="Times New Roman"/>
-        <a:font script="Thai" typeface="Angsana New"/>
-        <a:font script="Ethi" typeface="Nyala"/>
-        <a:font script="Beng" typeface="Vrinda"/>
-        <a:font script="Gujr" typeface="Shruti"/>
-        <a:font script="Khmr" typeface="MoolBoran"/>
-        <a:font script="Knda" typeface="Tunga"/>
-        <a:font script="Guru" typeface="Raavi"/>
-        <a:font script="Cans" typeface="Euphemia"/>
-        <a:font script="Cher" typeface="Plantagenet Cherokee"/>
-        <a:font script="Yiii" typeface="Microsoft Yi Baiti"/>
-        <a:font script="Tibt" typeface="Microsoft Himalaya"/>
-        <a:font script="Thaa" typeface="MV Boli"/>
-        <a:font script="Deva" typeface="Mangal"/>
-        <a:font script="Telu" typeface="Gautami"/>
-        <a:font script="Taml" typeface="Latha"/>
-        <a:font script="Syrc" typeface="Estrangelo Edessa"/>
-        <a:font script="Orya" typeface="Kalinga"/>
-        <a:font script="Mlym" typeface="Kartika"/>
-        <a:font script="Laoo" typeface="DokChampa"/>
-        <a:font script="Sinh" typeface="Iskoola Pota"/>
-        <a:font script="Mong" typeface="Mongolian Baiti"/>
-        <a:font script="Viet" typeface="Times New Roman"/>
-        <a:font script="Uigh" typeface="Microsoft Uighur"/>
-        <a:font script="Geor" typeface="Sylfaen"/>
-      </a:majorFont>
-      <a:minorFont>
-        <a:latin typeface="Arial"/>
-        <a:ea typeface=""/>
-        <a:cs typeface=""/>
-        <a:font script="Jpan" typeface="ＭＳ Ｐゴシック"/>
-        <a:font script="Hang" typeface="맑은 고딕"/>
-        <a:font script="Hans" typeface="宋体"/>
-        <a:font script="Hant" typeface="新細明體"/>
-        <a:font script="Arab" typeface="Arial"/>
-        <a:font script="Hebr" typeface="Arial"/>
-        <a:font script="Thai" typeface="Cordia New"/>
-        <a:font script="Ethi" typeface="Nyala"/>
-        <a:font script="Beng" typeface="Vrinda"/>
-        <a:font script="Gujr" typeface="Shruti"/>
-        <a:font script="Khmr" typeface="DaunPenh"/>
-        <a:font script="Knda" typeface="Tunga"/>
-        <a:font script="Guru" typeface="Raavi"/>
-        <a:font script="Cans" typeface="Euphemia"/>
-        <a:font script="Cher" typeface="Plantagenet Cherokee"/>
-        <a:font script="Yiii" typeface="Microsoft Yi Baiti"/>
-        <a:font script="Tibt" typeface="Microsoft Himalaya"/>
-        <a:font script="Thaa" typeface="MV Boli"/>
-        <a:font script="Deva" typeface="Mangal"/>
-        <a:font script="Telu" typeface="Gautami"/>
-        <a:font script="Taml" typeface="Latha"/>
-        <a:font script="Syrc" typeface="Estrangelo Edessa"/>
-        <a:font script="Orya" typeface="Kalinga"/>
-        <a:font script="Mlym" typeface="Kartika"/>
-        <a:font script="Laoo" typeface="DokChampa"/>
-        <a:font script="Sinh" typeface="Iskoola Pota"/>
-        <a:font script="Mong" typeface="Mongolian Baiti"/>
-        <a:font script="Viet" typeface="Arial"/>
-        <a:font script="Uigh" typeface="Microsoft Uighur"/>
-        <a:font script="Geor" typeface="Sylfaen"/>
-      </a:minorFont>
-    </a:fontScheme>
-    <a:fmtScheme name="Office">
-      <a:fillStyleLst>
-        <a:solidFill>
-          <a:schemeClr val="phClr"/>
-        </a:solidFill>
-        <a:gradFill rotWithShape="1">
-          <a:gsLst>
-            <a:gs pos="0">
-              <a:schemeClr val="phClr">
-                <a:tint val="50000"/>
-                <a:satMod val="300000"/>
-              </a:schemeClr>
-            </a:gs>
-            <a:gs pos="35000">
-              <a:schemeClr val="phClr">
-                <a:tint val="37000"/>
-                <a:satMod val="300000"/>
-              </a:schemeClr>
-            </a:gs>
-            <a:gs pos="100000">
-              <a:schemeClr val="phClr">
-                <a:tint val="15000"/>
-                <a:satMod val="350000"/>
-              </a:schemeClr>
-            </a:gs>
-          </a:gsLst>
-          <a:lin ang="16200000" scaled="1"/>
-        </a:gradFill>
-        <a:gradFill rotWithShape="1">
-          <a:gsLst>
-            <a:gs pos="0">
-              <a:schemeClr val="phClr">
-                <a:tint val="100000"/>
-                <a:shade val="100000"/>
-                <a:satMod val="130000"/>
-              </a:schemeClr>
-            </a:gs>
-            <a:gs pos="100000">
-              <a:schemeClr val="phClr">
-                <a:tint val="50000"/>
-                <a:shade val="100000"/>
-                <a:satMod val="350000"/>
-              </a:schemeClr>
-            </a:gs>
-          </a:gsLst>
-          <a:lin ang="16200000" scaled="0"/>
-        </a:gradFill>
-      </a:fillStyleLst>
-      <a:lnStyleLst>
-        <a:ln w="9525" cap="flat" cmpd="sng" algn="ctr">
-          <a:solidFill>
-            <a:schemeClr val="phClr">
-              <a:shade val="95000"/>
-              <a:satMod val="105000"/>
-            </a:schemeClr>
-          </a:solidFill>
-          <a:prstDash val="solid"/>
-        </a:ln>
-        <a:ln w="25400" cap="flat" cmpd="sng" algn="ctr">
-          <a:solidFill>
-            <a:schemeClr val="phClr"/>
-          </a:solidFill>
-          <a:prstDash val="solid"/>
-        </a:ln>
-        <a:ln w="38100" cap="flat" cmpd="sng" algn="ctr">
-          <a:solidFill>
-            <a:schemeClr val="phClr"/>
-          </a:solidFill>
-          <a:prstDash val="solid"/>
-        </a:ln>
-      </a:lnStyleLst>
-      <a:effectStyleLst>
-        <a:effectStyle>
-          <a:effectLst>
-            <a:outerShdw blurRad="40000" dist="20000" dir="5400000" rotWithShape="0">
-              <a:srgbClr val="000000">
-                <a:alpha val="38000"/>
-              </a:srgbClr>
-            </a:outerShdw>
-          </a:effectLst>
-        </a:effectStyle>
-        <a:effectStyle>
-          <a:effectLst>
-            <a:outerShdw blurRad="40000" dist="23000" dir="5400000" rotWithShape="0">
-              <a:srgbClr val="000000">
-                <a:alpha val="35000"/>
-              </a:srgbClr>
-            </a:outerShdw>
-          </a:effectLst>
-        </a:effectStyle>
-        <a:effectStyle>
-          <a:effectLst>
-            <a:outerShdw blurRad="40000" dist="23000" dir="5400000" rotWithShape="0">
-              <a:srgbClr val="000000">
-                <a:alpha val="35000"/>
-              </a:srgbClr>
-            </a:outerShdw>
-          </a:effectLst>
-          <a:scene3d>
-            <a:camera prst="orthographicFront">
-              <a:rot lat="0" lon="0" rev="0"/>
-            </a:camera>
-            <a:lightRig rig="threePt" dir="t">
-              <a:rot lat="0" lon="0" rev="1200000"/>
-            </a:lightRig>
-          </a:scene3d>
-          <a:sp3d>
-            <a:bevelT w="63500" h="25400"/>
-          </a:sp3d>
-        </a:effectStyle>
-      </a:effectStyleLst>
-      <a:bgFillStyleLst>
-        <a:solidFill>
-          <a:schemeClr val="phClr"/>
-        </a:solidFill>
-        <a:gradFill rotWithShape="1">
-          <a:gsLst>
-            <a:gs pos="0">
-              <a:schemeClr val="phClr">
-                <a:tint val="40000"/>
-                <a:satMod val="350000"/>
-              </a:schemeClr>
-            </a:gs>
-            <a:gs pos="40000">
-              <a:schemeClr val="phClr">
-                <a:tint val="45000"/>
-                <a:shade val="99000"/>
-                <a:satMod val="350000"/>
-              </a:schemeClr>
-            </a:gs>
-            <a:gs pos="100000">
-              <a:schemeClr val="phClr">
-                <a:shade val="20000"/>
-                <a:satMod val="255000"/>
-              </a:schemeClr>
-            </a:gs>
-          </a:gsLst>
-          <a:path path="circle">
-            <a:fillToRect l="50000" t="-80000" r="50000" b="180000"/>
-          </a:path>
-        </a:gradFill>
-        <a:gradFill rotWithShape="1">
-          <a:gsLst>
-            <a:gs pos="0">
-              <a:schemeClr val="phClr">
-                <a:tint val="80000"/>
-                <a:satMod val="300000"/>
-              </a:schemeClr>
-            </a:gs>
-            <a:gs pos="100000">
-              <a:schemeClr val="phClr">
-                <a:shade val="30000"/>
-                <a:satMod val="200000"/>
-              </a:schemeClr>
-            </a:gs>
-          </a:gsLst>
-          <a:path path="circle">
-            <a:fillToRect l="50000" t="50000" r="50000" b="50000"/>
-          </a:path>
-        </a:gradFill>
-      </a:bgFillStyleLst>
-    </a:fmtScheme>
-  </a:themeElements>
-</a:theme>
 </file>